--- a/26ass/Node intro.pptx
+++ b/26ass/Node intro.pptx
@@ -122,6 +122,11 @@
       </a:defRPr>
     </a:lvl9pPr>
   </p:defaultTextStyle>
+  <p:extLst>
+    <p:ext uri="{EFAFB233-063F-42B5-8137-9DF3F51BA10A}">
+      <p15:sldGuideLst xmlns:p15="http://schemas.microsoft.com/office/powerpoint/2012/main"/>
+    </p:ext>
+  </p:extLst>
 </p:presentation>
 </file>
 
@@ -274,7 +279,7 @@
           <a:p>
             <a:fld id="{A3C8715F-31E8-0C42-A116-9C25AE71A9FB}" type="datetimeFigureOut">
               <a:rPr lang="en-IL" smtClean="0"/>
-              <a:t>06/08/2023</a:t>
+              <a:t>21/08/2023</a:t>
             </a:fld>
             <a:endParaRPr lang="en-IL"/>
           </a:p>
@@ -474,7 +479,7 @@
           <a:p>
             <a:fld id="{A3C8715F-31E8-0C42-A116-9C25AE71A9FB}" type="datetimeFigureOut">
               <a:rPr lang="en-IL" smtClean="0"/>
-              <a:t>06/08/2023</a:t>
+              <a:t>21/08/2023</a:t>
             </a:fld>
             <a:endParaRPr lang="en-IL"/>
           </a:p>
@@ -684,7 +689,7 @@
           <a:p>
             <a:fld id="{A3C8715F-31E8-0C42-A116-9C25AE71A9FB}" type="datetimeFigureOut">
               <a:rPr lang="en-IL" smtClean="0"/>
-              <a:t>06/08/2023</a:t>
+              <a:t>21/08/2023</a:t>
             </a:fld>
             <a:endParaRPr lang="en-IL"/>
           </a:p>
@@ -884,7 +889,7 @@
           <a:p>
             <a:fld id="{A3C8715F-31E8-0C42-A116-9C25AE71A9FB}" type="datetimeFigureOut">
               <a:rPr lang="en-IL" smtClean="0"/>
-              <a:t>06/08/2023</a:t>
+              <a:t>21/08/2023</a:t>
             </a:fld>
             <a:endParaRPr lang="en-IL"/>
           </a:p>
@@ -1160,7 +1165,7 @@
           <a:p>
             <a:fld id="{A3C8715F-31E8-0C42-A116-9C25AE71A9FB}" type="datetimeFigureOut">
               <a:rPr lang="en-IL" smtClean="0"/>
-              <a:t>06/08/2023</a:t>
+              <a:t>21/08/2023</a:t>
             </a:fld>
             <a:endParaRPr lang="en-IL"/>
           </a:p>
@@ -1428,7 +1433,7 @@
           <a:p>
             <a:fld id="{A3C8715F-31E8-0C42-A116-9C25AE71A9FB}" type="datetimeFigureOut">
               <a:rPr lang="en-IL" smtClean="0"/>
-              <a:t>06/08/2023</a:t>
+              <a:t>21/08/2023</a:t>
             </a:fld>
             <a:endParaRPr lang="en-IL"/>
           </a:p>
@@ -1843,7 +1848,7 @@
           <a:p>
             <a:fld id="{A3C8715F-31E8-0C42-A116-9C25AE71A9FB}" type="datetimeFigureOut">
               <a:rPr lang="en-IL" smtClean="0"/>
-              <a:t>06/08/2023</a:t>
+              <a:t>21/08/2023</a:t>
             </a:fld>
             <a:endParaRPr lang="en-IL"/>
           </a:p>
@@ -1985,7 +1990,7 @@
           <a:p>
             <a:fld id="{A3C8715F-31E8-0C42-A116-9C25AE71A9FB}" type="datetimeFigureOut">
               <a:rPr lang="en-IL" smtClean="0"/>
-              <a:t>06/08/2023</a:t>
+              <a:t>21/08/2023</a:t>
             </a:fld>
             <a:endParaRPr lang="en-IL"/>
           </a:p>
@@ -2098,7 +2103,7 @@
           <a:p>
             <a:fld id="{A3C8715F-31E8-0C42-A116-9C25AE71A9FB}" type="datetimeFigureOut">
               <a:rPr lang="en-IL" smtClean="0"/>
-              <a:t>06/08/2023</a:t>
+              <a:t>21/08/2023</a:t>
             </a:fld>
             <a:endParaRPr lang="en-IL"/>
           </a:p>
@@ -2411,7 +2416,7 @@
           <a:p>
             <a:fld id="{A3C8715F-31E8-0C42-A116-9C25AE71A9FB}" type="datetimeFigureOut">
               <a:rPr lang="en-IL" smtClean="0"/>
-              <a:t>06/08/2023</a:t>
+              <a:t>21/08/2023</a:t>
             </a:fld>
             <a:endParaRPr lang="en-IL"/>
           </a:p>
@@ -2700,7 +2705,7 @@
           <a:p>
             <a:fld id="{A3C8715F-31E8-0C42-A116-9C25AE71A9FB}" type="datetimeFigureOut">
               <a:rPr lang="en-IL" smtClean="0"/>
-              <a:t>06/08/2023</a:t>
+              <a:t>21/08/2023</a:t>
             </a:fld>
             <a:endParaRPr lang="en-IL"/>
           </a:p>
@@ -2943,7 +2948,7 @@
           <a:p>
             <a:fld id="{A3C8715F-31E8-0C42-A116-9C25AE71A9FB}" type="datetimeFigureOut">
               <a:rPr lang="en-IL" smtClean="0"/>
-              <a:t>06/08/2023</a:t>
+              <a:t>21/08/2023</a:t>
             </a:fld>
             <a:endParaRPr lang="en-IL"/>
           </a:p>
@@ -5989,7 +5994,12 @@
             <p:ph idx="1"/>
           </p:nvPr>
         </p:nvSpPr>
-        <p:spPr/>
+        <p:spPr>
+          <a:xfrm>
+            <a:off x="838200" y="1825625"/>
+            <a:ext cx="10515600" cy="1325563"/>
+          </a:xfrm>
+        </p:spPr>
         <p:txBody>
           <a:bodyPr/>
           <a:lstStyle/>
@@ -6007,9 +6017,9 @@
             </a:r>
           </a:p>
           <a:p>
-            <a:br>
-              <a:rPr lang="en-US" dirty="0"/>
-            </a:br>
+            <a:pPr marL="0" indent="0">
+              <a:buNone/>
+            </a:pPr>
             <a:endParaRPr lang="en-IL" dirty="0"/>
           </a:p>
         </p:txBody>

--- a/26ass/Node intro.pptx
+++ b/26ass/Node intro.pptx
@@ -28,21 +28,26 @@
     <p:sldId id="291" r:id="rId22"/>
     <p:sldId id="292" r:id="rId23"/>
     <p:sldId id="293" r:id="rId24"/>
-    <p:sldId id="273" r:id="rId25"/>
-    <p:sldId id="274" r:id="rId26"/>
-    <p:sldId id="275" r:id="rId27"/>
-    <p:sldId id="276" r:id="rId28"/>
-    <p:sldId id="278" r:id="rId29"/>
-    <p:sldId id="279" r:id="rId30"/>
-    <p:sldId id="280" r:id="rId31"/>
-    <p:sldId id="284" r:id="rId32"/>
-    <p:sldId id="285" r:id="rId33"/>
-    <p:sldId id="286" r:id="rId34"/>
-    <p:sldId id="281" r:id="rId35"/>
-    <p:sldId id="282" r:id="rId36"/>
-    <p:sldId id="283" r:id="rId37"/>
-    <p:sldId id="277" r:id="rId38"/>
-    <p:sldId id="258" r:id="rId39"/>
+    <p:sldId id="296" r:id="rId25"/>
+    <p:sldId id="294" r:id="rId26"/>
+    <p:sldId id="295" r:id="rId27"/>
+    <p:sldId id="297" r:id="rId28"/>
+    <p:sldId id="298" r:id="rId29"/>
+    <p:sldId id="273" r:id="rId30"/>
+    <p:sldId id="274" r:id="rId31"/>
+    <p:sldId id="275" r:id="rId32"/>
+    <p:sldId id="276" r:id="rId33"/>
+    <p:sldId id="278" r:id="rId34"/>
+    <p:sldId id="279" r:id="rId35"/>
+    <p:sldId id="280" r:id="rId36"/>
+    <p:sldId id="284" r:id="rId37"/>
+    <p:sldId id="285" r:id="rId38"/>
+    <p:sldId id="286" r:id="rId39"/>
+    <p:sldId id="281" r:id="rId40"/>
+    <p:sldId id="282" r:id="rId41"/>
+    <p:sldId id="283" r:id="rId42"/>
+    <p:sldId id="277" r:id="rId43"/>
+    <p:sldId id="258" r:id="rId44"/>
   </p:sldIdLst>
   <p:sldSz cx="12192000" cy="6858000"/>
   <p:notesSz cx="6858000" cy="9144000"/>
@@ -14852,13 +14857,13 @@
   <p:clrMapOvr>
     <a:masterClrMapping/>
   </p:clrMapOvr>
-  <mc:AlternateContent xmlns:mc="http://schemas.openxmlformats.org/markup-compatibility/2006">
-    <mc:Choice xmlns:p14="http://schemas.microsoft.com/office/powerpoint/2010/main" Requires="p14">
+  <mc:AlternateContent xmlns:mc="http://schemas.openxmlformats.org/markup-compatibility/2006" xmlns:p14="http://schemas.microsoft.com/office/powerpoint/2010/main">
+    <mc:Choice Requires="p14">
       <p:transition spd="slow" p14:dur="1500">
         <p:split orient="vert"/>
       </p:transition>
     </mc:Choice>
-    <mc:Fallback>
+    <mc:Fallback xmlns="">
       <p:transition spd="slow">
         <p:split orient="vert"/>
       </p:transition>
@@ -16285,13 +16290,13 @@
   <p:clrMapOvr>
     <a:masterClrMapping/>
   </p:clrMapOvr>
-  <mc:AlternateContent xmlns:mc="http://schemas.openxmlformats.org/markup-compatibility/2006">
-    <mc:Choice xmlns:p14="http://schemas.microsoft.com/office/powerpoint/2010/main" Requires="p14">
+  <mc:AlternateContent xmlns:mc="http://schemas.openxmlformats.org/markup-compatibility/2006" xmlns:p14="http://schemas.microsoft.com/office/powerpoint/2010/main">
+    <mc:Choice Requires="p14">
       <p:transition spd="slow" p14:dur="1500">
         <p:split orient="vert"/>
       </p:transition>
     </mc:Choice>
-    <mc:Fallback>
+    <mc:Fallback xmlns="">
       <p:transition spd="slow">
         <p:split orient="vert"/>
       </p:transition>
@@ -17052,13 +17057,13 @@
   <p:clrMapOvr>
     <a:masterClrMapping/>
   </p:clrMapOvr>
-  <mc:AlternateContent xmlns:mc="http://schemas.openxmlformats.org/markup-compatibility/2006">
-    <mc:Choice xmlns:p14="http://schemas.microsoft.com/office/powerpoint/2010/main" Requires="p14">
+  <mc:AlternateContent xmlns:mc="http://schemas.openxmlformats.org/markup-compatibility/2006" xmlns:p14="http://schemas.microsoft.com/office/powerpoint/2010/main">
+    <mc:Choice Requires="p14">
       <p:transition spd="slow" p14:dur="1500">
         <p:split orient="vert"/>
       </p:transition>
     </mc:Choice>
-    <mc:Fallback>
+    <mc:Fallback xmlns="">
       <p:transition spd="slow">
         <p:split orient="vert"/>
       </p:transition>
@@ -17231,7 +17236,7 @@
         </p:blipFill>
         <p:spPr>
           <a:xfrm>
-            <a:off x="1518710" y="1675227"/>
+            <a:off x="1518710" y="1683936"/>
             <a:ext cx="9154580" cy="4394199"/>
           </a:xfrm>
           <a:prstGeom prst="rect">
@@ -17249,13 +17254,13 @@
   <p:clrMapOvr>
     <a:masterClrMapping/>
   </p:clrMapOvr>
-  <mc:AlternateContent xmlns:mc="http://schemas.openxmlformats.org/markup-compatibility/2006">
-    <mc:Choice xmlns:p14="http://schemas.microsoft.com/office/powerpoint/2010/main" Requires="p14">
+  <mc:AlternateContent xmlns:mc="http://schemas.openxmlformats.org/markup-compatibility/2006" xmlns:p14="http://schemas.microsoft.com/office/powerpoint/2010/main">
+    <mc:Choice Requires="p14">
       <p:transition spd="slow" p14:dur="1500">
         <p:split orient="vert"/>
       </p:transition>
     </mc:Choice>
-    <mc:Fallback>
+    <mc:Fallback xmlns="">
       <p:transition spd="slow">
         <p:split orient="vert"/>
       </p:transition>
@@ -17688,13 +17693,13 @@
   <p:clrMapOvr>
     <a:masterClrMapping/>
   </p:clrMapOvr>
-  <mc:AlternateContent xmlns:mc="http://schemas.openxmlformats.org/markup-compatibility/2006">
-    <mc:Choice xmlns:p14="http://schemas.microsoft.com/office/powerpoint/2010/main" Requires="p14">
+  <mc:AlternateContent xmlns:mc="http://schemas.openxmlformats.org/markup-compatibility/2006" xmlns:p14="http://schemas.microsoft.com/office/powerpoint/2010/main">
+    <mc:Choice Requires="p14">
       <p:transition spd="slow" p14:dur="1500">
         <p:split orient="vert"/>
       </p:transition>
     </mc:Choice>
-    <mc:Fallback>
+    <mc:Fallback xmlns="">
       <p:transition spd="slow">
         <p:split orient="vert"/>
       </p:transition>
@@ -18098,13 +18103,13 @@
   <p:clrMapOvr>
     <a:masterClrMapping/>
   </p:clrMapOvr>
-  <mc:AlternateContent xmlns:mc="http://schemas.openxmlformats.org/markup-compatibility/2006">
-    <mc:Choice xmlns:p14="http://schemas.microsoft.com/office/powerpoint/2010/main" Requires="p14">
+  <mc:AlternateContent xmlns:mc="http://schemas.openxmlformats.org/markup-compatibility/2006" xmlns:p14="http://schemas.microsoft.com/office/powerpoint/2010/main">
+    <mc:Choice Requires="p14">
       <p:transition spd="slow" p14:dur="1500">
         <p:split orient="vert"/>
       </p:transition>
     </mc:Choice>
-    <mc:Fallback>
+    <mc:Fallback xmlns="">
       <p:transition spd="slow">
         <p:split orient="vert"/>
       </p:transition>
@@ -28851,13 +28856,13 @@
   <p:clrMapOvr>
     <a:masterClrMapping/>
   </p:clrMapOvr>
-  <mc:AlternateContent xmlns:mc="http://schemas.openxmlformats.org/markup-compatibility/2006">
-    <mc:Choice xmlns:p14="http://schemas.microsoft.com/office/powerpoint/2010/main" Requires="p14">
+  <mc:AlternateContent xmlns:mc="http://schemas.openxmlformats.org/markup-compatibility/2006" xmlns:p14="http://schemas.microsoft.com/office/powerpoint/2010/main">
+    <mc:Choice Requires="p14">
       <p:transition spd="slow" p14:dur="1500">
         <p:split orient="vert"/>
       </p:transition>
     </mc:Choice>
-    <mc:Fallback>
+    <mc:Fallback xmlns="">
       <p:transition spd="slow">
         <p:split orient="vert"/>
       </p:transition>
@@ -29361,13 +29366,13 @@
   <p:clrMapOvr>
     <a:masterClrMapping/>
   </p:clrMapOvr>
-  <mc:AlternateContent xmlns:mc="http://schemas.openxmlformats.org/markup-compatibility/2006">
-    <mc:Choice xmlns:p14="http://schemas.microsoft.com/office/powerpoint/2010/main" Requires="p14">
+  <mc:AlternateContent xmlns:mc="http://schemas.openxmlformats.org/markup-compatibility/2006" xmlns:p14="http://schemas.microsoft.com/office/powerpoint/2010/main">
+    <mc:Choice Requires="p14">
       <p:transition spd="slow" p14:dur="1500">
         <p:split orient="vert"/>
       </p:transition>
     </mc:Choice>
-    <mc:Fallback>
+    <mc:Fallback xmlns="">
       <p:transition spd="slow">
         <p:split orient="vert"/>
       </p:transition>
@@ -29457,13 +29462,13 @@
   <p:clrMapOvr>
     <a:masterClrMapping/>
   </p:clrMapOvr>
-  <mc:AlternateContent xmlns:mc="http://schemas.openxmlformats.org/markup-compatibility/2006">
-    <mc:Choice xmlns:p14="http://schemas.microsoft.com/office/powerpoint/2010/main" Requires="p14">
+  <mc:AlternateContent xmlns:mc="http://schemas.openxmlformats.org/markup-compatibility/2006" xmlns:p14="http://schemas.microsoft.com/office/powerpoint/2010/main">
+    <mc:Choice Requires="p14">
       <p:transition spd="slow" p14:dur="1500">
         <p:split orient="vert"/>
       </p:transition>
     </mc:Choice>
-    <mc:Fallback>
+    <mc:Fallback xmlns="">
       <p:transition spd="slow">
         <p:split orient="vert"/>
       </p:transition>
@@ -29691,13 +29696,13 @@
   <p:clrMapOvr>
     <a:masterClrMapping/>
   </p:clrMapOvr>
-  <mc:AlternateContent xmlns:mc="http://schemas.openxmlformats.org/markup-compatibility/2006">
-    <mc:Choice xmlns:p14="http://schemas.microsoft.com/office/powerpoint/2010/main" Requires="p14">
+  <mc:AlternateContent xmlns:mc="http://schemas.openxmlformats.org/markup-compatibility/2006" xmlns:p14="http://schemas.microsoft.com/office/powerpoint/2010/main">
+    <mc:Choice Requires="p14">
       <p:transition spd="slow" p14:dur="1500">
         <p:split orient="vert"/>
       </p:transition>
     </mc:Choice>
-    <mc:Fallback>
+    <mc:Fallback xmlns="">
       <p:transition spd="slow">
         <p:split orient="vert"/>
       </p:transition>
@@ -30050,13 +30055,13 @@
   <p:clrMapOvr>
     <a:masterClrMapping/>
   </p:clrMapOvr>
-  <mc:AlternateContent xmlns:mc="http://schemas.openxmlformats.org/markup-compatibility/2006">
-    <mc:Choice xmlns:p14="http://schemas.microsoft.com/office/powerpoint/2010/main" Requires="p14">
+  <mc:AlternateContent xmlns:mc="http://schemas.openxmlformats.org/markup-compatibility/2006" xmlns:p14="http://schemas.microsoft.com/office/powerpoint/2010/main">
+    <mc:Choice Requires="p14">
       <p:transition spd="slow" p14:dur="1500">
         <p:split orient="vert"/>
       </p:transition>
     </mc:Choice>
-    <mc:Fallback>
+    <mc:Fallback xmlns="">
       <p:transition spd="slow">
         <p:split orient="vert"/>
       </p:transition>
@@ -30406,13 +30411,13 @@
   <p:clrMapOvr>
     <a:masterClrMapping/>
   </p:clrMapOvr>
-  <mc:AlternateContent xmlns:mc="http://schemas.openxmlformats.org/markup-compatibility/2006">
-    <mc:Choice xmlns:p14="http://schemas.microsoft.com/office/powerpoint/2010/main" Requires="p14">
+  <mc:AlternateContent xmlns:mc="http://schemas.openxmlformats.org/markup-compatibility/2006" xmlns:p14="http://schemas.microsoft.com/office/powerpoint/2010/main">
+    <mc:Choice Requires="p14">
       <p:transition spd="slow" p14:dur="1500">
         <p:split orient="vert"/>
       </p:transition>
     </mc:Choice>
-    <mc:Fallback>
+    <mc:Fallback xmlns="">
       <p:transition spd="slow">
         <p:split orient="vert"/>
       </p:transition>
@@ -30698,13 +30703,13 @@
   <p:clrMapOvr>
     <a:masterClrMapping/>
   </p:clrMapOvr>
-  <mc:AlternateContent xmlns:mc="http://schemas.openxmlformats.org/markup-compatibility/2006">
-    <mc:Choice xmlns:p14="http://schemas.microsoft.com/office/powerpoint/2010/main" Requires="p14">
+  <mc:AlternateContent xmlns:mc="http://schemas.openxmlformats.org/markup-compatibility/2006" xmlns:p14="http://schemas.microsoft.com/office/powerpoint/2010/main">
+    <mc:Choice Requires="p14">
       <p:transition spd="slow" p14:dur="1500">
         <p:split orient="vert"/>
       </p:transition>
     </mc:Choice>
-    <mc:Fallback>
+    <mc:Fallback xmlns="">
       <p:transition spd="slow">
         <p:split orient="vert"/>
       </p:transition>
@@ -31212,13 +31217,13 @@
   <p:clrMapOvr>
     <a:masterClrMapping/>
   </p:clrMapOvr>
-  <mc:AlternateContent xmlns:mc="http://schemas.openxmlformats.org/markup-compatibility/2006">
-    <mc:Choice xmlns:p14="http://schemas.microsoft.com/office/powerpoint/2010/main" Requires="p14">
+  <mc:AlternateContent xmlns:mc="http://schemas.openxmlformats.org/markup-compatibility/2006" xmlns:p14="http://schemas.microsoft.com/office/powerpoint/2010/main">
+    <mc:Choice Requires="p14">
       <p:transition spd="slow" p14:dur="1500">
         <p:split orient="vert"/>
       </p:transition>
     </mc:Choice>
-    <mc:Fallback>
+    <mc:Fallback xmlns="">
       <p:transition spd="slow">
         <p:split orient="vert"/>
       </p:transition>
@@ -31230,6 +31235,2595 @@
 <file path=ppt/slides/slide22.xml><?xml version="1.0" encoding="utf-8"?>
 <p:sld xmlns:a="http://schemas.openxmlformats.org/drawingml/2006/main" xmlns:r="http://schemas.openxmlformats.org/officeDocument/2006/relationships" xmlns:p="http://schemas.openxmlformats.org/presentationml/2006/main">
   <p:cSld>
+    <p:bg>
+      <p:bgPr>
+        <a:solidFill>
+          <a:schemeClr val="bg1"/>
+        </a:solidFill>
+        <a:effectLst/>
+      </p:bgPr>
+    </p:bg>
+    <p:spTree>
+      <p:nvGrpSpPr>
+        <p:cNvPr id="1" name=""/>
+        <p:cNvGrpSpPr/>
+        <p:nvPr/>
+      </p:nvGrpSpPr>
+      <p:grpSpPr>
+        <a:xfrm>
+          <a:off x="0" y="0"/>
+          <a:ext cx="0" cy="0"/>
+          <a:chOff x="0" y="0"/>
+          <a:chExt cx="0" cy="0"/>
+        </a:xfrm>
+      </p:grpSpPr>
+      <p:sp useBgFill="1">
+        <p:nvSpPr>
+          <p:cNvPr id="10" name="Rectangle 9">
+            <a:extLst>
+              <a:ext uri="{FF2B5EF4-FFF2-40B4-BE49-F238E27FC236}">
+                <a16:creationId xmlns:a16="http://schemas.microsoft.com/office/drawing/2014/main" id="{23D09407-53BC-485E-B4CE-BC5E4FC4B25B}"/>
+              </a:ext>
+              <a:ext uri="{C183D7F6-B498-43B3-948B-1728B52AA6E4}">
+                <adec:decorative xmlns:adec="http://schemas.microsoft.com/office/drawing/2017/decorative" val="1"/>
+              </a:ext>
+            </a:extLst>
+          </p:cNvPr>
+          <p:cNvSpPr>
+            <a:spLocks noGrp="1" noRot="1" noChangeAspect="1" noMove="1" noResize="1" noEditPoints="1" noAdjustHandles="1" noChangeArrowheads="1" noChangeShapeType="1" noTextEdit="1"/>
+          </p:cNvSpPr>
+          <p:nvPr>
+            <p:extLst>
+              <p:ext uri="{386F3935-93C4-4BCD-93E2-E3B085C9AB24}">
+                <p16:designElem xmlns:p16="http://schemas.microsoft.com/office/powerpoint/2015/main" val="1"/>
+              </p:ext>
+            </p:extLst>
+          </p:nvPr>
+        </p:nvSpPr>
+        <p:spPr>
+          <a:xfrm>
+            <a:off x="0" y="0"/>
+            <a:ext cx="12191695" cy="6858000"/>
+          </a:xfrm>
+          <a:prstGeom prst="rect">
+            <a:avLst/>
+          </a:prstGeom>
+          <a:ln>
+            <a:noFill/>
+          </a:ln>
+        </p:spPr>
+        <p:style>
+          <a:lnRef idx="2">
+            <a:schemeClr val="accent1">
+              <a:shade val="50000"/>
+            </a:schemeClr>
+          </a:lnRef>
+          <a:fillRef idx="1">
+            <a:schemeClr val="accent1"/>
+          </a:fillRef>
+          <a:effectRef idx="0">
+            <a:schemeClr val="accent1"/>
+          </a:effectRef>
+          <a:fontRef idx="minor">
+            <a:schemeClr val="lt1"/>
+          </a:fontRef>
+        </p:style>
+        <p:txBody>
+          <a:bodyPr rtlCol="0" anchor="ctr"/>
+          <a:lstStyle/>
+          <a:p>
+            <a:pPr algn="ctr"/>
+            <a:endParaRPr lang="en-US"/>
+          </a:p>
+        </p:txBody>
+      </p:sp>
+      <p:sp>
+        <p:nvSpPr>
+          <p:cNvPr id="12" name="Rectangle 11">
+            <a:extLst>
+              <a:ext uri="{FF2B5EF4-FFF2-40B4-BE49-F238E27FC236}">
+                <a16:creationId xmlns:a16="http://schemas.microsoft.com/office/drawing/2014/main" id="{921DB988-49FC-4608-B0A2-E2F3A4019041}"/>
+              </a:ext>
+              <a:ext uri="{C183D7F6-B498-43B3-948B-1728B52AA6E4}">
+                <adec:decorative xmlns:adec="http://schemas.microsoft.com/office/drawing/2017/decorative" val="1"/>
+              </a:ext>
+            </a:extLst>
+          </p:cNvPr>
+          <p:cNvSpPr>
+            <a:spLocks noGrp="1" noRot="1" noChangeAspect="1" noMove="1" noResize="1" noEditPoints="1" noAdjustHandles="1" noChangeArrowheads="1" noChangeShapeType="1" noTextEdit="1"/>
+          </p:cNvSpPr>
+          <p:nvPr>
+            <p:extLst>
+              <p:ext uri="{386F3935-93C4-4BCD-93E2-E3B085C9AB24}">
+                <p16:designElem xmlns:p16="http://schemas.microsoft.com/office/powerpoint/2015/main" val="1"/>
+              </p:ext>
+            </p:extLst>
+          </p:nvPr>
+        </p:nvSpPr>
+        <p:spPr>
+          <a:xfrm>
+            <a:off x="305" y="0"/>
+            <a:ext cx="12191695" cy="6858000"/>
+          </a:xfrm>
+          <a:prstGeom prst="rect">
+            <a:avLst/>
+          </a:prstGeom>
+          <a:solidFill>
+            <a:schemeClr val="bg1"/>
+          </a:solidFill>
+          <a:ln>
+            <a:noFill/>
+          </a:ln>
+        </p:spPr>
+        <p:style>
+          <a:lnRef idx="2">
+            <a:schemeClr val="accent1">
+              <a:shade val="50000"/>
+            </a:schemeClr>
+          </a:lnRef>
+          <a:fillRef idx="1">
+            <a:schemeClr val="accent1"/>
+          </a:fillRef>
+          <a:effectRef idx="0">
+            <a:schemeClr val="accent1"/>
+          </a:effectRef>
+          <a:fontRef idx="minor">
+            <a:schemeClr val="lt1"/>
+          </a:fontRef>
+        </p:style>
+        <p:txBody>
+          <a:bodyPr rtlCol="0" anchor="ctr"/>
+          <a:lstStyle/>
+          <a:p>
+            <a:pPr algn="ctr"/>
+            <a:endParaRPr lang="en-US"/>
+          </a:p>
+        </p:txBody>
+      </p:sp>
+      <p:sp>
+        <p:nvSpPr>
+          <p:cNvPr id="2" name="Title 1">
+            <a:extLst>
+              <a:ext uri="{FF2B5EF4-FFF2-40B4-BE49-F238E27FC236}">
+                <a16:creationId xmlns:a16="http://schemas.microsoft.com/office/drawing/2014/main" id="{946BD1D3-01F4-6CBA-ED26-AE363F2741D1}"/>
+              </a:ext>
+            </a:extLst>
+          </p:cNvPr>
+          <p:cNvSpPr>
+            <a:spLocks noGrp="1"/>
+          </p:cNvSpPr>
+          <p:nvPr>
+            <p:ph type="title"/>
+          </p:nvPr>
+        </p:nvSpPr>
+        <p:spPr>
+          <a:xfrm>
+            <a:off x="755903" y="3399769"/>
+            <a:ext cx="10640754" cy="775845"/>
+          </a:xfrm>
+        </p:spPr>
+        <p:txBody>
+          <a:bodyPr vert="horz" lIns="91440" tIns="45720" rIns="91440" bIns="45720" rtlCol="0" anchor="b">
+            <a:normAutofit/>
+          </a:bodyPr>
+          <a:lstStyle/>
+          <a:p>
+            <a:pPr algn="ctr"/>
+            <a:r>
+              <a:rPr lang="en-US" sz="4000" b="1" i="0" kern="1200">
+                <a:solidFill>
+                  <a:schemeClr val="tx2"/>
+                </a:solidFill>
+                <a:effectLst/>
+                <a:latin typeface="+mj-lt"/>
+                <a:ea typeface="+mj-ea"/>
+                <a:cs typeface="+mj-cs"/>
+              </a:rPr>
+              <a:t>SELECT with WHERE</a:t>
+            </a:r>
+            <a:endParaRPr lang="en-US" sz="4000" kern="1200">
+              <a:solidFill>
+                <a:schemeClr val="tx2"/>
+              </a:solidFill>
+              <a:latin typeface="+mj-lt"/>
+              <a:ea typeface="+mj-ea"/>
+              <a:cs typeface="+mj-cs"/>
+            </a:endParaRPr>
+          </a:p>
+        </p:txBody>
+      </p:sp>
+      <p:grpSp>
+        <p:nvGrpSpPr>
+          <p:cNvPr id="14" name="Group 13">
+            <a:extLst>
+              <a:ext uri="{FF2B5EF4-FFF2-40B4-BE49-F238E27FC236}">
+                <a16:creationId xmlns:a16="http://schemas.microsoft.com/office/drawing/2014/main" id="{E9B930FD-8671-4C4C-ADCF-73AC1D0CD417}"/>
+              </a:ext>
+              <a:ext uri="{C183D7F6-B498-43B3-948B-1728B52AA6E4}">
+                <adec:decorative xmlns:adec="http://schemas.microsoft.com/office/drawing/2017/decorative" val="1"/>
+              </a:ext>
+            </a:extLst>
+          </p:cNvPr>
+          <p:cNvGrpSpPr>
+            <a:grpSpLocks noGrp="1" noUngrp="1" noRot="1" noChangeAspect="1" noMove="1" noResize="1"/>
+          </p:cNvGrpSpPr>
+          <p:nvPr>
+            <p:extLst>
+              <p:ext uri="{386F3935-93C4-4BCD-93E2-E3B085C9AB24}">
+                <p16:designElem xmlns:p16="http://schemas.microsoft.com/office/powerpoint/2015/main" val="1"/>
+              </p:ext>
+            </p:extLst>
+          </p:nvPr>
+        </p:nvGrpSpPr>
+        <p:grpSpPr>
+          <a:xfrm flipH="1">
+            <a:off x="9676747" y="0"/>
+            <a:ext cx="2514948" cy="2174333"/>
+            <a:chOff x="-305" y="-4155"/>
+            <a:chExt cx="2514948" cy="2174333"/>
+          </a:xfrm>
+        </p:grpSpPr>
+        <p:sp>
+          <p:nvSpPr>
+            <p:cNvPr id="15" name="Freeform: Shape 14">
+              <a:extLst>
+                <a:ext uri="{FF2B5EF4-FFF2-40B4-BE49-F238E27FC236}">
+                  <a16:creationId xmlns:a16="http://schemas.microsoft.com/office/drawing/2014/main" id="{C35B12C1-569C-4E37-AA33-7EF215F201B8}"/>
+                </a:ext>
+                <a:ext uri="{C183D7F6-B498-43B3-948B-1728B52AA6E4}">
+                  <adec:decorative xmlns:adec="http://schemas.microsoft.com/office/drawing/2017/decorative" val="1"/>
+                </a:ext>
+              </a:extLst>
+            </p:cNvPr>
+            <p:cNvSpPr/>
+            <p:nvPr>
+              <p:extLst>
+                <p:ext uri="{386F3935-93C4-4BCD-93E2-E3B085C9AB24}">
+                  <p16:designElem xmlns:p16="http://schemas.microsoft.com/office/powerpoint/2015/main" val="1"/>
+                </p:ext>
+              </p:extLst>
+            </p:nvPr>
+          </p:nvSpPr>
+          <p:spPr>
+            <a:xfrm>
+              <a:off x="-305" y="0"/>
+              <a:ext cx="2514948" cy="2170178"/>
+            </a:xfrm>
+            <a:custGeom>
+              <a:avLst/>
+              <a:gdLst>
+                <a:gd name="connsiteX0" fmla="*/ 2466091 w 2514948"/>
+                <a:gd name="connsiteY0" fmla="*/ 0 h 2170178"/>
+                <a:gd name="connsiteX1" fmla="*/ 2514948 w 2514948"/>
+                <a:gd name="connsiteY1" fmla="*/ 0 h 2170178"/>
+                <a:gd name="connsiteX2" fmla="*/ 2512286 w 2514948"/>
+                <a:gd name="connsiteY2" fmla="*/ 12375 h 2170178"/>
+                <a:gd name="connsiteX3" fmla="*/ 2394961 w 2514948"/>
+                <a:gd name="connsiteY3" fmla="*/ 368660 h 2170178"/>
+                <a:gd name="connsiteX4" fmla="*/ 2289734 w 2514948"/>
+                <a:gd name="connsiteY4" fmla="*/ 598078 h 2170178"/>
+                <a:gd name="connsiteX5" fmla="*/ 2163747 w 2514948"/>
+                <a:gd name="connsiteY5" fmla="*/ 819078 h 2170178"/>
+                <a:gd name="connsiteX6" fmla="*/ 1852241 w 2514948"/>
+                <a:gd name="connsiteY6" fmla="*/ 1228932 h 2170178"/>
+                <a:gd name="connsiteX7" fmla="*/ 1668235 w 2514948"/>
+                <a:gd name="connsiteY7" fmla="*/ 1413844 h 2170178"/>
+                <a:gd name="connsiteX8" fmla="*/ 1619510 w 2514948"/>
+                <a:gd name="connsiteY8" fmla="*/ 1457722 h 2170178"/>
+                <a:gd name="connsiteX9" fmla="*/ 1569835 w 2514948"/>
+                <a:gd name="connsiteY9" fmla="*/ 1500704 h 2170178"/>
+                <a:gd name="connsiteX10" fmla="*/ 1467169 w 2514948"/>
+                <a:gd name="connsiteY10" fmla="*/ 1583266 h 2170178"/>
+                <a:gd name="connsiteX11" fmla="*/ 1018393 w 2514948"/>
+                <a:gd name="connsiteY11" fmla="*/ 1867576 h 2170178"/>
+                <a:gd name="connsiteX12" fmla="*/ 255857 w 2514948"/>
+                <a:gd name="connsiteY12" fmla="*/ 2133049 h 2170178"/>
+                <a:gd name="connsiteX13" fmla="*/ 0 w 2514948"/>
+                <a:gd name="connsiteY13" fmla="*/ 2170178 h 2170178"/>
+                <a:gd name="connsiteX14" fmla="*/ 0 w 2514948"/>
+                <a:gd name="connsiteY14" fmla="*/ 1940056 h 2170178"/>
+                <a:gd name="connsiteX15" fmla="*/ 201609 w 2514948"/>
+                <a:gd name="connsiteY15" fmla="*/ 1902856 h 2170178"/>
+                <a:gd name="connsiteX16" fmla="*/ 440974 w 2514948"/>
+                <a:gd name="connsiteY16" fmla="*/ 1838472 h 2170178"/>
+                <a:gd name="connsiteX17" fmla="*/ 674558 w 2514948"/>
+                <a:gd name="connsiteY17" fmla="*/ 1756359 h 2170178"/>
+                <a:gd name="connsiteX18" fmla="*/ 901222 w 2514948"/>
+                <a:gd name="connsiteY18" fmla="*/ 1657142 h 2170178"/>
+                <a:gd name="connsiteX19" fmla="*/ 1330943 w 2514948"/>
+                <a:gd name="connsiteY19" fmla="*/ 1413396 h 2170178"/>
+                <a:gd name="connsiteX20" fmla="*/ 1432566 w 2514948"/>
+                <a:gd name="connsiteY20" fmla="*/ 1343193 h 2170178"/>
+                <a:gd name="connsiteX21" fmla="*/ 1482527 w 2514948"/>
+                <a:gd name="connsiteY21" fmla="*/ 1306926 h 2170178"/>
+                <a:gd name="connsiteX22" fmla="*/ 1531821 w 2514948"/>
+                <a:gd name="connsiteY22" fmla="*/ 1269765 h 2170178"/>
+                <a:gd name="connsiteX23" fmla="*/ 1721986 w 2514948"/>
+                <a:gd name="connsiteY23" fmla="*/ 1112073 h 2170178"/>
+                <a:gd name="connsiteX24" fmla="*/ 2061460 w 2514948"/>
+                <a:gd name="connsiteY24" fmla="*/ 754336 h 2170178"/>
+                <a:gd name="connsiteX25" fmla="*/ 2206218 w 2514948"/>
+                <a:gd name="connsiteY25" fmla="*/ 554827 h 2170178"/>
+                <a:gd name="connsiteX26" fmla="*/ 2329455 w 2514948"/>
+                <a:gd name="connsiteY26" fmla="*/ 341886 h 2170178"/>
+                <a:gd name="connsiteX27" fmla="*/ 2356757 w 2514948"/>
+                <a:gd name="connsiteY27" fmla="*/ 286815 h 2170178"/>
+                <a:gd name="connsiteX28" fmla="*/ 2370030 w 2514948"/>
+                <a:gd name="connsiteY28" fmla="*/ 259056 h 2170178"/>
+                <a:gd name="connsiteX29" fmla="*/ 2382637 w 2514948"/>
+                <a:gd name="connsiteY29" fmla="*/ 231028 h 2170178"/>
+                <a:gd name="connsiteX30" fmla="*/ 2406716 w 2514948"/>
+                <a:gd name="connsiteY30" fmla="*/ 174525 h 2170178"/>
+                <a:gd name="connsiteX31" fmla="*/ 2429278 w 2514948"/>
+                <a:gd name="connsiteY31" fmla="*/ 117393 h 2170178"/>
+              </a:gdLst>
+              <a:ahLst/>
+              <a:cxnLst>
+                <a:cxn ang="0">
+                  <a:pos x="connsiteX0" y="connsiteY0"/>
+                </a:cxn>
+                <a:cxn ang="0">
+                  <a:pos x="connsiteX1" y="connsiteY1"/>
+                </a:cxn>
+                <a:cxn ang="0">
+                  <a:pos x="connsiteX2" y="connsiteY2"/>
+                </a:cxn>
+                <a:cxn ang="0">
+                  <a:pos x="connsiteX3" y="connsiteY3"/>
+                </a:cxn>
+                <a:cxn ang="0">
+                  <a:pos x="connsiteX4" y="connsiteY4"/>
+                </a:cxn>
+                <a:cxn ang="0">
+                  <a:pos x="connsiteX5" y="connsiteY5"/>
+                </a:cxn>
+                <a:cxn ang="0">
+                  <a:pos x="connsiteX6" y="connsiteY6"/>
+                </a:cxn>
+                <a:cxn ang="0">
+                  <a:pos x="connsiteX7" y="connsiteY7"/>
+                </a:cxn>
+                <a:cxn ang="0">
+                  <a:pos x="connsiteX8" y="connsiteY8"/>
+                </a:cxn>
+                <a:cxn ang="0">
+                  <a:pos x="connsiteX9" y="connsiteY9"/>
+                </a:cxn>
+                <a:cxn ang="0">
+                  <a:pos x="connsiteX10" y="connsiteY10"/>
+                </a:cxn>
+                <a:cxn ang="0">
+                  <a:pos x="connsiteX11" y="connsiteY11"/>
+                </a:cxn>
+                <a:cxn ang="0">
+                  <a:pos x="connsiteX12" y="connsiteY12"/>
+                </a:cxn>
+                <a:cxn ang="0">
+                  <a:pos x="connsiteX13" y="connsiteY13"/>
+                </a:cxn>
+                <a:cxn ang="0">
+                  <a:pos x="connsiteX14" y="connsiteY14"/>
+                </a:cxn>
+                <a:cxn ang="0">
+                  <a:pos x="connsiteX15" y="connsiteY15"/>
+                </a:cxn>
+                <a:cxn ang="0">
+                  <a:pos x="connsiteX16" y="connsiteY16"/>
+                </a:cxn>
+                <a:cxn ang="0">
+                  <a:pos x="connsiteX17" y="connsiteY17"/>
+                </a:cxn>
+                <a:cxn ang="0">
+                  <a:pos x="connsiteX18" y="connsiteY18"/>
+                </a:cxn>
+                <a:cxn ang="0">
+                  <a:pos x="connsiteX19" y="connsiteY19"/>
+                </a:cxn>
+                <a:cxn ang="0">
+                  <a:pos x="connsiteX20" y="connsiteY20"/>
+                </a:cxn>
+                <a:cxn ang="0">
+                  <a:pos x="connsiteX21" y="connsiteY21"/>
+                </a:cxn>
+                <a:cxn ang="0">
+                  <a:pos x="connsiteX22" y="connsiteY22"/>
+                </a:cxn>
+                <a:cxn ang="0">
+                  <a:pos x="connsiteX23" y="connsiteY23"/>
+                </a:cxn>
+                <a:cxn ang="0">
+                  <a:pos x="connsiteX24" y="connsiteY24"/>
+                </a:cxn>
+                <a:cxn ang="0">
+                  <a:pos x="connsiteX25" y="connsiteY25"/>
+                </a:cxn>
+                <a:cxn ang="0">
+                  <a:pos x="connsiteX26" y="connsiteY26"/>
+                </a:cxn>
+                <a:cxn ang="0">
+                  <a:pos x="connsiteX27" y="connsiteY27"/>
+                </a:cxn>
+                <a:cxn ang="0">
+                  <a:pos x="connsiteX28" y="connsiteY28"/>
+                </a:cxn>
+                <a:cxn ang="0">
+                  <a:pos x="connsiteX29" y="connsiteY29"/>
+                </a:cxn>
+                <a:cxn ang="0">
+                  <a:pos x="connsiteX30" y="connsiteY30"/>
+                </a:cxn>
+                <a:cxn ang="0">
+                  <a:pos x="connsiteX31" y="connsiteY31"/>
+                </a:cxn>
+              </a:cxnLst>
+              <a:rect l="l" t="t" r="r" b="b"/>
+              <a:pathLst>
+                <a:path w="2514948" h="2170178">
+                  <a:moveTo>
+                    <a:pt x="2466091" y="0"/>
+                  </a:moveTo>
+                  <a:lnTo>
+                    <a:pt x="2514948" y="0"/>
+                  </a:lnTo>
+                  <a:lnTo>
+                    <a:pt x="2512286" y="12375"/>
+                  </a:lnTo>
+                  <a:cubicBezTo>
+                    <a:pt x="2481760" y="133161"/>
+                    <a:pt x="2442526" y="252239"/>
+                    <a:pt x="2394961" y="368660"/>
+                  </a:cubicBezTo>
+                  <a:cubicBezTo>
+                    <a:pt x="2363109" y="446208"/>
+                    <a:pt x="2328603" y="523039"/>
+                    <a:pt x="2289734" y="598078"/>
+                  </a:cubicBezTo>
+                  <a:cubicBezTo>
+                    <a:pt x="2251436" y="673387"/>
+                    <a:pt x="2209251" y="747083"/>
+                    <a:pt x="2163747" y="819078"/>
+                  </a:cubicBezTo>
+                  <a:cubicBezTo>
+                    <a:pt x="2072646" y="962979"/>
+                    <a:pt x="1968652" y="1100611"/>
+                    <a:pt x="1852241" y="1228932"/>
+                  </a:cubicBezTo>
+                  <a:cubicBezTo>
+                    <a:pt x="1793748" y="1292868"/>
+                    <a:pt x="1732698" y="1354923"/>
+                    <a:pt x="1668235" y="1413844"/>
+                  </a:cubicBezTo>
+                  <a:cubicBezTo>
+                    <a:pt x="1652214" y="1428709"/>
+                    <a:pt x="1636100" y="1443395"/>
+                    <a:pt x="1619510" y="1457722"/>
+                  </a:cubicBezTo>
+                  <a:cubicBezTo>
+                    <a:pt x="1603015" y="1472140"/>
+                    <a:pt x="1586805" y="1486825"/>
+                    <a:pt x="1569835" y="1500704"/>
+                  </a:cubicBezTo>
+                  <a:cubicBezTo>
+                    <a:pt x="1536276" y="1528911"/>
+                    <a:pt x="1501865" y="1556223"/>
+                    <a:pt x="1467169" y="1583266"/>
+                  </a:cubicBezTo>
+                  <a:cubicBezTo>
+                    <a:pt x="1327719" y="1690722"/>
+                    <a:pt x="1177085" y="1785910"/>
+                    <a:pt x="1018393" y="1867576"/>
+                  </a:cubicBezTo>
+                  <a:cubicBezTo>
+                    <a:pt x="780425" y="1990142"/>
+                    <a:pt x="522567" y="2080875"/>
+                    <a:pt x="255857" y="2133049"/>
+                  </a:cubicBezTo>
+                  <a:lnTo>
+                    <a:pt x="0" y="2170178"/>
+                  </a:lnTo>
+                  <a:lnTo>
+                    <a:pt x="0" y="1940056"/>
+                  </a:lnTo>
+                  <a:lnTo>
+                    <a:pt x="201609" y="1902856"/>
+                  </a:lnTo>
+                  <a:cubicBezTo>
+                    <a:pt x="282186" y="1884231"/>
+                    <a:pt x="362102" y="1863008"/>
+                    <a:pt x="440974" y="1838472"/>
+                  </a:cubicBezTo>
+                  <a:cubicBezTo>
+                    <a:pt x="519848" y="1814027"/>
+                    <a:pt x="597771" y="1786627"/>
+                    <a:pt x="674558" y="1756359"/>
+                  </a:cubicBezTo>
+                  <a:cubicBezTo>
+                    <a:pt x="751250" y="1726003"/>
+                    <a:pt x="826900" y="1692870"/>
+                    <a:pt x="901222" y="1657142"/>
+                  </a:cubicBezTo>
+                  <a:cubicBezTo>
+                    <a:pt x="1049865" y="1585774"/>
+                    <a:pt x="1193581" y="1504376"/>
+                    <a:pt x="1330943" y="1413396"/>
+                  </a:cubicBezTo>
+                  <a:cubicBezTo>
+                    <a:pt x="1365165" y="1390563"/>
+                    <a:pt x="1399293" y="1367370"/>
+                    <a:pt x="1432566" y="1343193"/>
+                  </a:cubicBezTo>
+                  <a:cubicBezTo>
+                    <a:pt x="1449441" y="1331373"/>
+                    <a:pt x="1465936" y="1319104"/>
+                    <a:pt x="1482527" y="1306926"/>
+                  </a:cubicBezTo>
+                  <a:cubicBezTo>
+                    <a:pt x="1499210" y="1294837"/>
+                    <a:pt x="1515611" y="1282391"/>
+                    <a:pt x="1531821" y="1269765"/>
+                  </a:cubicBezTo>
+                  <a:cubicBezTo>
+                    <a:pt x="1596947" y="1219350"/>
+                    <a:pt x="1660652" y="1167055"/>
+                    <a:pt x="1721986" y="1112073"/>
+                  </a:cubicBezTo>
+                  <a:cubicBezTo>
+                    <a:pt x="1844940" y="1002469"/>
+                    <a:pt x="1958983" y="882926"/>
+                    <a:pt x="2061460" y="754336"/>
+                  </a:cubicBezTo>
+                  <a:cubicBezTo>
+                    <a:pt x="2112652" y="690042"/>
+                    <a:pt x="2161094" y="623510"/>
+                    <a:pt x="2206218" y="554827"/>
+                  </a:cubicBezTo>
+                  <a:cubicBezTo>
+                    <a:pt x="2250583" y="485787"/>
+                    <a:pt x="2292484" y="415046"/>
+                    <a:pt x="2329455" y="341886"/>
+                  </a:cubicBezTo>
+                  <a:cubicBezTo>
+                    <a:pt x="2339030" y="323709"/>
+                    <a:pt x="2347941" y="305261"/>
+                    <a:pt x="2356757" y="286815"/>
+                  </a:cubicBezTo>
+                  <a:lnTo>
+                    <a:pt x="2370030" y="259056"/>
+                  </a:lnTo>
+                  <a:lnTo>
+                    <a:pt x="2382637" y="231028"/>
+                  </a:lnTo>
+                  <a:cubicBezTo>
+                    <a:pt x="2390885" y="212312"/>
+                    <a:pt x="2399227" y="193598"/>
+                    <a:pt x="2406716" y="174525"/>
+                  </a:cubicBezTo>
+                  <a:cubicBezTo>
+                    <a:pt x="2414206" y="155452"/>
+                    <a:pt x="2422453" y="136646"/>
+                    <a:pt x="2429278" y="117393"/>
+                  </a:cubicBezTo>
+                  <a:close/>
+                </a:path>
+              </a:pathLst>
+            </a:custGeom>
+            <a:gradFill>
+              <a:gsLst>
+                <a:gs pos="2000">
+                  <a:schemeClr val="bg1">
+                    <a:alpha val="10000"/>
+                  </a:schemeClr>
+                </a:gs>
+                <a:gs pos="16000">
+                  <a:schemeClr val="accent6">
+                    <a:alpha val="10000"/>
+                  </a:schemeClr>
+                </a:gs>
+                <a:gs pos="100000">
+                  <a:schemeClr val="bg1">
+                    <a:alpha val="10000"/>
+                  </a:schemeClr>
+                </a:gs>
+                <a:gs pos="85000">
+                  <a:schemeClr val="accent1">
+                    <a:alpha val="10000"/>
+                  </a:schemeClr>
+                </a:gs>
+              </a:gsLst>
+              <a:lin ang="12000000" scaled="0"/>
+            </a:gradFill>
+            <a:ln>
+              <a:noFill/>
+            </a:ln>
+          </p:spPr>
+          <p:style>
+            <a:lnRef idx="2">
+              <a:schemeClr val="accent1">
+                <a:shade val="50000"/>
+              </a:schemeClr>
+            </a:lnRef>
+            <a:fillRef idx="1">
+              <a:schemeClr val="accent1"/>
+            </a:fillRef>
+            <a:effectRef idx="0">
+              <a:schemeClr val="accent1"/>
+            </a:effectRef>
+            <a:fontRef idx="minor">
+              <a:schemeClr val="lt1"/>
+            </a:fontRef>
+          </p:style>
+          <p:txBody>
+            <a:bodyPr rtlCol="0" anchor="ctr"/>
+            <a:lstStyle/>
+            <a:p>
+              <a:pPr algn="ctr"/>
+              <a:endParaRPr lang="en-US"/>
+            </a:p>
+          </p:txBody>
+        </p:sp>
+        <p:sp>
+          <p:nvSpPr>
+            <p:cNvPr id="16" name="Freeform: Shape 15">
+              <a:extLst>
+                <a:ext uri="{FF2B5EF4-FFF2-40B4-BE49-F238E27FC236}">
+                  <a16:creationId xmlns:a16="http://schemas.microsoft.com/office/drawing/2014/main" id="{F23E2660-7810-46F6-8752-187127C830C6}"/>
+                </a:ext>
+                <a:ext uri="{C183D7F6-B498-43B3-948B-1728B52AA6E4}">
+                  <adec:decorative xmlns:adec="http://schemas.microsoft.com/office/drawing/2017/decorative" val="1"/>
+                </a:ext>
+              </a:extLst>
+            </p:cNvPr>
+            <p:cNvSpPr/>
+            <p:nvPr>
+              <p:extLst>
+                <p:ext uri="{386F3935-93C4-4BCD-93E2-E3B085C9AB24}">
+                  <p16:designElem xmlns:p16="http://schemas.microsoft.com/office/powerpoint/2015/main" val="1"/>
+                </p:ext>
+              </p:extLst>
+            </p:nvPr>
+          </p:nvSpPr>
+          <p:spPr>
+            <a:xfrm>
+              <a:off x="-305" y="-4155"/>
+              <a:ext cx="2493062" cy="1947896"/>
+            </a:xfrm>
+            <a:custGeom>
+              <a:avLst/>
+              <a:gdLst>
+                <a:gd name="connsiteX0" fmla="*/ 1896911 w 2493062"/>
+                <a:gd name="connsiteY0" fmla="*/ 0 h 1947896"/>
+                <a:gd name="connsiteX1" fmla="*/ 2493062 w 2493062"/>
+                <a:gd name="connsiteY1" fmla="*/ 0 h 1947896"/>
+                <a:gd name="connsiteX2" fmla="*/ 2435315 w 2493062"/>
+                <a:gd name="connsiteY2" fmla="*/ 178165 h 1947896"/>
+                <a:gd name="connsiteX3" fmla="*/ 93066 w 2493062"/>
+                <a:gd name="connsiteY3" fmla="*/ 1935859 h 1947896"/>
+                <a:gd name="connsiteX4" fmla="*/ 0 w 2493062"/>
+                <a:gd name="connsiteY4" fmla="*/ 1947896 h 1947896"/>
+                <a:gd name="connsiteX5" fmla="*/ 0 w 2493062"/>
+                <a:gd name="connsiteY5" fmla="*/ 1404756 h 1947896"/>
+                <a:gd name="connsiteX6" fmla="*/ 17392 w 2493062"/>
+                <a:gd name="connsiteY6" fmla="*/ 1402364 h 1947896"/>
+                <a:gd name="connsiteX7" fmla="*/ 464249 w 2493062"/>
+                <a:gd name="connsiteY7" fmla="*/ 1281208 h 1947896"/>
+                <a:gd name="connsiteX8" fmla="*/ 1260556 w 2493062"/>
+                <a:gd name="connsiteY8" fmla="*/ 833835 h 1947896"/>
+                <a:gd name="connsiteX9" fmla="*/ 1807924 w 2493062"/>
+                <a:gd name="connsiteY9" fmla="*/ 193222 h 1947896"/>
+                <a:gd name="connsiteX10" fmla="*/ 1874357 w 2493062"/>
+                <a:gd name="connsiteY10" fmla="*/ 58333 h 1947896"/>
+              </a:gdLst>
+              <a:ahLst/>
+              <a:cxnLst>
+                <a:cxn ang="0">
+                  <a:pos x="connsiteX0" y="connsiteY0"/>
+                </a:cxn>
+                <a:cxn ang="0">
+                  <a:pos x="connsiteX1" y="connsiteY1"/>
+                </a:cxn>
+                <a:cxn ang="0">
+                  <a:pos x="connsiteX2" y="connsiteY2"/>
+                </a:cxn>
+                <a:cxn ang="0">
+                  <a:pos x="connsiteX3" y="connsiteY3"/>
+                </a:cxn>
+                <a:cxn ang="0">
+                  <a:pos x="connsiteX4" y="connsiteY4"/>
+                </a:cxn>
+                <a:cxn ang="0">
+                  <a:pos x="connsiteX5" y="connsiteY5"/>
+                </a:cxn>
+                <a:cxn ang="0">
+                  <a:pos x="connsiteX6" y="connsiteY6"/>
+                </a:cxn>
+                <a:cxn ang="0">
+                  <a:pos x="connsiteX7" y="connsiteY7"/>
+                </a:cxn>
+                <a:cxn ang="0">
+                  <a:pos x="connsiteX8" y="connsiteY8"/>
+                </a:cxn>
+                <a:cxn ang="0">
+                  <a:pos x="connsiteX9" y="connsiteY9"/>
+                </a:cxn>
+                <a:cxn ang="0">
+                  <a:pos x="connsiteX10" y="connsiteY10"/>
+                </a:cxn>
+              </a:cxnLst>
+              <a:rect l="l" t="t" r="r" b="b"/>
+              <a:pathLst>
+                <a:path w="2493062" h="1947896">
+                  <a:moveTo>
+                    <a:pt x="1896911" y="0"/>
+                  </a:moveTo>
+                  <a:lnTo>
+                    <a:pt x="2493062" y="0"/>
+                  </a:lnTo>
+                  <a:lnTo>
+                    <a:pt x="2435315" y="178165"/>
+                  </a:lnTo>
+                  <a:cubicBezTo>
+                    <a:pt x="2088122" y="1071812"/>
+                    <a:pt x="1129732" y="1758033"/>
+                    <a:pt x="93066" y="1935859"/>
+                  </a:cubicBezTo>
+                  <a:lnTo>
+                    <a:pt x="0" y="1947896"/>
+                  </a:lnTo>
+                  <a:lnTo>
+                    <a:pt x="0" y="1404756"/>
+                  </a:lnTo>
+                  <a:lnTo>
+                    <a:pt x="17392" y="1402364"/>
+                  </a:lnTo>
+                  <a:cubicBezTo>
+                    <a:pt x="167719" y="1375030"/>
+                    <a:pt x="318070" y="1334398"/>
+                    <a:pt x="464249" y="1281208"/>
+                  </a:cubicBezTo>
+                  <a:cubicBezTo>
+                    <a:pt x="753480" y="1176081"/>
+                    <a:pt x="1028869" y="1021346"/>
+                    <a:pt x="1260556" y="833835"/>
+                  </a:cubicBezTo>
+                  <a:cubicBezTo>
+                    <a:pt x="1491960" y="646594"/>
+                    <a:pt x="1681177" y="425056"/>
+                    <a:pt x="1807924" y="193222"/>
+                  </a:cubicBezTo>
+                  <a:cubicBezTo>
+                    <a:pt x="1832328" y="148578"/>
+                    <a:pt x="1854477" y="103599"/>
+                    <a:pt x="1874357" y="58333"/>
+                  </a:cubicBezTo>
+                  <a:close/>
+                </a:path>
+              </a:pathLst>
+            </a:custGeom>
+            <a:gradFill>
+              <a:gsLst>
+                <a:gs pos="2000">
+                  <a:schemeClr val="bg1">
+                    <a:alpha val="10000"/>
+                  </a:schemeClr>
+                </a:gs>
+                <a:gs pos="16000">
+                  <a:schemeClr val="accent6">
+                    <a:alpha val="10000"/>
+                  </a:schemeClr>
+                </a:gs>
+                <a:gs pos="100000">
+                  <a:schemeClr val="bg1">
+                    <a:alpha val="10000"/>
+                  </a:schemeClr>
+                </a:gs>
+                <a:gs pos="85000">
+                  <a:schemeClr val="accent1">
+                    <a:alpha val="10000"/>
+                  </a:schemeClr>
+                </a:gs>
+              </a:gsLst>
+              <a:lin ang="12000000" scaled="0"/>
+            </a:gradFill>
+            <a:ln>
+              <a:noFill/>
+            </a:ln>
+          </p:spPr>
+          <p:style>
+            <a:lnRef idx="2">
+              <a:schemeClr val="accent1">
+                <a:shade val="50000"/>
+              </a:schemeClr>
+            </a:lnRef>
+            <a:fillRef idx="1">
+              <a:schemeClr val="accent1"/>
+            </a:fillRef>
+            <a:effectRef idx="0">
+              <a:schemeClr val="accent1"/>
+            </a:effectRef>
+            <a:fontRef idx="minor">
+              <a:schemeClr val="lt1"/>
+            </a:fontRef>
+          </p:style>
+          <p:txBody>
+            <a:bodyPr rtlCol="0" anchor="ctr"/>
+            <a:lstStyle/>
+            <a:p>
+              <a:pPr algn="ctr"/>
+              <a:endParaRPr lang="en-US"/>
+            </a:p>
+          </p:txBody>
+        </p:sp>
+        <p:sp>
+          <p:nvSpPr>
+            <p:cNvPr id="17" name="Freeform: Shape 16">
+              <a:extLst>
+                <a:ext uri="{FF2B5EF4-FFF2-40B4-BE49-F238E27FC236}">
+                  <a16:creationId xmlns:a16="http://schemas.microsoft.com/office/drawing/2014/main" id="{C991DC45-0378-45B3-B325-FB8F98545E6A}"/>
+                </a:ext>
+                <a:ext uri="{C183D7F6-B498-43B3-948B-1728B52AA6E4}">
+                  <adec:decorative xmlns:adec="http://schemas.microsoft.com/office/drawing/2017/decorative" val="1"/>
+                </a:ext>
+              </a:extLst>
+            </p:cNvPr>
+            <p:cNvSpPr/>
+            <p:nvPr>
+              <p:extLst>
+                <p:ext uri="{386F3935-93C4-4BCD-93E2-E3B085C9AB24}">
+                  <p16:designElem xmlns:p16="http://schemas.microsoft.com/office/powerpoint/2015/main" val="1"/>
+                </p:ext>
+              </p:extLst>
+            </p:nvPr>
+          </p:nvSpPr>
+          <p:spPr>
+            <a:xfrm>
+              <a:off x="-305" y="0"/>
+              <a:ext cx="2501089" cy="1972702"/>
+            </a:xfrm>
+            <a:custGeom>
+              <a:avLst/>
+              <a:gdLst>
+                <a:gd name="connsiteX0" fmla="*/ 2318728 w 2501089"/>
+                <a:gd name="connsiteY0" fmla="*/ 0 h 1972702"/>
+                <a:gd name="connsiteX1" fmla="*/ 2501089 w 2501089"/>
+                <a:gd name="connsiteY1" fmla="*/ 0 h 1972702"/>
+                <a:gd name="connsiteX2" fmla="*/ 2453909 w 2501089"/>
+                <a:gd name="connsiteY2" fmla="*/ 167837 h 1972702"/>
+                <a:gd name="connsiteX3" fmla="*/ 2361125 w 2501089"/>
+                <a:gd name="connsiteY3" fmla="*/ 392084 h 1972702"/>
+                <a:gd name="connsiteX4" fmla="*/ 1768255 w 2501089"/>
+                <a:gd name="connsiteY4" fmla="*/ 1167644 h 1972702"/>
+                <a:gd name="connsiteX5" fmla="*/ 1375125 w 2501089"/>
+                <a:gd name="connsiteY5" fmla="*/ 1471474 h 1972702"/>
+                <a:gd name="connsiteX6" fmla="*/ 935735 w 2501089"/>
+                <a:gd name="connsiteY6" fmla="*/ 1712713 h 1972702"/>
+                <a:gd name="connsiteX7" fmla="*/ 212353 w 2501089"/>
+                <a:gd name="connsiteY7" fmla="*/ 1940294 h 1972702"/>
+                <a:gd name="connsiteX8" fmla="*/ 0 w 2501089"/>
+                <a:gd name="connsiteY8" fmla="*/ 1972702 h 1972702"/>
+                <a:gd name="connsiteX9" fmla="*/ 0 w 2501089"/>
+                <a:gd name="connsiteY9" fmla="*/ 1732181 h 1972702"/>
+                <a:gd name="connsiteX10" fmla="*/ 161195 w 2501089"/>
+                <a:gd name="connsiteY10" fmla="*/ 1706590 h 1972702"/>
+                <a:gd name="connsiteX11" fmla="*/ 388463 w 2501089"/>
+                <a:gd name="connsiteY11" fmla="*/ 1652268 h 1972702"/>
+                <a:gd name="connsiteX12" fmla="*/ 826716 w 2501089"/>
+                <a:gd name="connsiteY12" fmla="*/ 1493950 h 1972702"/>
+                <a:gd name="connsiteX13" fmla="*/ 1609847 w 2501089"/>
+                <a:gd name="connsiteY13" fmla="*/ 1007535 h 1972702"/>
+                <a:gd name="connsiteX14" fmla="*/ 1929982 w 2501089"/>
+                <a:gd name="connsiteY14" fmla="*/ 682930 h 1972702"/>
+                <a:gd name="connsiteX15" fmla="*/ 2183093 w 2501089"/>
+                <a:gd name="connsiteY15" fmla="*/ 310149 h 1972702"/>
+                <a:gd name="connsiteX16" fmla="*/ 2280286 w 2501089"/>
+                <a:gd name="connsiteY16" fmla="*/ 108435 h 1972702"/>
+              </a:gdLst>
+              <a:ahLst/>
+              <a:cxnLst>
+                <a:cxn ang="0">
+                  <a:pos x="connsiteX0" y="connsiteY0"/>
+                </a:cxn>
+                <a:cxn ang="0">
+                  <a:pos x="connsiteX1" y="connsiteY1"/>
+                </a:cxn>
+                <a:cxn ang="0">
+                  <a:pos x="connsiteX2" y="connsiteY2"/>
+                </a:cxn>
+                <a:cxn ang="0">
+                  <a:pos x="connsiteX3" y="connsiteY3"/>
+                </a:cxn>
+                <a:cxn ang="0">
+                  <a:pos x="connsiteX4" y="connsiteY4"/>
+                </a:cxn>
+                <a:cxn ang="0">
+                  <a:pos x="connsiteX5" y="connsiteY5"/>
+                </a:cxn>
+                <a:cxn ang="0">
+                  <a:pos x="connsiteX6" y="connsiteY6"/>
+                </a:cxn>
+                <a:cxn ang="0">
+                  <a:pos x="connsiteX7" y="connsiteY7"/>
+                </a:cxn>
+                <a:cxn ang="0">
+                  <a:pos x="connsiteX8" y="connsiteY8"/>
+                </a:cxn>
+                <a:cxn ang="0">
+                  <a:pos x="connsiteX9" y="connsiteY9"/>
+                </a:cxn>
+                <a:cxn ang="0">
+                  <a:pos x="connsiteX10" y="connsiteY10"/>
+                </a:cxn>
+                <a:cxn ang="0">
+                  <a:pos x="connsiteX11" y="connsiteY11"/>
+                </a:cxn>
+                <a:cxn ang="0">
+                  <a:pos x="connsiteX12" y="connsiteY12"/>
+                </a:cxn>
+                <a:cxn ang="0">
+                  <a:pos x="connsiteX13" y="connsiteY13"/>
+                </a:cxn>
+                <a:cxn ang="0">
+                  <a:pos x="connsiteX14" y="connsiteY14"/>
+                </a:cxn>
+                <a:cxn ang="0">
+                  <a:pos x="connsiteX15" y="connsiteY15"/>
+                </a:cxn>
+                <a:cxn ang="0">
+                  <a:pos x="connsiteX16" y="connsiteY16"/>
+                </a:cxn>
+              </a:cxnLst>
+              <a:rect l="l" t="t" r="r" b="b"/>
+              <a:pathLst>
+                <a:path w="2501089" h="1972702">
+                  <a:moveTo>
+                    <a:pt x="2318728" y="0"/>
+                  </a:moveTo>
+                  <a:lnTo>
+                    <a:pt x="2501089" y="0"/>
+                  </a:lnTo>
+                  <a:lnTo>
+                    <a:pt x="2453909" y="167837"/>
+                  </a:lnTo>
+                  <a:cubicBezTo>
+                    <a:pt x="2427555" y="244153"/>
+                    <a:pt x="2396627" y="319103"/>
+                    <a:pt x="2361125" y="392084"/>
+                  </a:cubicBezTo>
+                  <a:cubicBezTo>
+                    <a:pt x="2218453" y="684005"/>
+                    <a:pt x="2011698" y="945211"/>
+                    <a:pt x="1768255" y="1167644"/>
+                  </a:cubicBezTo>
+                  <a:cubicBezTo>
+                    <a:pt x="1646250" y="1278860"/>
+                    <a:pt x="1514385" y="1380316"/>
+                    <a:pt x="1375125" y="1471474"/>
+                  </a:cubicBezTo>
+                  <a:cubicBezTo>
+                    <a:pt x="1235677" y="1562542"/>
+                    <a:pt x="1088928" y="1643672"/>
+                    <a:pt x="935735" y="1712713"/>
+                  </a:cubicBezTo>
+                  <a:cubicBezTo>
+                    <a:pt x="705659" y="1815533"/>
+                    <a:pt x="462359" y="1892212"/>
+                    <a:pt x="212353" y="1940294"/>
+                  </a:cubicBezTo>
+                  <a:lnTo>
+                    <a:pt x="0" y="1972702"/>
+                  </a:lnTo>
+                  <a:lnTo>
+                    <a:pt x="0" y="1732181"/>
+                  </a:lnTo>
+                  <a:lnTo>
+                    <a:pt x="161195" y="1706590"/>
+                  </a:lnTo>
+                  <a:cubicBezTo>
+                    <a:pt x="237638" y="1691378"/>
+                    <a:pt x="313477" y="1673222"/>
+                    <a:pt x="388463" y="1652268"/>
+                  </a:cubicBezTo>
+                  <a:cubicBezTo>
+                    <a:pt x="538529" y="1610539"/>
+                    <a:pt x="684898" y="1556543"/>
+                    <a:pt x="826716" y="1493950"/>
+                  </a:cubicBezTo>
+                  <a:cubicBezTo>
+                    <a:pt x="1111207" y="1370107"/>
+                    <a:pt x="1376832" y="1205881"/>
+                    <a:pt x="1609847" y="1007535"/>
+                  </a:cubicBezTo>
+                  <a:cubicBezTo>
+                    <a:pt x="1725975" y="908049"/>
+                    <a:pt x="1833571" y="799519"/>
+                    <a:pt x="1929982" y="682930"/>
+                  </a:cubicBezTo>
+                  <a:cubicBezTo>
+                    <a:pt x="2026581" y="566520"/>
+                    <a:pt x="2111806" y="441692"/>
+                    <a:pt x="2183093" y="310149"/>
+                  </a:cubicBezTo>
+                  <a:cubicBezTo>
+                    <a:pt x="2218738" y="244422"/>
+                    <a:pt x="2251396" y="177150"/>
+                    <a:pt x="2280286" y="108435"/>
+                  </a:cubicBezTo>
+                  <a:close/>
+                </a:path>
+              </a:pathLst>
+            </a:custGeom>
+            <a:gradFill>
+              <a:gsLst>
+                <a:gs pos="2000">
+                  <a:schemeClr val="bg1">
+                    <a:alpha val="10000"/>
+                  </a:schemeClr>
+                </a:gs>
+                <a:gs pos="16000">
+                  <a:schemeClr val="accent6">
+                    <a:alpha val="10000"/>
+                  </a:schemeClr>
+                </a:gs>
+                <a:gs pos="100000">
+                  <a:schemeClr val="bg1">
+                    <a:alpha val="10000"/>
+                  </a:schemeClr>
+                </a:gs>
+                <a:gs pos="85000">
+                  <a:schemeClr val="accent1">
+                    <a:alpha val="10000"/>
+                  </a:schemeClr>
+                </a:gs>
+              </a:gsLst>
+              <a:lin ang="12000000" scaled="0"/>
+            </a:gradFill>
+            <a:ln>
+              <a:noFill/>
+            </a:ln>
+          </p:spPr>
+          <p:style>
+            <a:lnRef idx="2">
+              <a:schemeClr val="accent1">
+                <a:shade val="50000"/>
+              </a:schemeClr>
+            </a:lnRef>
+            <a:fillRef idx="1">
+              <a:schemeClr val="accent1"/>
+            </a:fillRef>
+            <a:effectRef idx="0">
+              <a:schemeClr val="accent1"/>
+            </a:effectRef>
+            <a:fontRef idx="minor">
+              <a:schemeClr val="lt1"/>
+            </a:fontRef>
+          </p:style>
+          <p:txBody>
+            <a:bodyPr wrap="square" rtlCol="0" anchor="ctr">
+              <a:noAutofit/>
+            </a:bodyPr>
+            <a:lstStyle/>
+            <a:p>
+              <a:pPr algn="ctr"/>
+              <a:endParaRPr lang="en-US" sz="800"/>
+            </a:p>
+          </p:txBody>
+        </p:sp>
+        <p:sp>
+          <p:nvSpPr>
+            <p:cNvPr id="18" name="Freeform: Shape 17">
+              <a:extLst>
+                <a:ext uri="{FF2B5EF4-FFF2-40B4-BE49-F238E27FC236}">
+                  <a16:creationId xmlns:a16="http://schemas.microsoft.com/office/drawing/2014/main" id="{E228F5BA-5150-4554-B7EA-93F371F3B17C}"/>
+                </a:ext>
+                <a:ext uri="{C183D7F6-B498-43B3-948B-1728B52AA6E4}">
+                  <adec:decorative xmlns:adec="http://schemas.microsoft.com/office/drawing/2017/decorative" val="1"/>
+                </a:ext>
+              </a:extLst>
+            </p:cNvPr>
+            <p:cNvSpPr/>
+            <p:nvPr>
+              <p:extLst>
+                <p:ext uri="{386F3935-93C4-4BCD-93E2-E3B085C9AB24}">
+                  <p16:designElem xmlns:p16="http://schemas.microsoft.com/office/powerpoint/2015/main" val="1"/>
+                </p:ext>
+              </p:extLst>
+            </p:nvPr>
+          </p:nvSpPr>
+          <p:spPr>
+            <a:xfrm>
+              <a:off x="305" y="1"/>
+              <a:ext cx="2491105" cy="1943661"/>
+            </a:xfrm>
+            <a:custGeom>
+              <a:avLst/>
+              <a:gdLst>
+                <a:gd name="connsiteX0" fmla="*/ 1995408 w 2491105"/>
+                <a:gd name="connsiteY0" fmla="*/ 0 h 1943661"/>
+                <a:gd name="connsiteX1" fmla="*/ 2491105 w 2491105"/>
+                <a:gd name="connsiteY1" fmla="*/ 0 h 1943661"/>
+                <a:gd name="connsiteX2" fmla="*/ 2434705 w 2491105"/>
+                <a:gd name="connsiteY2" fmla="*/ 174009 h 1943661"/>
+                <a:gd name="connsiteX3" fmla="*/ 92457 w 2491105"/>
+                <a:gd name="connsiteY3" fmla="*/ 1931703 h 1943661"/>
+                <a:gd name="connsiteX4" fmla="*/ 0 w 2491105"/>
+                <a:gd name="connsiteY4" fmla="*/ 1943661 h 1943661"/>
+                <a:gd name="connsiteX5" fmla="*/ 0 w 2491105"/>
+                <a:gd name="connsiteY5" fmla="*/ 1491489 h 1943661"/>
+                <a:gd name="connsiteX6" fmla="*/ 34107 w 2491105"/>
+                <a:gd name="connsiteY6" fmla="*/ 1486836 h 1943661"/>
+                <a:gd name="connsiteX7" fmla="*/ 497577 w 2491105"/>
+                <a:gd name="connsiteY7" fmla="*/ 1360598 h 1943661"/>
+                <a:gd name="connsiteX8" fmla="*/ 1321566 w 2491105"/>
+                <a:gd name="connsiteY8" fmla="*/ 897645 h 1943661"/>
+                <a:gd name="connsiteX9" fmla="*/ 1891495 w 2491105"/>
+                <a:gd name="connsiteY9" fmla="*/ 230078 h 1943661"/>
+                <a:gd name="connsiteX10" fmla="*/ 1961469 w 2491105"/>
+                <a:gd name="connsiteY10" fmla="*/ 87885 h 1943661"/>
+              </a:gdLst>
+              <a:ahLst/>
+              <a:cxnLst>
+                <a:cxn ang="0">
+                  <a:pos x="connsiteX0" y="connsiteY0"/>
+                </a:cxn>
+                <a:cxn ang="0">
+                  <a:pos x="connsiteX1" y="connsiteY1"/>
+                </a:cxn>
+                <a:cxn ang="0">
+                  <a:pos x="connsiteX2" y="connsiteY2"/>
+                </a:cxn>
+                <a:cxn ang="0">
+                  <a:pos x="connsiteX3" y="connsiteY3"/>
+                </a:cxn>
+                <a:cxn ang="0">
+                  <a:pos x="connsiteX4" y="connsiteY4"/>
+                </a:cxn>
+                <a:cxn ang="0">
+                  <a:pos x="connsiteX5" y="connsiteY5"/>
+                </a:cxn>
+                <a:cxn ang="0">
+                  <a:pos x="connsiteX6" y="connsiteY6"/>
+                </a:cxn>
+                <a:cxn ang="0">
+                  <a:pos x="connsiteX7" y="connsiteY7"/>
+                </a:cxn>
+                <a:cxn ang="0">
+                  <a:pos x="connsiteX8" y="connsiteY8"/>
+                </a:cxn>
+                <a:cxn ang="0">
+                  <a:pos x="connsiteX9" y="connsiteY9"/>
+                </a:cxn>
+                <a:cxn ang="0">
+                  <a:pos x="connsiteX10" y="connsiteY10"/>
+                </a:cxn>
+              </a:cxnLst>
+              <a:rect l="l" t="t" r="r" b="b"/>
+              <a:pathLst>
+                <a:path w="2491105" h="1943661">
+                  <a:moveTo>
+                    <a:pt x="1995408" y="0"/>
+                  </a:moveTo>
+                  <a:lnTo>
+                    <a:pt x="2491105" y="0"/>
+                  </a:lnTo>
+                  <a:lnTo>
+                    <a:pt x="2434705" y="174009"/>
+                  </a:lnTo>
+                  <a:cubicBezTo>
+                    <a:pt x="2087512" y="1067655"/>
+                    <a:pt x="1129122" y="1753877"/>
+                    <a:pt x="92457" y="1931703"/>
+                  </a:cubicBezTo>
+                  <a:lnTo>
+                    <a:pt x="0" y="1943661"/>
+                  </a:lnTo>
+                  <a:lnTo>
+                    <a:pt x="0" y="1491489"/>
+                  </a:lnTo>
+                  <a:lnTo>
+                    <a:pt x="34107" y="1486836"/>
+                  </a:lnTo>
+                  <a:cubicBezTo>
+                    <a:pt x="189055" y="1458696"/>
+                    <a:pt x="343908" y="1416565"/>
+                    <a:pt x="497577" y="1360598"/>
+                  </a:cubicBezTo>
+                  <a:cubicBezTo>
+                    <a:pt x="796856" y="1251889"/>
+                    <a:pt x="1081725" y="1091781"/>
+                    <a:pt x="1321566" y="897645"/>
+                  </a:cubicBezTo>
+                  <a:cubicBezTo>
+                    <a:pt x="1565577" y="700195"/>
+                    <a:pt x="1757355" y="475523"/>
+                    <a:pt x="1891495" y="230078"/>
+                  </a:cubicBezTo>
+                  <a:cubicBezTo>
+                    <a:pt x="1917197" y="183033"/>
+                    <a:pt x="1940526" y="135619"/>
+                    <a:pt x="1961469" y="87885"/>
+                  </a:cubicBezTo>
+                  <a:close/>
+                </a:path>
+              </a:pathLst>
+            </a:custGeom>
+            <a:gradFill>
+              <a:gsLst>
+                <a:gs pos="2000">
+                  <a:schemeClr val="bg1">
+                    <a:alpha val="10000"/>
+                  </a:schemeClr>
+                </a:gs>
+                <a:gs pos="16000">
+                  <a:schemeClr val="accent6">
+                    <a:alpha val="10000"/>
+                  </a:schemeClr>
+                </a:gs>
+                <a:gs pos="100000">
+                  <a:schemeClr val="bg1">
+                    <a:alpha val="10000"/>
+                  </a:schemeClr>
+                </a:gs>
+                <a:gs pos="85000">
+                  <a:schemeClr val="accent1">
+                    <a:alpha val="10000"/>
+                  </a:schemeClr>
+                </a:gs>
+              </a:gsLst>
+              <a:lin ang="12000000" scaled="0"/>
+            </a:gradFill>
+            <a:ln>
+              <a:noFill/>
+            </a:ln>
+          </p:spPr>
+          <p:style>
+            <a:lnRef idx="2">
+              <a:schemeClr val="accent1">
+                <a:shade val="50000"/>
+              </a:schemeClr>
+            </a:lnRef>
+            <a:fillRef idx="1">
+              <a:schemeClr val="accent1"/>
+            </a:fillRef>
+            <a:effectRef idx="0">
+              <a:schemeClr val="accent1"/>
+            </a:effectRef>
+            <a:fontRef idx="minor">
+              <a:schemeClr val="lt1"/>
+            </a:fontRef>
+          </p:style>
+          <p:txBody>
+            <a:bodyPr rtlCol="0" anchor="ctr"/>
+            <a:lstStyle/>
+            <a:p>
+              <a:pPr algn="ctr"/>
+              <a:endParaRPr lang="en-US" dirty="0"/>
+            </a:p>
+          </p:txBody>
+        </p:sp>
+      </p:grpSp>
+      <p:pic>
+        <p:nvPicPr>
+          <p:cNvPr id="5" name="Content Placeholder 4" descr="A black screen with white text and pink text&#10;&#10;Description automatically generated">
+            <a:extLst>
+              <a:ext uri="{FF2B5EF4-FFF2-40B4-BE49-F238E27FC236}">
+                <a16:creationId xmlns:a16="http://schemas.microsoft.com/office/drawing/2014/main" id="{3B568EF6-394E-C544-B7D2-F86F1A2780CC}"/>
+              </a:ext>
+            </a:extLst>
+          </p:cNvPr>
+          <p:cNvPicPr>
+            <a:picLocks noGrp="1" noChangeAspect="1"/>
+          </p:cNvPicPr>
+          <p:nvPr>
+            <p:ph idx="1"/>
+          </p:nvPr>
+        </p:nvPicPr>
+        <p:blipFill>
+          <a:blip r:embed="rId2"/>
+          <a:stretch>
+            <a:fillRect/>
+          </a:stretch>
+        </p:blipFill>
+        <p:spPr>
+          <a:xfrm>
+            <a:off x="1767444" y="320231"/>
+            <a:ext cx="8595659" cy="2836567"/>
+          </a:xfrm>
+          <a:prstGeom prst="rect">
+            <a:avLst/>
+          </a:prstGeom>
+        </p:spPr>
+      </p:pic>
+      <p:grpSp>
+        <p:nvGrpSpPr>
+          <p:cNvPr id="20" name="Group 19">
+            <a:extLst>
+              <a:ext uri="{FF2B5EF4-FFF2-40B4-BE49-F238E27FC236}">
+                <a16:creationId xmlns:a16="http://schemas.microsoft.com/office/drawing/2014/main" id="{383C2651-AE0C-4AE4-8725-E2F9414FE219}"/>
+              </a:ext>
+              <a:ext uri="{C183D7F6-B498-43B3-948B-1728B52AA6E4}">
+                <adec:decorative xmlns:adec="http://schemas.microsoft.com/office/drawing/2017/decorative" val="1"/>
+              </a:ext>
+            </a:extLst>
+          </p:cNvPr>
+          <p:cNvGrpSpPr>
+            <a:grpSpLocks noGrp="1" noUngrp="1" noRot="1" noChangeAspect="1" noMove="1" noResize="1"/>
+          </p:cNvGrpSpPr>
+          <p:nvPr>
+            <p:extLst>
+              <p:ext uri="{386F3935-93C4-4BCD-93E2-E3B085C9AB24}">
+                <p16:designElem xmlns:p16="http://schemas.microsoft.com/office/powerpoint/2015/main" val="1"/>
+              </p:ext>
+            </p:extLst>
+          </p:nvPr>
+        </p:nvGrpSpPr>
+        <p:grpSpPr>
+          <a:xfrm rot="10800000" flipH="1">
+            <a:off x="-305" y="4322879"/>
+            <a:ext cx="3378428" cy="2535121"/>
+            <a:chOff x="-305" y="-1"/>
+            <a:chExt cx="3832880" cy="2876136"/>
+          </a:xfrm>
+        </p:grpSpPr>
+        <p:sp>
+          <p:nvSpPr>
+            <p:cNvPr id="21" name="Freeform: Shape 20">
+              <a:extLst>
+                <a:ext uri="{FF2B5EF4-FFF2-40B4-BE49-F238E27FC236}">
+                  <a16:creationId xmlns:a16="http://schemas.microsoft.com/office/drawing/2014/main" id="{CCE13265-B5D2-47B4-A199-E05F390D5B9C}"/>
+                </a:ext>
+                <a:ext uri="{C183D7F6-B498-43B3-948B-1728B52AA6E4}">
+                  <adec:decorative xmlns:adec="http://schemas.microsoft.com/office/drawing/2017/decorative" val="1"/>
+                </a:ext>
+              </a:extLst>
+            </p:cNvPr>
+            <p:cNvSpPr/>
+            <p:nvPr>
+              <p:extLst>
+                <p:ext uri="{386F3935-93C4-4BCD-93E2-E3B085C9AB24}">
+                  <p16:designElem xmlns:p16="http://schemas.microsoft.com/office/powerpoint/2015/main" val="1"/>
+                </p:ext>
+              </p:extLst>
+            </p:nvPr>
+          </p:nvSpPr>
+          <p:spPr>
+            <a:xfrm>
+              <a:off x="305" y="1"/>
+              <a:ext cx="3815424" cy="2653659"/>
+            </a:xfrm>
+            <a:custGeom>
+              <a:avLst/>
+              <a:gdLst>
+                <a:gd name="connsiteX0" fmla="*/ 3203055 w 3815424"/>
+                <a:gd name="connsiteY0" fmla="*/ 0 h 2653659"/>
+                <a:gd name="connsiteX1" fmla="*/ 3815424 w 3815424"/>
+                <a:gd name="connsiteY1" fmla="*/ 0 h 2653659"/>
+                <a:gd name="connsiteX2" fmla="*/ 3801025 w 3815424"/>
+                <a:gd name="connsiteY2" fmla="*/ 214243 h 2653659"/>
+                <a:gd name="connsiteX3" fmla="*/ 587142 w 3815424"/>
+                <a:gd name="connsiteY3" fmla="*/ 2653659 h 2653659"/>
+                <a:gd name="connsiteX4" fmla="*/ 53389 w 3815424"/>
+                <a:gd name="connsiteY4" fmla="*/ 2605041 h 2653659"/>
+                <a:gd name="connsiteX5" fmla="*/ 0 w 3815424"/>
+                <a:gd name="connsiteY5" fmla="*/ 2593136 h 2653659"/>
+                <a:gd name="connsiteX6" fmla="*/ 0 w 3815424"/>
+                <a:gd name="connsiteY6" fmla="*/ 1994836 h 2653659"/>
+                <a:gd name="connsiteX7" fmla="*/ 159710 w 3815424"/>
+                <a:gd name="connsiteY7" fmla="*/ 2035054 h 2653659"/>
+                <a:gd name="connsiteX8" fmla="*/ 587142 w 3815424"/>
+                <a:gd name="connsiteY8" fmla="*/ 2075152 h 2653659"/>
+                <a:gd name="connsiteX9" fmla="*/ 1549283 w 3815424"/>
+                <a:gd name="connsiteY9" fmla="*/ 1900153 h 2653659"/>
+                <a:gd name="connsiteX10" fmla="*/ 2406698 w 3815424"/>
+                <a:gd name="connsiteY10" fmla="*/ 1418450 h 2653659"/>
+                <a:gd name="connsiteX11" fmla="*/ 2996069 w 3815424"/>
+                <a:gd name="connsiteY11" fmla="*/ 728678 h 2653659"/>
+                <a:gd name="connsiteX12" fmla="*/ 3193967 w 3815424"/>
+                <a:gd name="connsiteY12" fmla="*/ 137719 h 2653659"/>
+              </a:gdLst>
+              <a:ahLst/>
+              <a:cxnLst>
+                <a:cxn ang="0">
+                  <a:pos x="connsiteX0" y="connsiteY0"/>
+                </a:cxn>
+                <a:cxn ang="0">
+                  <a:pos x="connsiteX1" y="connsiteY1"/>
+                </a:cxn>
+                <a:cxn ang="0">
+                  <a:pos x="connsiteX2" y="connsiteY2"/>
+                </a:cxn>
+                <a:cxn ang="0">
+                  <a:pos x="connsiteX3" y="connsiteY3"/>
+                </a:cxn>
+                <a:cxn ang="0">
+                  <a:pos x="connsiteX4" y="connsiteY4"/>
+                </a:cxn>
+                <a:cxn ang="0">
+                  <a:pos x="connsiteX5" y="connsiteY5"/>
+                </a:cxn>
+                <a:cxn ang="0">
+                  <a:pos x="connsiteX6" y="connsiteY6"/>
+                </a:cxn>
+                <a:cxn ang="0">
+                  <a:pos x="connsiteX7" y="connsiteY7"/>
+                </a:cxn>
+                <a:cxn ang="0">
+                  <a:pos x="connsiteX8" y="connsiteY8"/>
+                </a:cxn>
+                <a:cxn ang="0">
+                  <a:pos x="connsiteX9" y="connsiteY9"/>
+                </a:cxn>
+                <a:cxn ang="0">
+                  <a:pos x="connsiteX10" y="connsiteY10"/>
+                </a:cxn>
+                <a:cxn ang="0">
+                  <a:pos x="connsiteX11" y="connsiteY11"/>
+                </a:cxn>
+                <a:cxn ang="0">
+                  <a:pos x="connsiteX12" y="connsiteY12"/>
+                </a:cxn>
+              </a:cxnLst>
+              <a:rect l="l" t="t" r="r" b="b"/>
+              <a:pathLst>
+                <a:path w="3815424" h="2653659">
+                  <a:moveTo>
+                    <a:pt x="3203055" y="0"/>
+                  </a:moveTo>
+                  <a:lnTo>
+                    <a:pt x="3815424" y="0"/>
+                  </a:lnTo>
+                  <a:lnTo>
+                    <a:pt x="3801025" y="214243"/>
+                  </a:lnTo>
+                  <a:cubicBezTo>
+                    <a:pt x="3616317" y="1584467"/>
+                    <a:pt x="2091637" y="2653659"/>
+                    <a:pt x="587142" y="2653659"/>
+                  </a:cubicBezTo>
+                  <a:cubicBezTo>
+                    <a:pt x="400192" y="2653659"/>
+                    <a:pt x="222112" y="2636953"/>
+                    <a:pt x="53389" y="2605041"/>
+                  </a:cubicBezTo>
+                  <a:lnTo>
+                    <a:pt x="0" y="2593136"/>
+                  </a:lnTo>
+                  <a:lnTo>
+                    <a:pt x="0" y="1994836"/>
+                  </a:lnTo>
+                  <a:lnTo>
+                    <a:pt x="159710" y="2035054"/>
+                  </a:lnTo>
+                  <a:cubicBezTo>
+                    <a:pt x="295467" y="2061726"/>
+                    <a:pt x="438268" y="2075152"/>
+                    <a:pt x="587142" y="2075152"/>
+                  </a:cubicBezTo>
+                  <a:cubicBezTo>
+                    <a:pt x="901731" y="2075152"/>
+                    <a:pt x="1234490" y="2014697"/>
+                    <a:pt x="1549283" y="1900153"/>
+                  </a:cubicBezTo>
+                  <a:cubicBezTo>
+                    <a:pt x="1860709" y="1786959"/>
+                    <a:pt x="2157231" y="1620350"/>
+                    <a:pt x="2406698" y="1418450"/>
+                  </a:cubicBezTo>
+                  <a:cubicBezTo>
+                    <a:pt x="2655859" y="1216840"/>
+                    <a:pt x="2859596" y="978302"/>
+                    <a:pt x="2996069" y="728678"/>
+                  </a:cubicBezTo>
+                  <a:cubicBezTo>
+                    <a:pt x="3101178" y="536396"/>
+                    <a:pt x="3167417" y="338366"/>
+                    <a:pt x="3193967" y="137719"/>
+                  </a:cubicBezTo>
+                  <a:close/>
+                </a:path>
+              </a:pathLst>
+            </a:custGeom>
+            <a:gradFill>
+              <a:gsLst>
+                <a:gs pos="2000">
+                  <a:schemeClr val="bg1">
+                    <a:alpha val="10000"/>
+                  </a:schemeClr>
+                </a:gs>
+                <a:gs pos="16000">
+                  <a:schemeClr val="accent6">
+                    <a:alpha val="10000"/>
+                  </a:schemeClr>
+                </a:gs>
+                <a:gs pos="100000">
+                  <a:schemeClr val="bg1">
+                    <a:alpha val="10000"/>
+                  </a:schemeClr>
+                </a:gs>
+                <a:gs pos="85000">
+                  <a:schemeClr val="accent1">
+                    <a:alpha val="10000"/>
+                  </a:schemeClr>
+                </a:gs>
+              </a:gsLst>
+              <a:lin ang="12000000" scaled="0"/>
+            </a:gradFill>
+            <a:ln>
+              <a:noFill/>
+            </a:ln>
+          </p:spPr>
+          <p:style>
+            <a:lnRef idx="2">
+              <a:schemeClr val="accent1">
+                <a:shade val="50000"/>
+              </a:schemeClr>
+            </a:lnRef>
+            <a:fillRef idx="1">
+              <a:schemeClr val="accent1"/>
+            </a:fillRef>
+            <a:effectRef idx="0">
+              <a:schemeClr val="accent1"/>
+            </a:effectRef>
+            <a:fontRef idx="minor">
+              <a:schemeClr val="lt1"/>
+            </a:fontRef>
+          </p:style>
+          <p:txBody>
+            <a:bodyPr rtlCol="0" anchor="ctr"/>
+            <a:lstStyle/>
+            <a:p>
+              <a:pPr algn="ctr"/>
+              <a:endParaRPr lang="en-US"/>
+            </a:p>
+          </p:txBody>
+        </p:sp>
+        <p:sp>
+          <p:nvSpPr>
+            <p:cNvPr id="22" name="Freeform: Shape 21">
+              <a:extLst>
+                <a:ext uri="{FF2B5EF4-FFF2-40B4-BE49-F238E27FC236}">
+                  <a16:creationId xmlns:a16="http://schemas.microsoft.com/office/drawing/2014/main" id="{693EBD03-D832-462C-9304-7273698ED4FE}"/>
+                </a:ext>
+                <a:ext uri="{C183D7F6-B498-43B3-948B-1728B52AA6E4}">
+                  <adec:decorative xmlns:adec="http://schemas.microsoft.com/office/drawing/2017/decorative" val="1"/>
+                </a:ext>
+              </a:extLst>
+            </p:cNvPr>
+            <p:cNvSpPr/>
+            <p:nvPr>
+              <p:extLst>
+                <p:ext uri="{386F3935-93C4-4BCD-93E2-E3B085C9AB24}">
+                  <p16:designElem xmlns:p16="http://schemas.microsoft.com/office/powerpoint/2015/main" val="1"/>
+                </p:ext>
+              </p:extLst>
+            </p:nvPr>
+          </p:nvSpPr>
+          <p:spPr>
+            <a:xfrm>
+              <a:off x="305" y="-1"/>
+              <a:ext cx="3815424" cy="2653660"/>
+            </a:xfrm>
+            <a:custGeom>
+              <a:avLst/>
+              <a:gdLst>
+                <a:gd name="connsiteX0" fmla="*/ 3305038 w 3815424"/>
+                <a:gd name="connsiteY0" fmla="*/ 0 h 2653660"/>
+                <a:gd name="connsiteX1" fmla="*/ 3815424 w 3815424"/>
+                <a:gd name="connsiteY1" fmla="*/ 0 h 2653660"/>
+                <a:gd name="connsiteX2" fmla="*/ 3801025 w 3815424"/>
+                <a:gd name="connsiteY2" fmla="*/ 214244 h 2653660"/>
+                <a:gd name="connsiteX3" fmla="*/ 587142 w 3815424"/>
+                <a:gd name="connsiteY3" fmla="*/ 2653660 h 2653660"/>
+                <a:gd name="connsiteX4" fmla="*/ 53389 w 3815424"/>
+                <a:gd name="connsiteY4" fmla="*/ 2605042 h 2653660"/>
+                <a:gd name="connsiteX5" fmla="*/ 0 w 3815424"/>
+                <a:gd name="connsiteY5" fmla="*/ 2593137 h 2653660"/>
+                <a:gd name="connsiteX6" fmla="*/ 0 w 3815424"/>
+                <a:gd name="connsiteY6" fmla="*/ 2094444 h 2653660"/>
+                <a:gd name="connsiteX7" fmla="*/ 137675 w 3815424"/>
+                <a:gd name="connsiteY7" fmla="*/ 2129195 h 2653660"/>
+                <a:gd name="connsiteX8" fmla="*/ 587142 w 3815424"/>
+                <a:gd name="connsiteY8" fmla="*/ 2171571 h 2653660"/>
+                <a:gd name="connsiteX9" fmla="*/ 1585826 w 3815424"/>
+                <a:gd name="connsiteY9" fmla="*/ 1990112 h 2653660"/>
+                <a:gd name="connsiteX10" fmla="*/ 2473046 w 3815424"/>
+                <a:gd name="connsiteY10" fmla="*/ 1491633 h 2653660"/>
+                <a:gd name="connsiteX11" fmla="*/ 3086710 w 3815424"/>
+                <a:gd name="connsiteY11" fmla="*/ 772838 h 2653660"/>
+                <a:gd name="connsiteX12" fmla="*/ 3295217 w 3815424"/>
+                <a:gd name="connsiteY12" fmla="*/ 149229 h 2653660"/>
+              </a:gdLst>
+              <a:ahLst/>
+              <a:cxnLst>
+                <a:cxn ang="0">
+                  <a:pos x="connsiteX0" y="connsiteY0"/>
+                </a:cxn>
+                <a:cxn ang="0">
+                  <a:pos x="connsiteX1" y="connsiteY1"/>
+                </a:cxn>
+                <a:cxn ang="0">
+                  <a:pos x="connsiteX2" y="connsiteY2"/>
+                </a:cxn>
+                <a:cxn ang="0">
+                  <a:pos x="connsiteX3" y="connsiteY3"/>
+                </a:cxn>
+                <a:cxn ang="0">
+                  <a:pos x="connsiteX4" y="connsiteY4"/>
+                </a:cxn>
+                <a:cxn ang="0">
+                  <a:pos x="connsiteX5" y="connsiteY5"/>
+                </a:cxn>
+                <a:cxn ang="0">
+                  <a:pos x="connsiteX6" y="connsiteY6"/>
+                </a:cxn>
+                <a:cxn ang="0">
+                  <a:pos x="connsiteX7" y="connsiteY7"/>
+                </a:cxn>
+                <a:cxn ang="0">
+                  <a:pos x="connsiteX8" y="connsiteY8"/>
+                </a:cxn>
+                <a:cxn ang="0">
+                  <a:pos x="connsiteX9" y="connsiteY9"/>
+                </a:cxn>
+                <a:cxn ang="0">
+                  <a:pos x="connsiteX10" y="connsiteY10"/>
+                </a:cxn>
+                <a:cxn ang="0">
+                  <a:pos x="connsiteX11" y="connsiteY11"/>
+                </a:cxn>
+                <a:cxn ang="0">
+                  <a:pos x="connsiteX12" y="connsiteY12"/>
+                </a:cxn>
+              </a:cxnLst>
+              <a:rect l="l" t="t" r="r" b="b"/>
+              <a:pathLst>
+                <a:path w="3815424" h="2653660">
+                  <a:moveTo>
+                    <a:pt x="3305038" y="0"/>
+                  </a:moveTo>
+                  <a:lnTo>
+                    <a:pt x="3815424" y="0"/>
+                  </a:lnTo>
+                  <a:lnTo>
+                    <a:pt x="3801025" y="214244"/>
+                  </a:lnTo>
+                  <a:cubicBezTo>
+                    <a:pt x="3616317" y="1584467"/>
+                    <a:pt x="2091637" y="2653660"/>
+                    <a:pt x="587142" y="2653660"/>
+                  </a:cubicBezTo>
+                  <a:cubicBezTo>
+                    <a:pt x="400192" y="2653660"/>
+                    <a:pt x="222112" y="2636954"/>
+                    <a:pt x="53389" y="2605042"/>
+                  </a:cubicBezTo>
+                  <a:lnTo>
+                    <a:pt x="0" y="2593137"/>
+                  </a:lnTo>
+                  <a:lnTo>
+                    <a:pt x="0" y="2094444"/>
+                  </a:lnTo>
+                  <a:lnTo>
+                    <a:pt x="137675" y="2129195"/>
+                  </a:lnTo>
+                  <a:cubicBezTo>
+                    <a:pt x="280616" y="2157374"/>
+                    <a:pt x="430766" y="2171571"/>
+                    <a:pt x="587142" y="2171571"/>
+                  </a:cubicBezTo>
+                  <a:cubicBezTo>
+                    <a:pt x="918879" y="2171571"/>
+                    <a:pt x="1254904" y="2110634"/>
+                    <a:pt x="1585826" y="1990112"/>
+                  </a:cubicBezTo>
+                  <a:cubicBezTo>
+                    <a:pt x="1908071" y="1873061"/>
+                    <a:pt x="2214800" y="1700666"/>
+                    <a:pt x="2473046" y="1491633"/>
+                  </a:cubicBezTo>
+                  <a:cubicBezTo>
+                    <a:pt x="2735782" y="1279031"/>
+                    <a:pt x="2942276" y="1037118"/>
+                    <a:pt x="3086710" y="772838"/>
+                  </a:cubicBezTo>
+                  <a:cubicBezTo>
+                    <a:pt x="3197408" y="570216"/>
+                    <a:pt x="3267226" y="361248"/>
+                    <a:pt x="3295217" y="149229"/>
+                  </a:cubicBezTo>
+                  <a:close/>
+                </a:path>
+              </a:pathLst>
+            </a:custGeom>
+            <a:gradFill>
+              <a:gsLst>
+                <a:gs pos="2000">
+                  <a:schemeClr val="bg1">
+                    <a:alpha val="10000"/>
+                  </a:schemeClr>
+                </a:gs>
+                <a:gs pos="16000">
+                  <a:schemeClr val="accent6">
+                    <a:alpha val="10000"/>
+                  </a:schemeClr>
+                </a:gs>
+                <a:gs pos="100000">
+                  <a:schemeClr val="bg1">
+                    <a:alpha val="10000"/>
+                  </a:schemeClr>
+                </a:gs>
+                <a:gs pos="85000">
+                  <a:schemeClr val="accent1">
+                    <a:alpha val="10000"/>
+                  </a:schemeClr>
+                </a:gs>
+              </a:gsLst>
+              <a:lin ang="12000000" scaled="0"/>
+            </a:gradFill>
+            <a:ln>
+              <a:noFill/>
+            </a:ln>
+          </p:spPr>
+          <p:style>
+            <a:lnRef idx="2">
+              <a:schemeClr val="accent1">
+                <a:shade val="50000"/>
+              </a:schemeClr>
+            </a:lnRef>
+            <a:fillRef idx="1">
+              <a:schemeClr val="accent1"/>
+            </a:fillRef>
+            <a:effectRef idx="0">
+              <a:schemeClr val="accent1"/>
+            </a:effectRef>
+            <a:fontRef idx="minor">
+              <a:schemeClr val="lt1"/>
+            </a:fontRef>
+          </p:style>
+          <p:txBody>
+            <a:bodyPr rtlCol="0" anchor="ctr"/>
+            <a:lstStyle/>
+            <a:p>
+              <a:pPr algn="ctr"/>
+              <a:endParaRPr lang="en-US" dirty="0"/>
+            </a:p>
+          </p:txBody>
+        </p:sp>
+        <p:sp>
+          <p:nvSpPr>
+            <p:cNvPr id="23" name="Freeform: Shape 22">
+              <a:extLst>
+                <a:ext uri="{FF2B5EF4-FFF2-40B4-BE49-F238E27FC236}">
+                  <a16:creationId xmlns:a16="http://schemas.microsoft.com/office/drawing/2014/main" id="{0D53D3E2-805E-40D2-964F-352BF6D476B6}"/>
+                </a:ext>
+                <a:ext uri="{C183D7F6-B498-43B3-948B-1728B52AA6E4}">
+                  <adec:decorative xmlns:adec="http://schemas.microsoft.com/office/drawing/2017/decorative" val="1"/>
+                </a:ext>
+              </a:extLst>
+            </p:cNvPr>
+            <p:cNvSpPr/>
+            <p:nvPr>
+              <p:extLst>
+                <p:ext uri="{386F3935-93C4-4BCD-93E2-E3B085C9AB24}">
+                  <p16:designElem xmlns:p16="http://schemas.microsoft.com/office/powerpoint/2015/main" val="1"/>
+                </p:ext>
+              </p:extLst>
+            </p:nvPr>
+          </p:nvSpPr>
+          <p:spPr>
+            <a:xfrm>
+              <a:off x="-305" y="1"/>
+              <a:ext cx="3815986" cy="2675935"/>
+            </a:xfrm>
+            <a:custGeom>
+              <a:avLst/>
+              <a:gdLst>
+                <a:gd name="connsiteX0" fmla="*/ 3648768 w 3815986"/>
+                <a:gd name="connsiteY0" fmla="*/ 0 h 2675935"/>
+                <a:gd name="connsiteX1" fmla="*/ 3815986 w 3815986"/>
+                <a:gd name="connsiteY1" fmla="*/ 0 h 2675935"/>
+                <a:gd name="connsiteX2" fmla="*/ 3804695 w 3815986"/>
+                <a:gd name="connsiteY2" fmla="*/ 200084 h 2675935"/>
+                <a:gd name="connsiteX3" fmla="*/ 3762590 w 3815986"/>
+                <a:gd name="connsiteY3" fmla="*/ 455543 h 2675935"/>
+                <a:gd name="connsiteX4" fmla="*/ 3592332 w 3815986"/>
+                <a:gd name="connsiteY4" fmla="*/ 947274 h 2675935"/>
+                <a:gd name="connsiteX5" fmla="*/ 2953967 w 3815986"/>
+                <a:gd name="connsiteY5" fmla="*/ 1782349 h 2675935"/>
+                <a:gd name="connsiteX6" fmla="*/ 2530669 w 3815986"/>
+                <a:gd name="connsiteY6" fmla="*/ 2109494 h 2675935"/>
+                <a:gd name="connsiteX7" fmla="*/ 2057561 w 3815986"/>
+                <a:gd name="connsiteY7" fmla="*/ 2369245 h 2675935"/>
+                <a:gd name="connsiteX8" fmla="*/ 1007330 w 3815986"/>
+                <a:gd name="connsiteY8" fmla="*/ 2655701 h 2675935"/>
+                <a:gd name="connsiteX9" fmla="*/ 732765 w 3815986"/>
+                <a:gd name="connsiteY9" fmla="*/ 2674696 h 2675935"/>
+                <a:gd name="connsiteX10" fmla="*/ 457666 w 3815986"/>
+                <a:gd name="connsiteY10" fmla="*/ 2670839 h 2675935"/>
+                <a:gd name="connsiteX11" fmla="*/ 183574 w 3815986"/>
+                <a:gd name="connsiteY11" fmla="*/ 2643312 h 2675935"/>
+                <a:gd name="connsiteX12" fmla="*/ 0 w 3815986"/>
+                <a:gd name="connsiteY12" fmla="*/ 2607798 h 2675935"/>
+                <a:gd name="connsiteX13" fmla="*/ 0 w 3815986"/>
+                <a:gd name="connsiteY13" fmla="*/ 2356652 h 2675935"/>
+                <a:gd name="connsiteX14" fmla="*/ 222195 w 3815986"/>
+                <a:gd name="connsiteY14" fmla="*/ 2396940 h 2675935"/>
+                <a:gd name="connsiteX15" fmla="*/ 472364 w 3815986"/>
+                <a:gd name="connsiteY15" fmla="*/ 2419092 h 2675935"/>
+                <a:gd name="connsiteX16" fmla="*/ 974972 w 3815986"/>
+                <a:gd name="connsiteY16" fmla="*/ 2402122 h 2675935"/>
+                <a:gd name="connsiteX17" fmla="*/ 1468292 w 3815986"/>
+                <a:gd name="connsiteY17" fmla="*/ 2304162 h 2675935"/>
+                <a:gd name="connsiteX18" fmla="*/ 1940176 w 3815986"/>
+                <a:gd name="connsiteY18" fmla="*/ 2133695 h 2675935"/>
+                <a:gd name="connsiteX19" fmla="*/ 2783403 w 3815986"/>
+                <a:gd name="connsiteY19" fmla="*/ 1609954 h 2675935"/>
+                <a:gd name="connsiteX20" fmla="*/ 3128104 w 3815986"/>
+                <a:gd name="connsiteY20" fmla="*/ 1260439 h 2675935"/>
+                <a:gd name="connsiteX21" fmla="*/ 3400639 w 3815986"/>
+                <a:gd name="connsiteY21" fmla="*/ 859052 h 2675935"/>
+                <a:gd name="connsiteX22" fmla="*/ 3585595 w 3815986"/>
+                <a:gd name="connsiteY22" fmla="*/ 415336 h 2675935"/>
+                <a:gd name="connsiteX23" fmla="*/ 3635918 w 3815986"/>
+                <a:gd name="connsiteY23" fmla="*/ 181137 h 2675935"/>
+              </a:gdLst>
+              <a:ahLst/>
+              <a:cxnLst>
+                <a:cxn ang="0">
+                  <a:pos x="connsiteX0" y="connsiteY0"/>
+                </a:cxn>
+                <a:cxn ang="0">
+                  <a:pos x="connsiteX1" y="connsiteY1"/>
+                </a:cxn>
+                <a:cxn ang="0">
+                  <a:pos x="connsiteX2" y="connsiteY2"/>
+                </a:cxn>
+                <a:cxn ang="0">
+                  <a:pos x="connsiteX3" y="connsiteY3"/>
+                </a:cxn>
+                <a:cxn ang="0">
+                  <a:pos x="connsiteX4" y="connsiteY4"/>
+                </a:cxn>
+                <a:cxn ang="0">
+                  <a:pos x="connsiteX5" y="connsiteY5"/>
+                </a:cxn>
+                <a:cxn ang="0">
+                  <a:pos x="connsiteX6" y="connsiteY6"/>
+                </a:cxn>
+                <a:cxn ang="0">
+                  <a:pos x="connsiteX7" y="connsiteY7"/>
+                </a:cxn>
+                <a:cxn ang="0">
+                  <a:pos x="connsiteX8" y="connsiteY8"/>
+                </a:cxn>
+                <a:cxn ang="0">
+                  <a:pos x="connsiteX9" y="connsiteY9"/>
+                </a:cxn>
+                <a:cxn ang="0">
+                  <a:pos x="connsiteX10" y="connsiteY10"/>
+                </a:cxn>
+                <a:cxn ang="0">
+                  <a:pos x="connsiteX11" y="connsiteY11"/>
+                </a:cxn>
+                <a:cxn ang="0">
+                  <a:pos x="connsiteX12" y="connsiteY12"/>
+                </a:cxn>
+                <a:cxn ang="0">
+                  <a:pos x="connsiteX13" y="connsiteY13"/>
+                </a:cxn>
+                <a:cxn ang="0">
+                  <a:pos x="connsiteX14" y="connsiteY14"/>
+                </a:cxn>
+                <a:cxn ang="0">
+                  <a:pos x="connsiteX15" y="connsiteY15"/>
+                </a:cxn>
+                <a:cxn ang="0">
+                  <a:pos x="connsiteX16" y="connsiteY16"/>
+                </a:cxn>
+                <a:cxn ang="0">
+                  <a:pos x="connsiteX17" y="connsiteY17"/>
+                </a:cxn>
+                <a:cxn ang="0">
+                  <a:pos x="connsiteX18" y="connsiteY18"/>
+                </a:cxn>
+                <a:cxn ang="0">
+                  <a:pos x="connsiteX19" y="connsiteY19"/>
+                </a:cxn>
+                <a:cxn ang="0">
+                  <a:pos x="connsiteX20" y="connsiteY20"/>
+                </a:cxn>
+                <a:cxn ang="0">
+                  <a:pos x="connsiteX21" y="connsiteY21"/>
+                </a:cxn>
+                <a:cxn ang="0">
+                  <a:pos x="connsiteX22" y="connsiteY22"/>
+                </a:cxn>
+                <a:cxn ang="0">
+                  <a:pos x="connsiteX23" y="connsiteY23"/>
+                </a:cxn>
+              </a:cxnLst>
+              <a:rect l="l" t="t" r="r" b="b"/>
+              <a:pathLst>
+                <a:path w="3815986" h="2675935">
+                  <a:moveTo>
+                    <a:pt x="3648768" y="0"/>
+                  </a:moveTo>
+                  <a:lnTo>
+                    <a:pt x="3815986" y="0"/>
+                  </a:lnTo>
+                  <a:lnTo>
+                    <a:pt x="3804695" y="200084"/>
+                  </a:lnTo>
+                  <a:cubicBezTo>
+                    <a:pt x="3795228" y="285751"/>
+                    <a:pt x="3781167" y="371032"/>
+                    <a:pt x="3762590" y="455543"/>
+                  </a:cubicBezTo>
+                  <a:cubicBezTo>
+                    <a:pt x="3725537" y="624467"/>
+                    <a:pt x="3668784" y="790112"/>
+                    <a:pt x="3592332" y="947274"/>
+                  </a:cubicBezTo>
+                  <a:cubicBezTo>
+                    <a:pt x="3438712" y="1261596"/>
+                    <a:pt x="3216091" y="1542847"/>
+                    <a:pt x="2953967" y="1782349"/>
+                  </a:cubicBezTo>
+                  <a:cubicBezTo>
+                    <a:pt x="2822599" y="1902099"/>
+                    <a:pt x="2680615" y="2011341"/>
+                    <a:pt x="2530669" y="2109494"/>
+                  </a:cubicBezTo>
+                  <a:cubicBezTo>
+                    <a:pt x="2380520" y="2207551"/>
+                    <a:pt x="2222510" y="2294906"/>
+                    <a:pt x="2057561" y="2369245"/>
+                  </a:cubicBezTo>
+                  <a:cubicBezTo>
+                    <a:pt x="1727252" y="2516859"/>
+                    <a:pt x="1371629" y="2614434"/>
+                    <a:pt x="1007330" y="2655701"/>
+                  </a:cubicBezTo>
+                  <a:cubicBezTo>
+                    <a:pt x="916281" y="2665873"/>
+                    <a:pt x="824568" y="2672188"/>
+                    <a:pt x="732765" y="2674696"/>
+                  </a:cubicBezTo>
+                  <a:cubicBezTo>
+                    <a:pt x="640963" y="2677203"/>
+                    <a:pt x="549072" y="2675901"/>
+                    <a:pt x="457666" y="2670839"/>
+                  </a:cubicBezTo>
+                  <a:cubicBezTo>
+                    <a:pt x="366106" y="2665584"/>
+                    <a:pt x="274572" y="2656521"/>
+                    <a:pt x="183574" y="2643312"/>
+                  </a:cubicBezTo>
+                  <a:lnTo>
+                    <a:pt x="0" y="2607798"/>
+                  </a:lnTo>
+                  <a:lnTo>
+                    <a:pt x="0" y="2356652"/>
+                  </a:lnTo>
+                  <a:lnTo>
+                    <a:pt x="222195" y="2396940"/>
+                  </a:lnTo>
+                  <a:cubicBezTo>
+                    <a:pt x="304990" y="2407980"/>
+                    <a:pt x="388511" y="2415283"/>
+                    <a:pt x="472364" y="2419092"/>
+                  </a:cubicBezTo>
+                  <a:cubicBezTo>
+                    <a:pt x="640376" y="2427095"/>
+                    <a:pt x="808184" y="2421791"/>
+                    <a:pt x="974972" y="2402122"/>
+                  </a:cubicBezTo>
+                  <a:cubicBezTo>
+                    <a:pt x="1141658" y="2382358"/>
+                    <a:pt x="1306812" y="2349286"/>
+                    <a:pt x="1468292" y="2304162"/>
+                  </a:cubicBezTo>
+                  <a:cubicBezTo>
+                    <a:pt x="1629874" y="2259231"/>
+                    <a:pt x="1787475" y="2201091"/>
+                    <a:pt x="1940176" y="2133695"/>
+                  </a:cubicBezTo>
+                  <a:cubicBezTo>
+                    <a:pt x="2246498" y="2000349"/>
+                    <a:pt x="2532507" y="1823520"/>
+                    <a:pt x="2783403" y="1609954"/>
+                  </a:cubicBezTo>
+                  <a:cubicBezTo>
+                    <a:pt x="2908442" y="1502833"/>
+                    <a:pt x="3024295" y="1385975"/>
+                    <a:pt x="3128104" y="1260439"/>
+                  </a:cubicBezTo>
+                  <a:cubicBezTo>
+                    <a:pt x="3232116" y="1135096"/>
+                    <a:pt x="3323881" y="1000689"/>
+                    <a:pt x="3400639" y="859052"/>
+                  </a:cubicBezTo>
+                  <a:cubicBezTo>
+                    <a:pt x="3477399" y="717510"/>
+                    <a:pt x="3541296" y="569316"/>
+                    <a:pt x="3585595" y="415336"/>
+                  </a:cubicBezTo>
+                  <a:cubicBezTo>
+                    <a:pt x="3607796" y="338540"/>
+                    <a:pt x="3624638" y="260224"/>
+                    <a:pt x="3635918" y="181137"/>
+                  </a:cubicBezTo>
+                  <a:close/>
+                </a:path>
+              </a:pathLst>
+            </a:custGeom>
+            <a:gradFill>
+              <a:gsLst>
+                <a:gs pos="2000">
+                  <a:schemeClr val="bg1">
+                    <a:alpha val="10000"/>
+                  </a:schemeClr>
+                </a:gs>
+                <a:gs pos="16000">
+                  <a:schemeClr val="accent6">
+                    <a:alpha val="10000"/>
+                  </a:schemeClr>
+                </a:gs>
+                <a:gs pos="100000">
+                  <a:schemeClr val="bg1">
+                    <a:alpha val="10000"/>
+                  </a:schemeClr>
+                </a:gs>
+                <a:gs pos="85000">
+                  <a:schemeClr val="accent1">
+                    <a:alpha val="10000"/>
+                  </a:schemeClr>
+                </a:gs>
+              </a:gsLst>
+              <a:lin ang="12000000" scaled="0"/>
+            </a:gradFill>
+            <a:ln>
+              <a:noFill/>
+            </a:ln>
+          </p:spPr>
+          <p:style>
+            <a:lnRef idx="2">
+              <a:schemeClr val="accent1">
+                <a:shade val="50000"/>
+              </a:schemeClr>
+            </a:lnRef>
+            <a:fillRef idx="1">
+              <a:schemeClr val="accent1"/>
+            </a:fillRef>
+            <a:effectRef idx="0">
+              <a:schemeClr val="accent1"/>
+            </a:effectRef>
+            <a:fontRef idx="minor">
+              <a:schemeClr val="lt1"/>
+            </a:fontRef>
+          </p:style>
+          <p:txBody>
+            <a:bodyPr rtlCol="0" anchor="ctr"/>
+            <a:lstStyle/>
+            <a:p>
+              <a:pPr algn="ctr"/>
+              <a:endParaRPr lang="en-US" dirty="0"/>
+            </a:p>
+          </p:txBody>
+        </p:sp>
+        <p:sp>
+          <p:nvSpPr>
+            <p:cNvPr id="24" name="Freeform: Shape 23">
+              <a:extLst>
+                <a:ext uri="{FF2B5EF4-FFF2-40B4-BE49-F238E27FC236}">
+                  <a16:creationId xmlns:a16="http://schemas.microsoft.com/office/drawing/2014/main" id="{B7A9A916-A926-43E6-800F-432ABC3F2444}"/>
+                </a:ext>
+                <a:ext uri="{C183D7F6-B498-43B3-948B-1728B52AA6E4}">
+                  <adec:decorative xmlns:adec="http://schemas.microsoft.com/office/drawing/2017/decorative" val="1"/>
+                </a:ext>
+              </a:extLst>
+            </p:cNvPr>
+            <p:cNvSpPr/>
+            <p:nvPr>
+              <p:extLst>
+                <p:ext uri="{386F3935-93C4-4BCD-93E2-E3B085C9AB24}">
+                  <p16:designElem xmlns:p16="http://schemas.microsoft.com/office/powerpoint/2015/main" val="1"/>
+                </p:ext>
+              </p:extLst>
+            </p:nvPr>
+          </p:nvSpPr>
+          <p:spPr>
+            <a:xfrm>
+              <a:off x="305" y="-1"/>
+              <a:ext cx="3832270" cy="2876136"/>
+            </a:xfrm>
+            <a:custGeom>
+              <a:avLst/>
+              <a:gdLst>
+                <a:gd name="connsiteX0" fmla="*/ 3800718 w 3832270"/>
+                <a:gd name="connsiteY0" fmla="*/ 0 h 2876136"/>
+                <a:gd name="connsiteX1" fmla="*/ 3832270 w 3832270"/>
+                <a:gd name="connsiteY1" fmla="*/ 0 h 2876136"/>
+                <a:gd name="connsiteX2" fmla="*/ 3824562 w 3832270"/>
+                <a:gd name="connsiteY2" fmla="*/ 143769 h 2876136"/>
+                <a:gd name="connsiteX3" fmla="*/ 3628155 w 3832270"/>
+                <a:gd name="connsiteY3" fmla="*/ 922055 h 2876136"/>
+                <a:gd name="connsiteX4" fmla="*/ 3514853 w 3832270"/>
+                <a:gd name="connsiteY4" fmla="*/ 1169078 h 2876136"/>
+                <a:gd name="connsiteX5" fmla="*/ 3379198 w 3832270"/>
+                <a:gd name="connsiteY5" fmla="*/ 1407037 h 2876136"/>
+                <a:gd name="connsiteX6" fmla="*/ 3043787 w 3832270"/>
+                <a:gd name="connsiteY6" fmla="*/ 1848342 h 2876136"/>
+                <a:gd name="connsiteX7" fmla="*/ 2845661 w 3832270"/>
+                <a:gd name="connsiteY7" fmla="*/ 2047444 h 2876136"/>
+                <a:gd name="connsiteX8" fmla="*/ 2793197 w 3832270"/>
+                <a:gd name="connsiteY8" fmla="*/ 2094689 h 2876136"/>
+                <a:gd name="connsiteX9" fmla="*/ 2739710 w 3832270"/>
+                <a:gd name="connsiteY9" fmla="*/ 2140969 h 2876136"/>
+                <a:gd name="connsiteX10" fmla="*/ 2629166 w 3832270"/>
+                <a:gd name="connsiteY10" fmla="*/ 2229867 h 2876136"/>
+                <a:gd name="connsiteX11" fmla="*/ 2145952 w 3832270"/>
+                <a:gd name="connsiteY11" fmla="*/ 2535994 h 2876136"/>
+                <a:gd name="connsiteX12" fmla="*/ 1034987 w 3832270"/>
+                <a:gd name="connsiteY12" fmla="*/ 2863910 h 2876136"/>
+                <a:gd name="connsiteX13" fmla="*/ 741909 w 3832270"/>
+                <a:gd name="connsiteY13" fmla="*/ 2875939 h 2876136"/>
+                <a:gd name="connsiteX14" fmla="*/ 450208 w 3832270"/>
+                <a:gd name="connsiteY14" fmla="*/ 2857451 h 2876136"/>
+                <a:gd name="connsiteX15" fmla="*/ 22215 w 3832270"/>
+                <a:gd name="connsiteY15" fmla="*/ 2775923 h 2876136"/>
+                <a:gd name="connsiteX16" fmla="*/ 0 w 3832270"/>
+                <a:gd name="connsiteY16" fmla="*/ 2769256 h 2876136"/>
+                <a:gd name="connsiteX17" fmla="*/ 0 w 3832270"/>
+                <a:gd name="connsiteY17" fmla="*/ 2590612 h 2876136"/>
+                <a:gd name="connsiteX18" fmla="*/ 199046 w 3832270"/>
+                <a:gd name="connsiteY18" fmla="*/ 2627410 h 2876136"/>
+                <a:gd name="connsiteX19" fmla="*/ 468174 w 3832270"/>
+                <a:gd name="connsiteY19" fmla="*/ 2649670 h 2876136"/>
+                <a:gd name="connsiteX20" fmla="*/ 1003650 w 3832270"/>
+                <a:gd name="connsiteY20" fmla="*/ 2622480 h 2876136"/>
+                <a:gd name="connsiteX21" fmla="*/ 1266489 w 3832270"/>
+                <a:gd name="connsiteY21" fmla="*/ 2573982 h 2876136"/>
+                <a:gd name="connsiteX22" fmla="*/ 1524223 w 3832270"/>
+                <a:gd name="connsiteY22" fmla="*/ 2504657 h 2876136"/>
+                <a:gd name="connsiteX23" fmla="*/ 1775731 w 3832270"/>
+                <a:gd name="connsiteY23" fmla="*/ 2416243 h 2876136"/>
+                <a:gd name="connsiteX24" fmla="*/ 2019789 w 3832270"/>
+                <a:gd name="connsiteY24" fmla="*/ 2309412 h 2876136"/>
+                <a:gd name="connsiteX25" fmla="*/ 2482486 w 3832270"/>
+                <a:gd name="connsiteY25" fmla="*/ 2046962 h 2876136"/>
+                <a:gd name="connsiteX26" fmla="*/ 2591908 w 3832270"/>
+                <a:gd name="connsiteY26" fmla="*/ 1971371 h 2876136"/>
+                <a:gd name="connsiteX27" fmla="*/ 2645702 w 3832270"/>
+                <a:gd name="connsiteY27" fmla="*/ 1932321 h 2876136"/>
+                <a:gd name="connsiteX28" fmla="*/ 2698779 w 3832270"/>
+                <a:gd name="connsiteY28" fmla="*/ 1892309 h 2876136"/>
+                <a:gd name="connsiteX29" fmla="*/ 2903537 w 3832270"/>
+                <a:gd name="connsiteY29" fmla="*/ 1722516 h 2876136"/>
+                <a:gd name="connsiteX30" fmla="*/ 3269061 w 3832270"/>
+                <a:gd name="connsiteY30" fmla="*/ 1337327 h 2876136"/>
+                <a:gd name="connsiteX31" fmla="*/ 3424928 w 3832270"/>
+                <a:gd name="connsiteY31" fmla="*/ 1122508 h 2876136"/>
+                <a:gd name="connsiteX32" fmla="*/ 3557622 w 3832270"/>
+                <a:gd name="connsiteY32" fmla="*/ 893226 h 2876136"/>
+                <a:gd name="connsiteX33" fmla="*/ 3587019 w 3832270"/>
+                <a:gd name="connsiteY33" fmla="*/ 833929 h 2876136"/>
+                <a:gd name="connsiteX34" fmla="*/ 3601310 w 3832270"/>
+                <a:gd name="connsiteY34" fmla="*/ 804040 h 2876136"/>
+                <a:gd name="connsiteX35" fmla="*/ 3614885 w 3832270"/>
+                <a:gd name="connsiteY35" fmla="*/ 773861 h 2876136"/>
+                <a:gd name="connsiteX36" fmla="*/ 3640812 w 3832270"/>
+                <a:gd name="connsiteY36" fmla="*/ 713022 h 2876136"/>
+                <a:gd name="connsiteX37" fmla="*/ 3665105 w 3832270"/>
+                <a:gd name="connsiteY37" fmla="*/ 651506 h 2876136"/>
+                <a:gd name="connsiteX38" fmla="*/ 3744110 w 3832270"/>
+                <a:gd name="connsiteY38" fmla="*/ 399567 h 2876136"/>
+                <a:gd name="connsiteX39" fmla="*/ 3792123 w 3832270"/>
+                <a:gd name="connsiteY39" fmla="*/ 140444 h 2876136"/>
+              </a:gdLst>
+              <a:ahLst/>
+              <a:cxnLst>
+                <a:cxn ang="0">
+                  <a:pos x="connsiteX0" y="connsiteY0"/>
+                </a:cxn>
+                <a:cxn ang="0">
+                  <a:pos x="connsiteX1" y="connsiteY1"/>
+                </a:cxn>
+                <a:cxn ang="0">
+                  <a:pos x="connsiteX2" y="connsiteY2"/>
+                </a:cxn>
+                <a:cxn ang="0">
+                  <a:pos x="connsiteX3" y="connsiteY3"/>
+                </a:cxn>
+                <a:cxn ang="0">
+                  <a:pos x="connsiteX4" y="connsiteY4"/>
+                </a:cxn>
+                <a:cxn ang="0">
+                  <a:pos x="connsiteX5" y="connsiteY5"/>
+                </a:cxn>
+                <a:cxn ang="0">
+                  <a:pos x="connsiteX6" y="connsiteY6"/>
+                </a:cxn>
+                <a:cxn ang="0">
+                  <a:pos x="connsiteX7" y="connsiteY7"/>
+                </a:cxn>
+                <a:cxn ang="0">
+                  <a:pos x="connsiteX8" y="connsiteY8"/>
+                </a:cxn>
+                <a:cxn ang="0">
+                  <a:pos x="connsiteX9" y="connsiteY9"/>
+                </a:cxn>
+                <a:cxn ang="0">
+                  <a:pos x="connsiteX10" y="connsiteY10"/>
+                </a:cxn>
+                <a:cxn ang="0">
+                  <a:pos x="connsiteX11" y="connsiteY11"/>
+                </a:cxn>
+                <a:cxn ang="0">
+                  <a:pos x="connsiteX12" y="connsiteY12"/>
+                </a:cxn>
+                <a:cxn ang="0">
+                  <a:pos x="connsiteX13" y="connsiteY13"/>
+                </a:cxn>
+                <a:cxn ang="0">
+                  <a:pos x="connsiteX14" y="connsiteY14"/>
+                </a:cxn>
+                <a:cxn ang="0">
+                  <a:pos x="connsiteX15" y="connsiteY15"/>
+                </a:cxn>
+                <a:cxn ang="0">
+                  <a:pos x="connsiteX16" y="connsiteY16"/>
+                </a:cxn>
+                <a:cxn ang="0">
+                  <a:pos x="connsiteX17" y="connsiteY17"/>
+                </a:cxn>
+                <a:cxn ang="0">
+                  <a:pos x="connsiteX18" y="connsiteY18"/>
+                </a:cxn>
+                <a:cxn ang="0">
+                  <a:pos x="connsiteX19" y="connsiteY19"/>
+                </a:cxn>
+                <a:cxn ang="0">
+                  <a:pos x="connsiteX20" y="connsiteY20"/>
+                </a:cxn>
+                <a:cxn ang="0">
+                  <a:pos x="connsiteX21" y="connsiteY21"/>
+                </a:cxn>
+                <a:cxn ang="0">
+                  <a:pos x="connsiteX22" y="connsiteY22"/>
+                </a:cxn>
+                <a:cxn ang="0">
+                  <a:pos x="connsiteX23" y="connsiteY23"/>
+                </a:cxn>
+                <a:cxn ang="0">
+                  <a:pos x="connsiteX24" y="connsiteY24"/>
+                </a:cxn>
+                <a:cxn ang="0">
+                  <a:pos x="connsiteX25" y="connsiteY25"/>
+                </a:cxn>
+                <a:cxn ang="0">
+                  <a:pos x="connsiteX26" y="connsiteY26"/>
+                </a:cxn>
+                <a:cxn ang="0">
+                  <a:pos x="connsiteX27" y="connsiteY27"/>
+                </a:cxn>
+                <a:cxn ang="0">
+                  <a:pos x="connsiteX28" y="connsiteY28"/>
+                </a:cxn>
+                <a:cxn ang="0">
+                  <a:pos x="connsiteX29" y="connsiteY29"/>
+                </a:cxn>
+                <a:cxn ang="0">
+                  <a:pos x="connsiteX30" y="connsiteY30"/>
+                </a:cxn>
+                <a:cxn ang="0">
+                  <a:pos x="connsiteX31" y="connsiteY31"/>
+                </a:cxn>
+                <a:cxn ang="0">
+                  <a:pos x="connsiteX32" y="connsiteY32"/>
+                </a:cxn>
+                <a:cxn ang="0">
+                  <a:pos x="connsiteX33" y="connsiteY33"/>
+                </a:cxn>
+                <a:cxn ang="0">
+                  <a:pos x="connsiteX34" y="connsiteY34"/>
+                </a:cxn>
+                <a:cxn ang="0">
+                  <a:pos x="connsiteX35" y="connsiteY35"/>
+                </a:cxn>
+                <a:cxn ang="0">
+                  <a:pos x="connsiteX36" y="connsiteY36"/>
+                </a:cxn>
+                <a:cxn ang="0">
+                  <a:pos x="connsiteX37" y="connsiteY37"/>
+                </a:cxn>
+                <a:cxn ang="0">
+                  <a:pos x="connsiteX38" y="connsiteY38"/>
+                </a:cxn>
+                <a:cxn ang="0">
+                  <a:pos x="connsiteX39" y="connsiteY39"/>
+                </a:cxn>
+              </a:cxnLst>
+              <a:rect l="l" t="t" r="r" b="b"/>
+              <a:pathLst>
+                <a:path w="3832270" h="2876136">
+                  <a:moveTo>
+                    <a:pt x="3800718" y="0"/>
+                  </a:moveTo>
+                  <a:lnTo>
+                    <a:pt x="3832270" y="0"/>
+                  </a:lnTo>
+                  <a:lnTo>
+                    <a:pt x="3824562" y="143769"/>
+                  </a:lnTo>
+                  <a:cubicBezTo>
+                    <a:pt x="3797131" y="409191"/>
+                    <a:pt x="3730585" y="671345"/>
+                    <a:pt x="3628155" y="922055"/>
+                  </a:cubicBezTo>
+                  <a:cubicBezTo>
+                    <a:pt x="3593858" y="1005553"/>
+                    <a:pt x="3556704" y="1088280"/>
+                    <a:pt x="3514853" y="1169078"/>
+                  </a:cubicBezTo>
+                  <a:cubicBezTo>
+                    <a:pt x="3473616" y="1250166"/>
+                    <a:pt x="3428194" y="1329517"/>
+                    <a:pt x="3379198" y="1407037"/>
+                  </a:cubicBezTo>
+                  <a:cubicBezTo>
+                    <a:pt x="3281106" y="1561980"/>
+                    <a:pt x="3169132" y="1710174"/>
+                    <a:pt x="3043787" y="1848342"/>
+                  </a:cubicBezTo>
+                  <a:cubicBezTo>
+                    <a:pt x="2980806" y="1917184"/>
+                    <a:pt x="2915071" y="1984001"/>
+                    <a:pt x="2845661" y="2047444"/>
+                  </a:cubicBezTo>
+                  <a:cubicBezTo>
+                    <a:pt x="2828411" y="2063450"/>
+                    <a:pt x="2811060" y="2079263"/>
+                    <a:pt x="2793197" y="2094689"/>
+                  </a:cubicBezTo>
+                  <a:cubicBezTo>
+                    <a:pt x="2775436" y="2110213"/>
+                    <a:pt x="2757982" y="2126025"/>
+                    <a:pt x="2739710" y="2140969"/>
+                  </a:cubicBezTo>
+                  <a:cubicBezTo>
+                    <a:pt x="2703576" y="2171341"/>
+                    <a:pt x="2666524" y="2200749"/>
+                    <a:pt x="2629166" y="2229867"/>
+                  </a:cubicBezTo>
+                  <a:cubicBezTo>
+                    <a:pt x="2479015" y="2345569"/>
+                    <a:pt x="2316821" y="2448061"/>
+                    <a:pt x="2145952" y="2535994"/>
+                  </a:cubicBezTo>
+                  <a:cubicBezTo>
+                    <a:pt x="1804312" y="2711957"/>
+                    <a:pt x="1424600" y="2826982"/>
+                    <a:pt x="1034987" y="2863910"/>
+                  </a:cubicBezTo>
+                  <a:cubicBezTo>
+                    <a:pt x="937762" y="2873167"/>
+                    <a:pt x="839720" y="2877096"/>
+                    <a:pt x="741909" y="2875939"/>
+                  </a:cubicBezTo>
+                  <a:cubicBezTo>
+                    <a:pt x="644097" y="2874782"/>
+                    <a:pt x="546515" y="2868539"/>
+                    <a:pt x="450208" y="2857451"/>
+                  </a:cubicBezTo>
+                  <a:cubicBezTo>
+                    <a:pt x="305520" y="2840674"/>
+                    <a:pt x="162095" y="2813810"/>
+                    <a:pt x="22215" y="2775923"/>
+                  </a:cubicBezTo>
+                  <a:lnTo>
+                    <a:pt x="0" y="2769256"/>
+                  </a:lnTo>
+                  <a:lnTo>
+                    <a:pt x="0" y="2590612"/>
+                  </a:lnTo>
+                  <a:lnTo>
+                    <a:pt x="199046" y="2627410"/>
+                  </a:lnTo>
+                  <a:cubicBezTo>
+                    <a:pt x="288321" y="2639209"/>
+                    <a:pt x="378197" y="2646537"/>
+                    <a:pt x="468174" y="2649670"/>
+                  </a:cubicBezTo>
+                  <a:cubicBezTo>
+                    <a:pt x="648333" y="2656805"/>
+                    <a:pt x="826655" y="2647163"/>
+                    <a:pt x="1003650" y="2622480"/>
+                  </a:cubicBezTo>
+                  <a:cubicBezTo>
+                    <a:pt x="1091943" y="2609658"/>
+                    <a:pt x="1179725" y="2593747"/>
+                    <a:pt x="1266489" y="2573982"/>
+                  </a:cubicBezTo>
+                  <a:cubicBezTo>
+                    <a:pt x="1353250" y="2553927"/>
+                    <a:pt x="1439298" y="2531076"/>
+                    <a:pt x="1524223" y="2504657"/>
+                  </a:cubicBezTo>
+                  <a:cubicBezTo>
+                    <a:pt x="1609149" y="2478336"/>
+                    <a:pt x="1693052" y="2448833"/>
+                    <a:pt x="1775731" y="2416243"/>
+                  </a:cubicBezTo>
+                  <a:cubicBezTo>
+                    <a:pt x="1858309" y="2383557"/>
+                    <a:pt x="1939764" y="2347882"/>
+                    <a:pt x="2019789" y="2309412"/>
+                  </a:cubicBezTo>
+                  <a:cubicBezTo>
+                    <a:pt x="2179839" y="2232567"/>
+                    <a:pt x="2334583" y="2144923"/>
+                    <a:pt x="2482486" y="2046962"/>
+                  </a:cubicBezTo>
+                  <a:cubicBezTo>
+                    <a:pt x="2519334" y="2022376"/>
+                    <a:pt x="2556081" y="1997403"/>
+                    <a:pt x="2591908" y="1971371"/>
+                  </a:cubicBezTo>
+                  <a:cubicBezTo>
+                    <a:pt x="2610077" y="1958644"/>
+                    <a:pt x="2627838" y="1945434"/>
+                    <a:pt x="2645702" y="1932321"/>
+                  </a:cubicBezTo>
+                  <a:cubicBezTo>
+                    <a:pt x="2663666" y="1919305"/>
+                    <a:pt x="2681325" y="1905903"/>
+                    <a:pt x="2698779" y="1892309"/>
+                  </a:cubicBezTo>
+                  <a:cubicBezTo>
+                    <a:pt x="2768903" y="1838025"/>
+                    <a:pt x="2837496" y="1781717"/>
+                    <a:pt x="2903537" y="1722516"/>
+                  </a:cubicBezTo>
+                  <a:cubicBezTo>
+                    <a:pt x="3035926" y="1604501"/>
+                    <a:pt x="3158720" y="1475784"/>
+                    <a:pt x="3269061" y="1337327"/>
+                  </a:cubicBezTo>
+                  <a:cubicBezTo>
+                    <a:pt x="3324182" y="1268099"/>
+                    <a:pt x="3376341" y="1196461"/>
+                    <a:pt x="3424928" y="1122508"/>
+                  </a:cubicBezTo>
+                  <a:cubicBezTo>
+                    <a:pt x="3472697" y="1048170"/>
+                    <a:pt x="3517814" y="972000"/>
+                    <a:pt x="3557622" y="893226"/>
+                  </a:cubicBezTo>
+                  <a:cubicBezTo>
+                    <a:pt x="3567931" y="873654"/>
+                    <a:pt x="3577526" y="853791"/>
+                    <a:pt x="3587019" y="833929"/>
+                  </a:cubicBezTo>
+                  <a:lnTo>
+                    <a:pt x="3601310" y="804040"/>
+                  </a:lnTo>
+                  <a:lnTo>
+                    <a:pt x="3614885" y="773861"/>
+                  </a:lnTo>
+                  <a:cubicBezTo>
+                    <a:pt x="3623766" y="753709"/>
+                    <a:pt x="3632748" y="733559"/>
+                    <a:pt x="3640812" y="713022"/>
+                  </a:cubicBezTo>
+                  <a:cubicBezTo>
+                    <a:pt x="3648876" y="692485"/>
+                    <a:pt x="3657756" y="672236"/>
+                    <a:pt x="3665105" y="651506"/>
+                  </a:cubicBezTo>
+                  <a:cubicBezTo>
+                    <a:pt x="3696544" y="569166"/>
+                    <a:pt x="3723185" y="485089"/>
+                    <a:pt x="3744110" y="399567"/>
+                  </a:cubicBezTo>
+                  <a:cubicBezTo>
+                    <a:pt x="3765341" y="314238"/>
+                    <a:pt x="3781392" y="227654"/>
+                    <a:pt x="3792123" y="140444"/>
+                  </a:cubicBezTo>
+                  <a:close/>
+                </a:path>
+              </a:pathLst>
+            </a:custGeom>
+            <a:gradFill>
+              <a:gsLst>
+                <a:gs pos="2000">
+                  <a:schemeClr val="bg1">
+                    <a:alpha val="10000"/>
+                  </a:schemeClr>
+                </a:gs>
+                <a:gs pos="16000">
+                  <a:schemeClr val="accent6">
+                    <a:alpha val="10000"/>
+                  </a:schemeClr>
+                </a:gs>
+                <a:gs pos="100000">
+                  <a:schemeClr val="bg1">
+                    <a:alpha val="10000"/>
+                  </a:schemeClr>
+                </a:gs>
+                <a:gs pos="85000">
+                  <a:schemeClr val="accent1">
+                    <a:alpha val="10000"/>
+                  </a:schemeClr>
+                </a:gs>
+              </a:gsLst>
+              <a:lin ang="12000000" scaled="0"/>
+            </a:gradFill>
+            <a:ln>
+              <a:noFill/>
+            </a:ln>
+          </p:spPr>
+          <p:style>
+            <a:lnRef idx="2">
+              <a:schemeClr val="accent1">
+                <a:shade val="50000"/>
+              </a:schemeClr>
+            </a:lnRef>
+            <a:fillRef idx="1">
+              <a:schemeClr val="accent1"/>
+            </a:fillRef>
+            <a:effectRef idx="0">
+              <a:schemeClr val="accent1"/>
+            </a:effectRef>
+            <a:fontRef idx="minor">
+              <a:schemeClr val="lt1"/>
+            </a:fontRef>
+          </p:style>
+          <p:txBody>
+            <a:bodyPr rtlCol="0" anchor="ctr"/>
+            <a:lstStyle/>
+            <a:p>
+              <a:pPr algn="ctr"/>
+              <a:endParaRPr lang="en-US"/>
+            </a:p>
+          </p:txBody>
+        </p:sp>
+      </p:grpSp>
+    </p:spTree>
+    <p:extLst>
+      <p:ext uri="{BB962C8B-B14F-4D97-AF65-F5344CB8AC3E}">
+        <p14:creationId xmlns:p14="http://schemas.microsoft.com/office/powerpoint/2010/main" val="489728126"/>
+      </p:ext>
+    </p:extLst>
+  </p:cSld>
+  <p:clrMapOvr>
+    <a:masterClrMapping/>
+  </p:clrMapOvr>
+  <mc:AlternateContent xmlns:mc="http://schemas.openxmlformats.org/markup-compatibility/2006" xmlns:p14="http://schemas.microsoft.com/office/powerpoint/2010/main">
+    <mc:Choice Requires="p14">
+      <p:transition spd="slow" p14:dur="1500">
+        <p:split orient="vert"/>
+      </p:transition>
+    </mc:Choice>
+    <mc:Fallback xmlns="">
+      <p:transition spd="slow">
+        <p:split orient="vert"/>
+      </p:transition>
+    </mc:Fallback>
+  </mc:AlternateContent>
+</p:sld>
+</file>
+
+<file path=ppt/slides/slide23.xml><?xml version="1.0" encoding="utf-8"?>
+<p:sld xmlns:a="http://schemas.openxmlformats.org/drawingml/2006/main" xmlns:r="http://schemas.openxmlformats.org/officeDocument/2006/relationships" xmlns:p="http://schemas.openxmlformats.org/presentationml/2006/main">
+  <p:cSld>
+    <p:bg>
+      <p:bgPr>
+        <a:solidFill>
+          <a:schemeClr val="bg1"/>
+        </a:solidFill>
+        <a:effectLst/>
+      </p:bgPr>
+    </p:bg>
     <p:spTree>
       <p:nvGrpSpPr>
         <p:cNvPr id="1" name=""/>
@@ -31260,57 +33854,208 @@
             <p:ph type="title"/>
           </p:nvPr>
         </p:nvSpPr>
-        <p:spPr/>
+        <p:spPr>
+          <a:xfrm>
+            <a:off x="762001" y="5074024"/>
+            <a:ext cx="10109199" cy="598032"/>
+          </a:xfrm>
+        </p:spPr>
         <p:txBody>
-          <a:bodyPr/>
+          <a:bodyPr vert="horz" lIns="91440" tIns="45720" rIns="91440" bIns="45720" rtlCol="0" anchor="ctr">
+            <a:normAutofit/>
+          </a:bodyPr>
           <a:lstStyle/>
           <a:p>
-            <a:endParaRPr lang="en-IL"/>
+            <a:r>
+              <a:rPr lang="en-US" sz="3600" b="1" i="0" kern="1200">
+                <a:solidFill>
+                  <a:schemeClr val="tx1"/>
+                </a:solidFill>
+                <a:effectLst/>
+                <a:latin typeface="+mj-lt"/>
+                <a:ea typeface="+mj-ea"/>
+                <a:cs typeface="+mj-cs"/>
+              </a:rPr>
+              <a:t>LIMIT</a:t>
+            </a:r>
+            <a:endParaRPr lang="en-US" sz="3600" kern="1200">
+              <a:solidFill>
+                <a:schemeClr val="tx1"/>
+              </a:solidFill>
+              <a:latin typeface="+mj-lt"/>
+              <a:ea typeface="+mj-ea"/>
+              <a:cs typeface="+mj-cs"/>
+            </a:endParaRPr>
           </a:p>
         </p:txBody>
       </p:sp>
       <p:sp>
         <p:nvSpPr>
-          <p:cNvPr id="3" name="Content Placeholder 2">
+          <p:cNvPr id="10" name="Rectangle 9">
             <a:extLst>
               <a:ext uri="{FF2B5EF4-FFF2-40B4-BE49-F238E27FC236}">
-                <a16:creationId xmlns:a16="http://schemas.microsoft.com/office/drawing/2014/main" id="{EAED1E05-BE36-2E4E-2B2D-50FE69E87177}"/>
+                <a16:creationId xmlns:a16="http://schemas.microsoft.com/office/drawing/2014/main" id="{5E395AE0-8789-FAD6-A987-32E65C185100}"/>
+              </a:ext>
+              <a:ext uri="{C183D7F6-B498-43B3-948B-1728B52AA6E4}">
+                <adec:decorative xmlns:adec="http://schemas.microsoft.com/office/drawing/2017/decorative" val="1"/>
               </a:ext>
             </a:extLst>
           </p:cNvPr>
           <p:cNvSpPr>
-            <a:spLocks noGrp="1"/>
+            <a:spLocks noGrp="1" noRot="1" noChangeAspect="1" noMove="1" noResize="1" noEditPoints="1" noAdjustHandles="1" noChangeArrowheads="1" noChangeShapeType="1" noTextEdit="1"/>
           </p:cNvSpPr>
+          <p:nvPr>
+            <p:extLst>
+              <p:ext uri="{386F3935-93C4-4BCD-93E2-E3B085C9AB24}">
+                <p16:designElem xmlns:p16="http://schemas.microsoft.com/office/powerpoint/2015/main" val="1"/>
+              </p:ext>
+            </p:extLst>
+          </p:nvPr>
+        </p:nvSpPr>
+        <p:spPr>
+          <a:xfrm>
+            <a:off x="1" y="1"/>
+            <a:ext cx="12192000" cy="4390253"/>
+          </a:xfrm>
+          <a:prstGeom prst="rect">
+            <a:avLst/>
+          </a:prstGeom>
+          <a:solidFill>
+            <a:schemeClr val="bg1">
+              <a:lumMod val="95000"/>
+              <a:alpha val="65000"/>
+            </a:schemeClr>
+          </a:solidFill>
+          <a:ln>
+            <a:noFill/>
+          </a:ln>
+        </p:spPr>
+        <p:style>
+          <a:lnRef idx="2">
+            <a:schemeClr val="accent1">
+              <a:shade val="50000"/>
+            </a:schemeClr>
+          </a:lnRef>
+          <a:fillRef idx="1">
+            <a:schemeClr val="accent1"/>
+          </a:fillRef>
+          <a:effectRef idx="0">
+            <a:schemeClr val="accent1"/>
+          </a:effectRef>
+          <a:fontRef idx="minor">
+            <a:schemeClr val="lt1"/>
+          </a:fontRef>
+        </p:style>
+        <p:txBody>
+          <a:bodyPr rtlCol="0" anchor="ctr"/>
+          <a:lstStyle/>
+          <a:p>
+            <a:pPr algn="ctr"/>
+            <a:endParaRPr lang="en-US"/>
+          </a:p>
+        </p:txBody>
+      </p:sp>
+      <p:pic>
+        <p:nvPicPr>
+          <p:cNvPr id="5" name="Content Placeholder 4" descr="A black background with white text&#10;&#10;Description automatically generated">
+            <a:extLst>
+              <a:ext uri="{FF2B5EF4-FFF2-40B4-BE49-F238E27FC236}">
+                <a16:creationId xmlns:a16="http://schemas.microsoft.com/office/drawing/2014/main" id="{B5A3A5DA-C8B9-237E-B1DB-0CE5F42756D8}"/>
+              </a:ext>
+            </a:extLst>
+          </p:cNvPr>
+          <p:cNvPicPr>
+            <a:picLocks noGrp="1" noChangeAspect="1"/>
+          </p:cNvPicPr>
           <p:nvPr>
             <p:ph idx="1"/>
           </p:nvPr>
-        </p:nvSpPr>
-        <p:spPr/>
-        <p:txBody>
-          <a:bodyPr/>
-          <a:lstStyle/>
-          <a:p>
-            <a:endParaRPr lang="en-IL" dirty="0"/>
-          </a:p>
-        </p:txBody>
-      </p:sp>
+        </p:nvPicPr>
+        <p:blipFill>
+          <a:blip r:embed="rId2"/>
+          <a:stretch>
+            <a:fillRect/>
+          </a:stretch>
+        </p:blipFill>
+        <p:spPr>
+          <a:xfrm>
+            <a:off x="865141" y="1157481"/>
+            <a:ext cx="10488660" cy="2071511"/>
+          </a:xfrm>
+          <a:prstGeom prst="rect">
+            <a:avLst/>
+          </a:prstGeom>
+        </p:spPr>
+      </p:pic>
+      <p:cxnSp>
+        <p:nvCxnSpPr>
+          <p:cNvPr id="12" name="Straight Connector 11">
+            <a:extLst>
+              <a:ext uri="{FF2B5EF4-FFF2-40B4-BE49-F238E27FC236}">
+                <a16:creationId xmlns:a16="http://schemas.microsoft.com/office/drawing/2014/main" id="{7667AA61-5C27-F30F-D229-06CBE5709F33}"/>
+              </a:ext>
+              <a:ext uri="{C183D7F6-B498-43B3-948B-1728B52AA6E4}">
+                <adec:decorative xmlns:adec="http://schemas.microsoft.com/office/drawing/2017/decorative" val="1"/>
+              </a:ext>
+            </a:extLst>
+          </p:cNvPr>
+          <p:cNvCxnSpPr>
+            <a:cxnSpLocks noGrp="1" noRot="1" noChangeAspect="1" noMove="1" noResize="1" noEditPoints="1" noAdjustHandles="1" noChangeArrowheads="1" noChangeShapeType="1"/>
+          </p:cNvCxnSpPr>
+          <p:nvPr>
+            <p:extLst>
+              <p:ext uri="{386F3935-93C4-4BCD-93E2-E3B085C9AB24}">
+                <p16:designElem xmlns:p16="http://schemas.microsoft.com/office/powerpoint/2015/main" val="1"/>
+              </p:ext>
+            </p:extLst>
+          </p:nvPr>
+        </p:nvCxnSpPr>
+        <p:spPr>
+          <a:xfrm>
+            <a:off x="865141" y="4811517"/>
+            <a:ext cx="736939" cy="0"/>
+          </a:xfrm>
+          <a:prstGeom prst="line">
+            <a:avLst/>
+          </a:prstGeom>
+          <a:ln w="57150">
+            <a:solidFill>
+              <a:schemeClr val="accent4"/>
+            </a:solidFill>
+          </a:ln>
+        </p:spPr>
+        <p:style>
+          <a:lnRef idx="1">
+            <a:schemeClr val="accent1"/>
+          </a:lnRef>
+          <a:fillRef idx="0">
+            <a:schemeClr val="accent1"/>
+          </a:fillRef>
+          <a:effectRef idx="0">
+            <a:schemeClr val="accent1"/>
+          </a:effectRef>
+          <a:fontRef idx="minor">
+            <a:schemeClr val="tx1"/>
+          </a:fontRef>
+        </p:style>
+      </p:cxnSp>
     </p:spTree>
     <p:extLst>
       <p:ext uri="{BB962C8B-B14F-4D97-AF65-F5344CB8AC3E}">
-        <p14:creationId xmlns:p14="http://schemas.microsoft.com/office/powerpoint/2010/main" val="489728126"/>
+        <p14:creationId xmlns:p14="http://schemas.microsoft.com/office/powerpoint/2010/main" val="461708083"/>
       </p:ext>
     </p:extLst>
   </p:cSld>
   <p:clrMapOvr>
     <a:masterClrMapping/>
   </p:clrMapOvr>
-  <mc:AlternateContent xmlns:mc="http://schemas.openxmlformats.org/markup-compatibility/2006">
-    <mc:Choice xmlns:p14="http://schemas.microsoft.com/office/powerpoint/2010/main" Requires="p14">
+  <mc:AlternateContent xmlns:mc="http://schemas.openxmlformats.org/markup-compatibility/2006" xmlns:p14="http://schemas.microsoft.com/office/powerpoint/2010/main">
+    <mc:Choice Requires="p14">
       <p:transition spd="slow" p14:dur="1500">
         <p:split orient="vert"/>
       </p:transition>
     </mc:Choice>
-    <mc:Fallback>
+    <mc:Fallback xmlns="">
       <p:transition spd="slow">
         <p:split orient="vert"/>
       </p:transition>
@@ -31319,7 +34064,799 @@
 </p:sld>
 </file>
 
-<file path=ppt/slides/slide23.xml><?xml version="1.0" encoding="utf-8"?>
+<file path=ppt/slides/slide24.xml><?xml version="1.0" encoding="utf-8"?>
+<p:sld xmlns:a="http://schemas.openxmlformats.org/drawingml/2006/main" xmlns:r="http://schemas.openxmlformats.org/officeDocument/2006/relationships" xmlns:p="http://schemas.openxmlformats.org/presentationml/2006/main">
+  <p:cSld>
+    <p:bg>
+      <p:bgPr>
+        <a:solidFill>
+          <a:schemeClr val="bg1"/>
+        </a:solidFill>
+        <a:effectLst/>
+      </p:bgPr>
+    </p:bg>
+    <p:spTree>
+      <p:nvGrpSpPr>
+        <p:cNvPr id="1" name=""/>
+        <p:cNvGrpSpPr/>
+        <p:nvPr/>
+      </p:nvGrpSpPr>
+      <p:grpSpPr>
+        <a:xfrm>
+          <a:off x="0" y="0"/>
+          <a:ext cx="0" cy="0"/>
+          <a:chOff x="0" y="0"/>
+          <a:chExt cx="0" cy="0"/>
+        </a:xfrm>
+      </p:grpSpPr>
+      <p:sp>
+        <p:nvSpPr>
+          <p:cNvPr id="2" name="Title 1">
+            <a:extLst>
+              <a:ext uri="{FF2B5EF4-FFF2-40B4-BE49-F238E27FC236}">
+                <a16:creationId xmlns:a16="http://schemas.microsoft.com/office/drawing/2014/main" id="{7A412E71-38F0-590D-3C4C-EBEDA014CDE0}"/>
+              </a:ext>
+            </a:extLst>
+          </p:cNvPr>
+          <p:cNvSpPr>
+            <a:spLocks noGrp="1"/>
+          </p:cNvSpPr>
+          <p:nvPr>
+            <p:ph type="title"/>
+          </p:nvPr>
+        </p:nvSpPr>
+        <p:spPr>
+          <a:xfrm>
+            <a:off x="762001" y="5074024"/>
+            <a:ext cx="10109199" cy="598032"/>
+          </a:xfrm>
+        </p:spPr>
+        <p:txBody>
+          <a:bodyPr vert="horz" lIns="91440" tIns="45720" rIns="91440" bIns="45720" rtlCol="0" anchor="ctr">
+            <a:normAutofit/>
+          </a:bodyPr>
+          <a:lstStyle/>
+          <a:p>
+            <a:r>
+              <a:rPr lang="en-US" sz="3600" b="1" i="0" kern="1200">
+                <a:solidFill>
+                  <a:schemeClr val="tx1"/>
+                </a:solidFill>
+                <a:effectLst/>
+                <a:latin typeface="+mj-lt"/>
+                <a:ea typeface="+mj-ea"/>
+                <a:cs typeface="+mj-cs"/>
+              </a:rPr>
+              <a:t>Pagination</a:t>
+            </a:r>
+            <a:endParaRPr lang="en-US" sz="3600" kern="1200">
+              <a:solidFill>
+                <a:schemeClr val="tx1"/>
+              </a:solidFill>
+              <a:latin typeface="+mj-lt"/>
+              <a:ea typeface="+mj-ea"/>
+              <a:cs typeface="+mj-cs"/>
+            </a:endParaRPr>
+          </a:p>
+        </p:txBody>
+      </p:sp>
+      <p:sp>
+        <p:nvSpPr>
+          <p:cNvPr id="10" name="Rectangle 9">
+            <a:extLst>
+              <a:ext uri="{FF2B5EF4-FFF2-40B4-BE49-F238E27FC236}">
+                <a16:creationId xmlns:a16="http://schemas.microsoft.com/office/drawing/2014/main" id="{5E395AE0-8789-FAD6-A987-32E65C185100}"/>
+              </a:ext>
+              <a:ext uri="{C183D7F6-B498-43B3-948B-1728B52AA6E4}">
+                <adec:decorative xmlns:adec="http://schemas.microsoft.com/office/drawing/2017/decorative" val="1"/>
+              </a:ext>
+            </a:extLst>
+          </p:cNvPr>
+          <p:cNvSpPr>
+            <a:spLocks noGrp="1" noRot="1" noChangeAspect="1" noMove="1" noResize="1" noEditPoints="1" noAdjustHandles="1" noChangeArrowheads="1" noChangeShapeType="1" noTextEdit="1"/>
+          </p:cNvSpPr>
+          <p:nvPr>
+            <p:extLst>
+              <p:ext uri="{386F3935-93C4-4BCD-93E2-E3B085C9AB24}">
+                <p16:designElem xmlns:p16="http://schemas.microsoft.com/office/powerpoint/2015/main" val="1"/>
+              </p:ext>
+            </p:extLst>
+          </p:nvPr>
+        </p:nvSpPr>
+        <p:spPr>
+          <a:xfrm>
+            <a:off x="1" y="1"/>
+            <a:ext cx="12192000" cy="4390253"/>
+          </a:xfrm>
+          <a:prstGeom prst="rect">
+            <a:avLst/>
+          </a:prstGeom>
+          <a:solidFill>
+            <a:schemeClr val="bg1">
+              <a:lumMod val="95000"/>
+              <a:alpha val="65000"/>
+            </a:schemeClr>
+          </a:solidFill>
+          <a:ln>
+            <a:noFill/>
+          </a:ln>
+        </p:spPr>
+        <p:style>
+          <a:lnRef idx="2">
+            <a:schemeClr val="accent1">
+              <a:shade val="50000"/>
+            </a:schemeClr>
+          </a:lnRef>
+          <a:fillRef idx="1">
+            <a:schemeClr val="accent1"/>
+          </a:fillRef>
+          <a:effectRef idx="0">
+            <a:schemeClr val="accent1"/>
+          </a:effectRef>
+          <a:fontRef idx="minor">
+            <a:schemeClr val="lt1"/>
+          </a:fontRef>
+        </p:style>
+        <p:txBody>
+          <a:bodyPr rtlCol="0" anchor="ctr"/>
+          <a:lstStyle/>
+          <a:p>
+            <a:pPr algn="ctr"/>
+            <a:endParaRPr lang="en-US"/>
+          </a:p>
+        </p:txBody>
+      </p:sp>
+      <p:pic>
+        <p:nvPicPr>
+          <p:cNvPr id="5" name="Content Placeholder 4" descr="A black background with white text&#10;&#10;Description automatically generated">
+            <a:extLst>
+              <a:ext uri="{FF2B5EF4-FFF2-40B4-BE49-F238E27FC236}">
+                <a16:creationId xmlns:a16="http://schemas.microsoft.com/office/drawing/2014/main" id="{1215E6E8-2921-7003-8F26-B8763570AD0F}"/>
+              </a:ext>
+            </a:extLst>
+          </p:cNvPr>
+          <p:cNvPicPr>
+            <a:picLocks noGrp="1" noChangeAspect="1"/>
+          </p:cNvPicPr>
+          <p:nvPr>
+            <p:ph idx="1"/>
+          </p:nvPr>
+        </p:nvPicPr>
+        <p:blipFill>
+          <a:blip r:embed="rId2"/>
+          <a:stretch>
+            <a:fillRect/>
+          </a:stretch>
+        </p:blipFill>
+        <p:spPr>
+          <a:xfrm>
+            <a:off x="865141" y="947708"/>
+            <a:ext cx="10488660" cy="2491056"/>
+          </a:xfrm>
+          <a:prstGeom prst="rect">
+            <a:avLst/>
+          </a:prstGeom>
+        </p:spPr>
+      </p:pic>
+      <p:cxnSp>
+        <p:nvCxnSpPr>
+          <p:cNvPr id="12" name="Straight Connector 11">
+            <a:extLst>
+              <a:ext uri="{FF2B5EF4-FFF2-40B4-BE49-F238E27FC236}">
+                <a16:creationId xmlns:a16="http://schemas.microsoft.com/office/drawing/2014/main" id="{7667AA61-5C27-F30F-D229-06CBE5709F33}"/>
+              </a:ext>
+              <a:ext uri="{C183D7F6-B498-43B3-948B-1728B52AA6E4}">
+                <adec:decorative xmlns:adec="http://schemas.microsoft.com/office/drawing/2017/decorative" val="1"/>
+              </a:ext>
+            </a:extLst>
+          </p:cNvPr>
+          <p:cNvCxnSpPr>
+            <a:cxnSpLocks noGrp="1" noRot="1" noChangeAspect="1" noMove="1" noResize="1" noEditPoints="1" noAdjustHandles="1" noChangeArrowheads="1" noChangeShapeType="1"/>
+          </p:cNvCxnSpPr>
+          <p:nvPr>
+            <p:extLst>
+              <p:ext uri="{386F3935-93C4-4BCD-93E2-E3B085C9AB24}">
+                <p16:designElem xmlns:p16="http://schemas.microsoft.com/office/powerpoint/2015/main" val="1"/>
+              </p:ext>
+            </p:extLst>
+          </p:nvPr>
+        </p:nvCxnSpPr>
+        <p:spPr>
+          <a:xfrm>
+            <a:off x="865141" y="4811517"/>
+            <a:ext cx="736939" cy="0"/>
+          </a:xfrm>
+          <a:prstGeom prst="line">
+            <a:avLst/>
+          </a:prstGeom>
+          <a:ln w="57150">
+            <a:solidFill>
+              <a:schemeClr val="accent4"/>
+            </a:solidFill>
+          </a:ln>
+        </p:spPr>
+        <p:style>
+          <a:lnRef idx="1">
+            <a:schemeClr val="accent1"/>
+          </a:lnRef>
+          <a:fillRef idx="0">
+            <a:schemeClr val="accent1"/>
+          </a:fillRef>
+          <a:effectRef idx="0">
+            <a:schemeClr val="accent1"/>
+          </a:effectRef>
+          <a:fontRef idx="minor">
+            <a:schemeClr val="tx1"/>
+          </a:fontRef>
+        </p:style>
+      </p:cxnSp>
+    </p:spTree>
+    <p:extLst>
+      <p:ext uri="{BB962C8B-B14F-4D97-AF65-F5344CB8AC3E}">
+        <p14:creationId xmlns:p14="http://schemas.microsoft.com/office/powerpoint/2010/main" val="4264906291"/>
+      </p:ext>
+    </p:extLst>
+  </p:cSld>
+  <p:clrMapOvr>
+    <a:masterClrMapping/>
+  </p:clrMapOvr>
+</p:sld>
+</file>
+
+<file path=ppt/slides/slide25.xml><?xml version="1.0" encoding="utf-8"?>
+<p:sld xmlns:a="http://schemas.openxmlformats.org/drawingml/2006/main" xmlns:r="http://schemas.openxmlformats.org/officeDocument/2006/relationships" xmlns:p="http://schemas.openxmlformats.org/presentationml/2006/main">
+  <p:cSld>
+    <p:bg>
+      <p:bgPr>
+        <a:solidFill>
+          <a:schemeClr val="bg1"/>
+        </a:solidFill>
+        <a:effectLst/>
+      </p:bgPr>
+    </p:bg>
+    <p:spTree>
+      <p:nvGrpSpPr>
+        <p:cNvPr id="1" name=""/>
+        <p:cNvGrpSpPr/>
+        <p:nvPr/>
+      </p:nvGrpSpPr>
+      <p:grpSpPr>
+        <a:xfrm>
+          <a:off x="0" y="0"/>
+          <a:ext cx="0" cy="0"/>
+          <a:chOff x="0" y="0"/>
+          <a:chExt cx="0" cy="0"/>
+        </a:xfrm>
+      </p:grpSpPr>
+      <p:sp>
+        <p:nvSpPr>
+          <p:cNvPr id="15" name="Flowchart: Document 14">
+            <a:extLst>
+              <a:ext uri="{FF2B5EF4-FFF2-40B4-BE49-F238E27FC236}">
+                <a16:creationId xmlns:a16="http://schemas.microsoft.com/office/drawing/2014/main" id="{D12DDE76-C203-4047-9998-63900085B5E8}"/>
+              </a:ext>
+              <a:ext uri="{C183D7F6-B498-43B3-948B-1728B52AA6E4}">
+                <adec:decorative xmlns:adec="http://schemas.microsoft.com/office/drawing/2017/decorative" val="1"/>
+              </a:ext>
+            </a:extLst>
+          </p:cNvPr>
+          <p:cNvSpPr>
+            <a:spLocks noGrp="1" noRot="1" noChangeAspect="1" noMove="1" noResize="1" noEditPoints="1" noAdjustHandles="1" noChangeArrowheads="1" noChangeShapeType="1" noTextEdit="1"/>
+          </p:cNvSpPr>
+          <p:nvPr>
+            <p:extLst>
+              <p:ext uri="{386F3935-93C4-4BCD-93E2-E3B085C9AB24}">
+                <p16:designElem xmlns:p16="http://schemas.microsoft.com/office/powerpoint/2015/main" val="1"/>
+              </p:ext>
+            </p:extLst>
+          </p:nvPr>
+        </p:nvSpPr>
+        <p:spPr>
+          <a:xfrm>
+            <a:off x="638175" y="0"/>
+            <a:ext cx="3248025" cy="3400426"/>
+          </a:xfrm>
+          <a:prstGeom prst="flowChartDocument">
+            <a:avLst/>
+          </a:prstGeom>
+          <a:solidFill>
+            <a:schemeClr val="accent1"/>
+          </a:solidFill>
+          <a:ln>
+            <a:noFill/>
+          </a:ln>
+        </p:spPr>
+        <p:style>
+          <a:lnRef idx="2">
+            <a:schemeClr val="accent1">
+              <a:shade val="50000"/>
+            </a:schemeClr>
+          </a:lnRef>
+          <a:fillRef idx="1">
+            <a:schemeClr val="accent1"/>
+          </a:fillRef>
+          <a:effectRef idx="0">
+            <a:schemeClr val="accent1"/>
+          </a:effectRef>
+          <a:fontRef idx="minor">
+            <a:schemeClr val="lt1"/>
+          </a:fontRef>
+        </p:style>
+        <p:txBody>
+          <a:bodyPr rtlCol="0" anchor="ctr"/>
+          <a:lstStyle/>
+          <a:p>
+            <a:pPr algn="ctr"/>
+            <a:endParaRPr lang="en-US"/>
+          </a:p>
+        </p:txBody>
+      </p:sp>
+      <p:sp>
+        <p:nvSpPr>
+          <p:cNvPr id="2" name="Title 1">
+            <a:extLst>
+              <a:ext uri="{FF2B5EF4-FFF2-40B4-BE49-F238E27FC236}">
+                <a16:creationId xmlns:a16="http://schemas.microsoft.com/office/drawing/2014/main" id="{7A412E71-38F0-590D-3C4C-EBEDA014CDE0}"/>
+              </a:ext>
+            </a:extLst>
+          </p:cNvPr>
+          <p:cNvSpPr>
+            <a:spLocks noGrp="1"/>
+          </p:cNvSpPr>
+          <p:nvPr>
+            <p:ph type="title"/>
+          </p:nvPr>
+        </p:nvSpPr>
+        <p:spPr>
+          <a:xfrm>
+            <a:off x="838200" y="171162"/>
+            <a:ext cx="2840182" cy="2371148"/>
+          </a:xfrm>
+        </p:spPr>
+        <p:txBody>
+          <a:bodyPr vert="horz" lIns="91440" tIns="45720" rIns="91440" bIns="45720" rtlCol="0" anchor="ctr">
+            <a:normAutofit/>
+          </a:bodyPr>
+          <a:lstStyle/>
+          <a:p>
+            <a:r>
+              <a:rPr lang="en-US" sz="3200" b="1" i="0" kern="1200">
+                <a:solidFill>
+                  <a:srgbClr val="FFFFFF"/>
+                </a:solidFill>
+                <a:effectLst/>
+                <a:latin typeface="+mj-lt"/>
+                <a:ea typeface="+mj-ea"/>
+                <a:cs typeface="+mj-cs"/>
+              </a:rPr>
+              <a:t>Cursor-Based Pagination</a:t>
+            </a:r>
+            <a:endParaRPr lang="en-US" sz="3200" kern="1200">
+              <a:solidFill>
+                <a:srgbClr val="FFFFFF"/>
+              </a:solidFill>
+              <a:latin typeface="+mj-lt"/>
+              <a:ea typeface="+mj-ea"/>
+              <a:cs typeface="+mj-cs"/>
+            </a:endParaRPr>
+          </a:p>
+        </p:txBody>
+      </p:sp>
+      <p:pic>
+        <p:nvPicPr>
+          <p:cNvPr id="5" name="Content Placeholder 4" descr="A screen shot of a computer&#10;&#10;Description automatically generated">
+            <a:extLst>
+              <a:ext uri="{FF2B5EF4-FFF2-40B4-BE49-F238E27FC236}">
+                <a16:creationId xmlns:a16="http://schemas.microsoft.com/office/drawing/2014/main" id="{BF43F394-A989-EE37-F560-3687C6575395}"/>
+              </a:ext>
+            </a:extLst>
+          </p:cNvPr>
+          <p:cNvPicPr>
+            <a:picLocks noGrp="1" noChangeAspect="1"/>
+          </p:cNvPicPr>
+          <p:nvPr>
+            <p:ph idx="1"/>
+          </p:nvPr>
+        </p:nvPicPr>
+        <p:blipFill>
+          <a:blip r:embed="rId2"/>
+          <a:stretch>
+            <a:fillRect/>
+          </a:stretch>
+        </p:blipFill>
+        <p:spPr>
+          <a:xfrm>
+            <a:off x="4207933" y="1748739"/>
+            <a:ext cx="7347537" cy="3361497"/>
+          </a:xfrm>
+          <a:prstGeom prst="rect">
+            <a:avLst/>
+          </a:prstGeom>
+        </p:spPr>
+      </p:pic>
+    </p:spTree>
+    <p:extLst>
+      <p:ext uri="{BB962C8B-B14F-4D97-AF65-F5344CB8AC3E}">
+        <p14:creationId xmlns:p14="http://schemas.microsoft.com/office/powerpoint/2010/main" val="2879041838"/>
+      </p:ext>
+    </p:extLst>
+  </p:cSld>
+  <p:clrMapOvr>
+    <a:masterClrMapping/>
+  </p:clrMapOvr>
+</p:sld>
+</file>
+
+<file path=ppt/slides/slide26.xml><?xml version="1.0" encoding="utf-8"?>
+<p:sld xmlns:a="http://schemas.openxmlformats.org/drawingml/2006/main" xmlns:r="http://schemas.openxmlformats.org/officeDocument/2006/relationships" xmlns:p="http://schemas.openxmlformats.org/presentationml/2006/main">
+  <p:cSld>
+    <p:bg>
+      <p:bgPr>
+        <a:solidFill>
+          <a:schemeClr val="bg1"/>
+        </a:solidFill>
+        <a:effectLst/>
+      </p:bgPr>
+    </p:bg>
+    <p:spTree>
+      <p:nvGrpSpPr>
+        <p:cNvPr id="1" name=""/>
+        <p:cNvGrpSpPr/>
+        <p:nvPr/>
+      </p:nvGrpSpPr>
+      <p:grpSpPr>
+        <a:xfrm>
+          <a:off x="0" y="0"/>
+          <a:ext cx="0" cy="0"/>
+          <a:chOff x="0" y="0"/>
+          <a:chExt cx="0" cy="0"/>
+        </a:xfrm>
+      </p:grpSpPr>
+      <p:sp>
+        <p:nvSpPr>
+          <p:cNvPr id="10" name="Down Arrow 7">
+            <a:extLst>
+              <a:ext uri="{FF2B5EF4-FFF2-40B4-BE49-F238E27FC236}">
+                <a16:creationId xmlns:a16="http://schemas.microsoft.com/office/drawing/2014/main" id="{D4771268-CB57-404A-9271-370EB28F6090}"/>
+              </a:ext>
+              <a:ext uri="{C183D7F6-B498-43B3-948B-1728B52AA6E4}">
+                <adec:decorative xmlns:adec="http://schemas.microsoft.com/office/drawing/2017/decorative" val="1"/>
+              </a:ext>
+            </a:extLst>
+          </p:cNvPr>
+          <p:cNvSpPr>
+            <a:spLocks noGrp="1" noRot="1" noChangeAspect="1" noMove="1" noResize="1" noEditPoints="1" noAdjustHandles="1" noChangeArrowheads="1" noChangeShapeType="1" noTextEdit="1"/>
+          </p:cNvSpPr>
+          <p:nvPr>
+            <p:extLst>
+              <p:ext uri="{386F3935-93C4-4BCD-93E2-E3B085C9AB24}">
+                <p16:designElem xmlns:p16="http://schemas.microsoft.com/office/powerpoint/2015/main" val="1"/>
+              </p:ext>
+            </p:extLst>
+          </p:nvPr>
+        </p:nvSpPr>
+        <p:spPr>
+          <a:xfrm rot="16200000">
+            <a:off x="800100" y="1491343"/>
+            <a:ext cx="3333749" cy="3499103"/>
+          </a:xfrm>
+          <a:prstGeom prst="downArrow">
+            <a:avLst>
+              <a:gd name="adj1" fmla="val 100000"/>
+              <a:gd name="adj2" fmla="val 15788"/>
+            </a:avLst>
+          </a:prstGeom>
+          <a:solidFill>
+            <a:srgbClr val="404040"/>
+          </a:solidFill>
+          <a:ln w="53975">
+            <a:noFill/>
+          </a:ln>
+        </p:spPr>
+        <p:style>
+          <a:lnRef idx="2">
+            <a:schemeClr val="accent1">
+              <a:shade val="50000"/>
+            </a:schemeClr>
+          </a:lnRef>
+          <a:fillRef idx="1">
+            <a:schemeClr val="accent1"/>
+          </a:fillRef>
+          <a:effectRef idx="0">
+            <a:schemeClr val="accent1"/>
+          </a:effectRef>
+          <a:fontRef idx="minor">
+            <a:schemeClr val="lt1"/>
+          </a:fontRef>
+        </p:style>
+        <p:txBody>
+          <a:bodyPr rtlCol="0" anchor="ctr"/>
+          <a:lstStyle/>
+          <a:p>
+            <a:pPr algn="ctr"/>
+            <a:endParaRPr lang="en-US"/>
+          </a:p>
+        </p:txBody>
+      </p:sp>
+      <p:sp>
+        <p:nvSpPr>
+          <p:cNvPr id="2" name="Title 1">
+            <a:extLst>
+              <a:ext uri="{FF2B5EF4-FFF2-40B4-BE49-F238E27FC236}">
+                <a16:creationId xmlns:a16="http://schemas.microsoft.com/office/drawing/2014/main" id="{7A412E71-38F0-590D-3C4C-EBEDA014CDE0}"/>
+              </a:ext>
+            </a:extLst>
+          </p:cNvPr>
+          <p:cNvSpPr>
+            <a:spLocks noGrp="1"/>
+          </p:cNvSpPr>
+          <p:nvPr>
+            <p:ph type="title"/>
+          </p:nvPr>
+        </p:nvSpPr>
+        <p:spPr>
+          <a:xfrm>
+            <a:off x="1028700" y="1967266"/>
+            <a:ext cx="2628900" cy="2547257"/>
+          </a:xfrm>
+          <a:noFill/>
+        </p:spPr>
+        <p:txBody>
+          <a:bodyPr vert="horz" lIns="91440" tIns="45720" rIns="91440" bIns="45720" rtlCol="0" anchor="ctr">
+            <a:normAutofit/>
+          </a:bodyPr>
+          <a:lstStyle/>
+          <a:p>
+            <a:pPr algn="ctr"/>
+            <a:r>
+              <a:rPr lang="en-US" sz="3600" b="1" i="0" kern="1200">
+                <a:solidFill>
+                  <a:srgbClr val="FFFFFF"/>
+                </a:solidFill>
+                <a:effectLst/>
+                <a:latin typeface="+mj-lt"/>
+                <a:ea typeface="+mj-ea"/>
+                <a:cs typeface="+mj-cs"/>
+              </a:rPr>
+              <a:t>Combining Queries</a:t>
+            </a:r>
+            <a:endParaRPr lang="en-US" sz="3600" kern="1200">
+              <a:solidFill>
+                <a:srgbClr val="FFFFFF"/>
+              </a:solidFill>
+              <a:latin typeface="+mj-lt"/>
+              <a:ea typeface="+mj-ea"/>
+              <a:cs typeface="+mj-cs"/>
+            </a:endParaRPr>
+          </a:p>
+        </p:txBody>
+      </p:sp>
+      <p:pic>
+        <p:nvPicPr>
+          <p:cNvPr id="5" name="Content Placeholder 4" descr="A screen shot of a computer&#10;&#10;Description automatically generated">
+            <a:extLst>
+              <a:ext uri="{FF2B5EF4-FFF2-40B4-BE49-F238E27FC236}">
+                <a16:creationId xmlns:a16="http://schemas.microsoft.com/office/drawing/2014/main" id="{5CC63B8F-717C-4042-32AD-C995F3053E4A}"/>
+              </a:ext>
+            </a:extLst>
+          </p:cNvPr>
+          <p:cNvPicPr>
+            <a:picLocks noGrp="1" noChangeAspect="1"/>
+          </p:cNvPicPr>
+          <p:nvPr>
+            <p:ph idx="1"/>
+          </p:nvPr>
+        </p:nvPicPr>
+        <p:blipFill>
+          <a:blip r:embed="rId2"/>
+          <a:stretch>
+            <a:fillRect/>
+          </a:stretch>
+        </p:blipFill>
+        <p:spPr>
+          <a:xfrm>
+            <a:off x="4777316" y="1656378"/>
+            <a:ext cx="6780700" cy="3542915"/>
+          </a:xfrm>
+          <a:prstGeom prst="rect">
+            <a:avLst/>
+          </a:prstGeom>
+        </p:spPr>
+      </p:pic>
+    </p:spTree>
+    <p:extLst>
+      <p:ext uri="{BB962C8B-B14F-4D97-AF65-F5344CB8AC3E}">
+        <p14:creationId xmlns:p14="http://schemas.microsoft.com/office/powerpoint/2010/main" val="1379954166"/>
+      </p:ext>
+    </p:extLst>
+  </p:cSld>
+  <p:clrMapOvr>
+    <a:masterClrMapping/>
+  </p:clrMapOvr>
+</p:sld>
+</file>
+
+<file path=ppt/slides/slide27.xml><?xml version="1.0" encoding="utf-8"?>
+<p:sld xmlns:a="http://schemas.openxmlformats.org/drawingml/2006/main" xmlns:r="http://schemas.openxmlformats.org/officeDocument/2006/relationships" xmlns:p="http://schemas.openxmlformats.org/presentationml/2006/main">
+  <p:cSld>
+    <p:bg>
+      <p:bgPr>
+        <a:solidFill>
+          <a:schemeClr val="bg1"/>
+        </a:solidFill>
+        <a:effectLst/>
+      </p:bgPr>
+    </p:bg>
+    <p:spTree>
+      <p:nvGrpSpPr>
+        <p:cNvPr id="1" name=""/>
+        <p:cNvGrpSpPr/>
+        <p:nvPr/>
+      </p:nvGrpSpPr>
+      <p:grpSpPr>
+        <a:xfrm>
+          <a:off x="0" y="0"/>
+          <a:ext cx="0" cy="0"/>
+          <a:chOff x="0" y="0"/>
+          <a:chExt cx="0" cy="0"/>
+        </a:xfrm>
+      </p:grpSpPr>
+      <p:sp>
+        <p:nvSpPr>
+          <p:cNvPr id="10" name="Down Arrow 7">
+            <a:extLst>
+              <a:ext uri="{FF2B5EF4-FFF2-40B4-BE49-F238E27FC236}">
+                <a16:creationId xmlns:a16="http://schemas.microsoft.com/office/drawing/2014/main" id="{D4771268-CB57-404A-9271-370EB28F6090}"/>
+              </a:ext>
+              <a:ext uri="{C183D7F6-B498-43B3-948B-1728B52AA6E4}">
+                <adec:decorative xmlns:adec="http://schemas.microsoft.com/office/drawing/2017/decorative" val="1"/>
+              </a:ext>
+            </a:extLst>
+          </p:cNvPr>
+          <p:cNvSpPr>
+            <a:spLocks noGrp="1" noRot="1" noChangeAspect="1" noMove="1" noResize="1" noEditPoints="1" noAdjustHandles="1" noChangeArrowheads="1" noChangeShapeType="1" noTextEdit="1"/>
+          </p:cNvSpPr>
+          <p:nvPr>
+            <p:extLst>
+              <p:ext uri="{386F3935-93C4-4BCD-93E2-E3B085C9AB24}">
+                <p16:designElem xmlns:p16="http://schemas.microsoft.com/office/powerpoint/2015/main" val="1"/>
+              </p:ext>
+            </p:extLst>
+          </p:nvPr>
+        </p:nvSpPr>
+        <p:spPr>
+          <a:xfrm rot="16200000">
+            <a:off x="800100" y="1491343"/>
+            <a:ext cx="3333749" cy="3499103"/>
+          </a:xfrm>
+          <a:prstGeom prst="downArrow">
+            <a:avLst>
+              <a:gd name="adj1" fmla="val 100000"/>
+              <a:gd name="adj2" fmla="val 15788"/>
+            </a:avLst>
+          </a:prstGeom>
+          <a:solidFill>
+            <a:srgbClr val="404040"/>
+          </a:solidFill>
+          <a:ln w="53975">
+            <a:noFill/>
+          </a:ln>
+        </p:spPr>
+        <p:style>
+          <a:lnRef idx="2">
+            <a:schemeClr val="accent1">
+              <a:shade val="50000"/>
+            </a:schemeClr>
+          </a:lnRef>
+          <a:fillRef idx="1">
+            <a:schemeClr val="accent1"/>
+          </a:fillRef>
+          <a:effectRef idx="0">
+            <a:schemeClr val="accent1"/>
+          </a:effectRef>
+          <a:fontRef idx="minor">
+            <a:schemeClr val="lt1"/>
+          </a:fontRef>
+        </p:style>
+        <p:txBody>
+          <a:bodyPr rtlCol="0" anchor="ctr"/>
+          <a:lstStyle/>
+          <a:p>
+            <a:pPr algn="ctr"/>
+            <a:endParaRPr lang="en-US"/>
+          </a:p>
+        </p:txBody>
+      </p:sp>
+      <p:sp>
+        <p:nvSpPr>
+          <p:cNvPr id="2" name="Title 1">
+            <a:extLst>
+              <a:ext uri="{FF2B5EF4-FFF2-40B4-BE49-F238E27FC236}">
+                <a16:creationId xmlns:a16="http://schemas.microsoft.com/office/drawing/2014/main" id="{8742A9C0-2C26-9711-1724-8A2F62A2B12D}"/>
+              </a:ext>
+            </a:extLst>
+          </p:cNvPr>
+          <p:cNvSpPr>
+            <a:spLocks noGrp="1"/>
+          </p:cNvSpPr>
+          <p:nvPr>
+            <p:ph type="title"/>
+          </p:nvPr>
+        </p:nvSpPr>
+        <p:spPr>
+          <a:xfrm>
+            <a:off x="1028700" y="1967266"/>
+            <a:ext cx="2628900" cy="2547257"/>
+          </a:xfrm>
+          <a:noFill/>
+        </p:spPr>
+        <p:txBody>
+          <a:bodyPr vert="horz" lIns="91440" tIns="45720" rIns="91440" bIns="45720" rtlCol="0" anchor="ctr">
+            <a:normAutofit/>
+          </a:bodyPr>
+          <a:lstStyle/>
+          <a:p>
+            <a:pPr algn="ctr"/>
+            <a:r>
+              <a:rPr lang="en-US" sz="3600" kern="1200" dirty="0">
+                <a:solidFill>
+                  <a:srgbClr val="FFFFFF"/>
+                </a:solidFill>
+                <a:latin typeface="+mj-lt"/>
+                <a:ea typeface="+mj-ea"/>
+                <a:cs typeface="+mj-cs"/>
+              </a:rPr>
+              <a:t>OR</a:t>
+            </a:r>
+          </a:p>
+        </p:txBody>
+      </p:sp>
+      <p:pic>
+        <p:nvPicPr>
+          <p:cNvPr id="5" name="Content Placeholder 4" descr="A computer screen with text&#10;&#10;Description automatically generated">
+            <a:extLst>
+              <a:ext uri="{FF2B5EF4-FFF2-40B4-BE49-F238E27FC236}">
+                <a16:creationId xmlns:a16="http://schemas.microsoft.com/office/drawing/2014/main" id="{797809F1-4E21-887A-BC1D-90E090D633CE}"/>
+              </a:ext>
+            </a:extLst>
+          </p:cNvPr>
+          <p:cNvPicPr>
+            <a:picLocks noGrp="1" noChangeAspect="1"/>
+          </p:cNvPicPr>
+          <p:nvPr>
+            <p:ph idx="1"/>
+          </p:nvPr>
+        </p:nvPicPr>
+        <p:blipFill>
+          <a:blip r:embed="rId2"/>
+          <a:stretch>
+            <a:fillRect/>
+          </a:stretch>
+        </p:blipFill>
+        <p:spPr>
+          <a:xfrm>
+            <a:off x="4777316" y="1164777"/>
+            <a:ext cx="6780700" cy="4526117"/>
+          </a:xfrm>
+          <a:prstGeom prst="rect">
+            <a:avLst/>
+          </a:prstGeom>
+        </p:spPr>
+      </p:pic>
+    </p:spTree>
+    <p:extLst>
+      <p:ext uri="{BB962C8B-B14F-4D97-AF65-F5344CB8AC3E}">
+        <p14:creationId xmlns:p14="http://schemas.microsoft.com/office/powerpoint/2010/main" val="3597068933"/>
+      </p:ext>
+    </p:extLst>
+  </p:cSld>
+  <p:clrMapOvr>
+    <a:masterClrMapping/>
+  </p:clrMapOvr>
+</p:sld>
+</file>
+
+<file path=ppt/slides/slide28.xml><?xml version="1.0" encoding="utf-8"?>
 <p:sld xmlns:a="http://schemas.openxmlformats.org/drawingml/2006/main" xmlns:r="http://schemas.openxmlformats.org/officeDocument/2006/relationships" xmlns:p="http://schemas.openxmlformats.org/presentationml/2006/main">
   <p:cSld>
     <p:spTree>
@@ -31341,7 +34878,7 @@
           <p:cNvPr id="2" name="Title 1">
             <a:extLst>
               <a:ext uri="{FF2B5EF4-FFF2-40B4-BE49-F238E27FC236}">
-                <a16:creationId xmlns:a16="http://schemas.microsoft.com/office/drawing/2014/main" id="{946BD1D3-01F4-6CBA-ED26-AE363F2741D1}"/>
+                <a16:creationId xmlns:a16="http://schemas.microsoft.com/office/drawing/2014/main" id="{8333017F-57CF-DB3F-347F-4C7852E1A41D}"/>
               </a:ext>
             </a:extLst>
           </p:cNvPr>
@@ -31366,7 +34903,7 @@
           <p:cNvPr id="3" name="Content Placeholder 2">
             <a:extLst>
               <a:ext uri="{FF2B5EF4-FFF2-40B4-BE49-F238E27FC236}">
-                <a16:creationId xmlns:a16="http://schemas.microsoft.com/office/drawing/2014/main" id="{EAED1E05-BE36-2E4E-2B2D-50FE69E87177}"/>
+                <a16:creationId xmlns:a16="http://schemas.microsoft.com/office/drawing/2014/main" id="{574F72B9-8B74-607D-30EF-9FB045E846E9}"/>
               </a:ext>
             </a:extLst>
           </p:cNvPr>
@@ -31389,29 +34926,17 @@
     </p:spTree>
     <p:extLst>
       <p:ext uri="{BB962C8B-B14F-4D97-AF65-F5344CB8AC3E}">
-        <p14:creationId xmlns:p14="http://schemas.microsoft.com/office/powerpoint/2010/main" val="461708083"/>
+        <p14:creationId xmlns:p14="http://schemas.microsoft.com/office/powerpoint/2010/main" val="2032609870"/>
       </p:ext>
     </p:extLst>
   </p:cSld>
   <p:clrMapOvr>
     <a:masterClrMapping/>
   </p:clrMapOvr>
-  <mc:AlternateContent xmlns:mc="http://schemas.openxmlformats.org/markup-compatibility/2006">
-    <mc:Choice xmlns:p14="http://schemas.microsoft.com/office/powerpoint/2010/main" Requires="p14">
-      <p:transition spd="slow" p14:dur="1500">
-        <p:split orient="vert"/>
-      </p:transition>
-    </mc:Choice>
-    <mc:Fallback>
-      <p:transition spd="slow">
-        <p:split orient="vert"/>
-      </p:transition>
-    </mc:Fallback>
-  </mc:AlternateContent>
 </p:sld>
 </file>
 
-<file path=ppt/slides/slide24.xml><?xml version="1.0" encoding="utf-8"?>
+<file path=ppt/slides/slide29.xml><?xml version="1.0" encoding="utf-8"?>
 <p:sld xmlns:a="http://schemas.openxmlformats.org/drawingml/2006/main" xmlns:r="http://schemas.openxmlformats.org/officeDocument/2006/relationships" xmlns:p="http://schemas.openxmlformats.org/presentationml/2006/main">
   <p:cSld>
     <p:spTree>
@@ -31583,13 +35108,13 @@
   <p:clrMapOvr>
     <a:masterClrMapping/>
   </p:clrMapOvr>
-  <mc:AlternateContent xmlns:mc="http://schemas.openxmlformats.org/markup-compatibility/2006">
-    <mc:Choice xmlns:p14="http://schemas.microsoft.com/office/powerpoint/2010/main" Requires="p14">
+  <mc:AlternateContent xmlns:mc="http://schemas.openxmlformats.org/markup-compatibility/2006" xmlns:p14="http://schemas.microsoft.com/office/powerpoint/2010/main">
+    <mc:Choice Requires="p14">
       <p:transition spd="slow" p14:dur="1500">
         <p:split orient="vert"/>
       </p:transition>
     </mc:Choice>
-    <mc:Fallback>
+    <mc:Fallback xmlns="">
       <p:transition spd="slow">
         <p:split orient="vert"/>
       </p:transition>
@@ -31598,7 +35123,217 @@
 </p:sld>
 </file>
 
-<file path=ppt/slides/slide25.xml><?xml version="1.0" encoding="utf-8"?>
+<file path=ppt/slides/slide3.xml><?xml version="1.0" encoding="utf-8"?>
+<p:sld xmlns:a="http://schemas.openxmlformats.org/drawingml/2006/main" xmlns:r="http://schemas.openxmlformats.org/officeDocument/2006/relationships" xmlns:p="http://schemas.openxmlformats.org/presentationml/2006/main">
+  <p:cSld>
+    <p:bg>
+      <p:bgPr>
+        <a:solidFill>
+          <a:schemeClr val="bg1"/>
+        </a:solidFill>
+        <a:effectLst/>
+      </p:bgPr>
+    </p:bg>
+    <p:spTree>
+      <p:nvGrpSpPr>
+        <p:cNvPr id="1" name=""/>
+        <p:cNvGrpSpPr/>
+        <p:nvPr/>
+      </p:nvGrpSpPr>
+      <p:grpSpPr>
+        <a:xfrm>
+          <a:off x="0" y="0"/>
+          <a:ext cx="0" cy="0"/>
+          <a:chOff x="0" y="0"/>
+          <a:chExt cx="0" cy="0"/>
+        </a:xfrm>
+      </p:grpSpPr>
+      <p:sp>
+        <p:nvSpPr>
+          <p:cNvPr id="2" name="Title 1">
+            <a:extLst>
+              <a:ext uri="{FF2B5EF4-FFF2-40B4-BE49-F238E27FC236}">
+                <a16:creationId xmlns:a16="http://schemas.microsoft.com/office/drawing/2014/main" id="{CDE076A0-07D9-70D8-60A4-231E04860A9D}"/>
+              </a:ext>
+            </a:extLst>
+          </p:cNvPr>
+          <p:cNvSpPr>
+            <a:spLocks noGrp="1"/>
+          </p:cNvSpPr>
+          <p:nvPr>
+            <p:ph type="title"/>
+          </p:nvPr>
+        </p:nvSpPr>
+        <p:spPr>
+          <a:xfrm>
+            <a:off x="5868557" y="1138036"/>
+            <a:ext cx="5444382" cy="1402470"/>
+          </a:xfrm>
+        </p:spPr>
+        <p:txBody>
+          <a:bodyPr anchor="t">
+            <a:normAutofit/>
+          </a:bodyPr>
+          <a:lstStyle/>
+          <a:p>
+            <a:r>
+              <a:rPr lang="en-IL" sz="3200"/>
+              <a:t>What is Web server</a:t>
+            </a:r>
+          </a:p>
+        </p:txBody>
+      </p:sp>
+      <p:pic>
+        <p:nvPicPr>
+          <p:cNvPr id="5" name="Picture 4" descr="Sphere of mesh and nodes">
+            <a:extLst>
+              <a:ext uri="{FF2B5EF4-FFF2-40B4-BE49-F238E27FC236}">
+                <a16:creationId xmlns:a16="http://schemas.microsoft.com/office/drawing/2014/main" id="{7FDA5427-9023-C370-8B8B-87ED5A75EF7B}"/>
+              </a:ext>
+            </a:extLst>
+          </p:cNvPr>
+          <p:cNvPicPr>
+            <a:picLocks noChangeAspect="1"/>
+          </p:cNvPicPr>
+          <p:nvPr/>
+        </p:nvPicPr>
+        <p:blipFill rotWithShape="1">
+          <a:blip r:embed="rId2"/>
+          <a:srcRect l="37327" r="6339"/>
+          <a:stretch/>
+        </p:blipFill>
+        <p:spPr>
+          <a:xfrm>
+            <a:off x="-1" y="10"/>
+            <a:ext cx="5151179" cy="6857990"/>
+          </a:xfrm>
+          <a:prstGeom prst="rect">
+            <a:avLst/>
+          </a:prstGeom>
+        </p:spPr>
+      </p:pic>
+      <p:cxnSp>
+        <p:nvCxnSpPr>
+          <p:cNvPr id="9" name="Straight Connector 8">
+            <a:extLst>
+              <a:ext uri="{FF2B5EF4-FFF2-40B4-BE49-F238E27FC236}">
+                <a16:creationId xmlns:a16="http://schemas.microsoft.com/office/drawing/2014/main" id="{1503BFE4-729B-D9D0-C17B-501E6AF1127A}"/>
+              </a:ext>
+              <a:ext uri="{C183D7F6-B498-43B3-948B-1728B52AA6E4}">
+                <adec:decorative xmlns:adec="http://schemas.microsoft.com/office/drawing/2017/decorative" val="1"/>
+              </a:ext>
+            </a:extLst>
+          </p:cNvPr>
+          <p:cNvCxnSpPr>
+            <a:cxnSpLocks noGrp="1" noRot="1" noChangeAspect="1" noMove="1" noResize="1" noEditPoints="1" noAdjustHandles="1" noChangeArrowheads="1" noChangeShapeType="1"/>
+          </p:cNvCxnSpPr>
+          <p:nvPr>
+            <p:extLst>
+              <p:ext uri="{386F3935-93C4-4BCD-93E2-E3B085C9AB24}">
+                <p16:designElem xmlns:p16="http://schemas.microsoft.com/office/powerpoint/2015/main" val="1"/>
+              </p:ext>
+            </p:extLst>
+          </p:nvPr>
+        </p:nvCxnSpPr>
+        <p:spPr>
+          <a:xfrm>
+            <a:off x="5971697" y="871146"/>
+            <a:ext cx="736939" cy="0"/>
+          </a:xfrm>
+          <a:prstGeom prst="line">
+            <a:avLst/>
+          </a:prstGeom>
+          <a:ln w="57150">
+            <a:solidFill>
+              <a:schemeClr val="accent4"/>
+            </a:solidFill>
+          </a:ln>
+        </p:spPr>
+        <p:style>
+          <a:lnRef idx="1">
+            <a:schemeClr val="accent1"/>
+          </a:lnRef>
+          <a:fillRef idx="0">
+            <a:schemeClr val="accent1"/>
+          </a:fillRef>
+          <a:effectRef idx="0">
+            <a:schemeClr val="accent1"/>
+          </a:effectRef>
+          <a:fontRef idx="minor">
+            <a:schemeClr val="tx1"/>
+          </a:fontRef>
+        </p:style>
+      </p:cxnSp>
+      <p:sp>
+        <p:nvSpPr>
+          <p:cNvPr id="3" name="Content Placeholder 2">
+            <a:extLst>
+              <a:ext uri="{FF2B5EF4-FFF2-40B4-BE49-F238E27FC236}">
+                <a16:creationId xmlns:a16="http://schemas.microsoft.com/office/drawing/2014/main" id="{4571DC12-23B1-E177-385C-ECFEAE1FC19A}"/>
+              </a:ext>
+            </a:extLst>
+          </p:cNvPr>
+          <p:cNvSpPr>
+            <a:spLocks noGrp="1"/>
+          </p:cNvSpPr>
+          <p:nvPr>
+            <p:ph idx="1"/>
+          </p:nvPr>
+        </p:nvSpPr>
+        <p:spPr>
+          <a:xfrm>
+            <a:off x="5868557" y="2551176"/>
+            <a:ext cx="5444382" cy="3591207"/>
+          </a:xfrm>
+        </p:spPr>
+        <p:txBody>
+          <a:bodyPr>
+            <a:normAutofit/>
+          </a:bodyPr>
+          <a:lstStyle/>
+          <a:p>
+            <a:r>
+              <a:rPr lang="en-US" sz="2000" b="0" i="0">
+                <a:effectLst/>
+                <a:latin typeface="Söhne"/>
+              </a:rPr>
+              <a:t>A web server is a software application or hardware device that stores, processes, and serves web pages to users over the Internet. It plays a crucial role in the delivery of content for websites, and understanding its functions can help you recognize why it's necessary for most online activities. Here's a breakdown of what a web server is and why you might need one:</a:t>
+            </a:r>
+          </a:p>
+          <a:p>
+            <a:pPr marL="0" indent="0">
+              <a:buNone/>
+            </a:pPr>
+            <a:endParaRPr lang="en-IL" sz="2000"/>
+          </a:p>
+        </p:txBody>
+      </p:sp>
+    </p:spTree>
+    <p:extLst>
+      <p:ext uri="{BB962C8B-B14F-4D97-AF65-F5344CB8AC3E}">
+        <p14:creationId xmlns:p14="http://schemas.microsoft.com/office/powerpoint/2010/main" val="2718517597"/>
+      </p:ext>
+    </p:extLst>
+  </p:cSld>
+  <p:clrMapOvr>
+    <a:masterClrMapping/>
+  </p:clrMapOvr>
+  <mc:AlternateContent xmlns:mc="http://schemas.openxmlformats.org/markup-compatibility/2006" xmlns:p14="http://schemas.microsoft.com/office/powerpoint/2010/main">
+    <mc:Choice Requires="p14">
+      <p:transition spd="slow" p14:dur="1500">
+        <p:split orient="vert"/>
+      </p:transition>
+    </mc:Choice>
+    <mc:Fallback xmlns="">
+      <p:transition spd="slow">
+        <p:split orient="vert"/>
+      </p:transition>
+    </mc:Fallback>
+  </mc:AlternateContent>
+</p:sld>
+</file>
+
+<file path=ppt/slides/slide30.xml><?xml version="1.0" encoding="utf-8"?>
 <p:sld xmlns:a="http://schemas.openxmlformats.org/drawingml/2006/main" xmlns:r="http://schemas.openxmlformats.org/officeDocument/2006/relationships" xmlns:p="http://schemas.openxmlformats.org/presentationml/2006/main">
   <p:cSld>
     <p:spTree>
@@ -31751,13 +35486,13 @@
   <p:clrMapOvr>
     <a:masterClrMapping/>
   </p:clrMapOvr>
-  <mc:AlternateContent xmlns:mc="http://schemas.openxmlformats.org/markup-compatibility/2006">
-    <mc:Choice xmlns:p14="http://schemas.microsoft.com/office/powerpoint/2010/main" Requires="p14">
+  <mc:AlternateContent xmlns:mc="http://schemas.openxmlformats.org/markup-compatibility/2006" xmlns:p14="http://schemas.microsoft.com/office/powerpoint/2010/main">
+    <mc:Choice Requires="p14">
       <p:transition spd="slow" p14:dur="1500">
         <p:split orient="vert"/>
       </p:transition>
     </mc:Choice>
-    <mc:Fallback>
+    <mc:Fallback xmlns="">
       <p:transition spd="slow">
         <p:split orient="vert"/>
       </p:transition>
@@ -31766,7 +35501,7 @@
 </p:sld>
 </file>
 
-<file path=ppt/slides/slide26.xml><?xml version="1.0" encoding="utf-8"?>
+<file path=ppt/slides/slide31.xml><?xml version="1.0" encoding="utf-8"?>
 <p:sld xmlns:a="http://schemas.openxmlformats.org/drawingml/2006/main" xmlns:r="http://schemas.openxmlformats.org/officeDocument/2006/relationships" xmlns:p="http://schemas.openxmlformats.org/presentationml/2006/main">
   <p:cSld>
     <p:spTree>
@@ -31919,13 +35654,13 @@
   <p:clrMapOvr>
     <a:masterClrMapping/>
   </p:clrMapOvr>
-  <mc:AlternateContent xmlns:mc="http://schemas.openxmlformats.org/markup-compatibility/2006">
-    <mc:Choice xmlns:p14="http://schemas.microsoft.com/office/powerpoint/2010/main" Requires="p14">
+  <mc:AlternateContent xmlns:mc="http://schemas.openxmlformats.org/markup-compatibility/2006" xmlns:p14="http://schemas.microsoft.com/office/powerpoint/2010/main">
+    <mc:Choice Requires="p14">
       <p:transition spd="slow" p14:dur="1500">
         <p:split orient="vert"/>
       </p:transition>
     </mc:Choice>
-    <mc:Fallback>
+    <mc:Fallback xmlns="">
       <p:transition spd="slow">
         <p:split orient="vert"/>
       </p:transition>
@@ -31934,7 +35669,7 @@
 </p:sld>
 </file>
 
-<file path=ppt/slides/slide27.xml><?xml version="1.0" encoding="utf-8"?>
+<file path=ppt/slides/slide32.xml><?xml version="1.0" encoding="utf-8"?>
 <p:sld xmlns:a="http://schemas.openxmlformats.org/drawingml/2006/main" xmlns:r="http://schemas.openxmlformats.org/officeDocument/2006/relationships" xmlns:p="http://schemas.openxmlformats.org/presentationml/2006/main">
   <p:cSld>
     <p:spTree>
@@ -32087,13 +35822,13 @@
   <p:clrMapOvr>
     <a:masterClrMapping/>
   </p:clrMapOvr>
-  <mc:AlternateContent xmlns:mc="http://schemas.openxmlformats.org/markup-compatibility/2006">
-    <mc:Choice xmlns:p14="http://schemas.microsoft.com/office/powerpoint/2010/main" Requires="p14">
+  <mc:AlternateContent xmlns:mc="http://schemas.openxmlformats.org/markup-compatibility/2006" xmlns:p14="http://schemas.microsoft.com/office/powerpoint/2010/main">
+    <mc:Choice Requires="p14">
       <p:transition spd="slow" p14:dur="1500">
         <p:split orient="vert"/>
       </p:transition>
     </mc:Choice>
-    <mc:Fallback>
+    <mc:Fallback xmlns="">
       <p:transition spd="slow">
         <p:split orient="vert"/>
       </p:transition>
@@ -32102,7 +35837,7 @@
 </p:sld>
 </file>
 
-<file path=ppt/slides/slide28.xml><?xml version="1.0" encoding="utf-8"?>
+<file path=ppt/slides/slide33.xml><?xml version="1.0" encoding="utf-8"?>
 <p:sld xmlns:a="http://schemas.openxmlformats.org/drawingml/2006/main" xmlns:r="http://schemas.openxmlformats.org/officeDocument/2006/relationships" xmlns:p="http://schemas.openxmlformats.org/presentationml/2006/main" show="0">
   <p:cSld>
     <p:spTree>
@@ -32235,13 +35970,13 @@
   <p:clrMapOvr>
     <a:masterClrMapping/>
   </p:clrMapOvr>
-  <mc:AlternateContent xmlns:mc="http://schemas.openxmlformats.org/markup-compatibility/2006">
-    <mc:Choice xmlns:p14="http://schemas.microsoft.com/office/powerpoint/2010/main" Requires="p14">
+  <mc:AlternateContent xmlns:mc="http://schemas.openxmlformats.org/markup-compatibility/2006" xmlns:p14="http://schemas.microsoft.com/office/powerpoint/2010/main">
+    <mc:Choice Requires="p14">
       <p:transition spd="slow" p14:dur="1500">
         <p:split orient="vert"/>
       </p:transition>
     </mc:Choice>
-    <mc:Fallback>
+    <mc:Fallback xmlns="">
       <p:transition spd="slow">
         <p:split orient="vert"/>
       </p:transition>
@@ -32250,7 +35985,7 @@
 </p:sld>
 </file>
 
-<file path=ppt/slides/slide29.xml><?xml version="1.0" encoding="utf-8"?>
+<file path=ppt/slides/slide34.xml><?xml version="1.0" encoding="utf-8"?>
 <p:sld xmlns:a="http://schemas.openxmlformats.org/drawingml/2006/main" xmlns:r="http://schemas.openxmlformats.org/officeDocument/2006/relationships" xmlns:p="http://schemas.openxmlformats.org/presentationml/2006/main">
   <p:cSld>
     <p:spTree>
@@ -32639,13 +36374,13 @@
   <p:clrMapOvr>
     <a:masterClrMapping/>
   </p:clrMapOvr>
-  <mc:AlternateContent xmlns:mc="http://schemas.openxmlformats.org/markup-compatibility/2006">
-    <mc:Choice xmlns:p14="http://schemas.microsoft.com/office/powerpoint/2010/main" Requires="p14">
+  <mc:AlternateContent xmlns:mc="http://schemas.openxmlformats.org/markup-compatibility/2006" xmlns:p14="http://schemas.microsoft.com/office/powerpoint/2010/main">
+    <mc:Choice Requires="p14">
       <p:transition spd="slow" p14:dur="1500">
         <p:split orient="vert"/>
       </p:transition>
     </mc:Choice>
-    <mc:Fallback>
+    <mc:Fallback xmlns="">
       <p:transition spd="slow">
         <p:split orient="vert"/>
       </p:transition>
@@ -32654,217 +36389,7 @@
 </p:sld>
 </file>
 
-<file path=ppt/slides/slide3.xml><?xml version="1.0" encoding="utf-8"?>
-<p:sld xmlns:a="http://schemas.openxmlformats.org/drawingml/2006/main" xmlns:r="http://schemas.openxmlformats.org/officeDocument/2006/relationships" xmlns:p="http://schemas.openxmlformats.org/presentationml/2006/main">
-  <p:cSld>
-    <p:bg>
-      <p:bgPr>
-        <a:solidFill>
-          <a:schemeClr val="bg1"/>
-        </a:solidFill>
-        <a:effectLst/>
-      </p:bgPr>
-    </p:bg>
-    <p:spTree>
-      <p:nvGrpSpPr>
-        <p:cNvPr id="1" name=""/>
-        <p:cNvGrpSpPr/>
-        <p:nvPr/>
-      </p:nvGrpSpPr>
-      <p:grpSpPr>
-        <a:xfrm>
-          <a:off x="0" y="0"/>
-          <a:ext cx="0" cy="0"/>
-          <a:chOff x="0" y="0"/>
-          <a:chExt cx="0" cy="0"/>
-        </a:xfrm>
-      </p:grpSpPr>
-      <p:sp>
-        <p:nvSpPr>
-          <p:cNvPr id="2" name="Title 1">
-            <a:extLst>
-              <a:ext uri="{FF2B5EF4-FFF2-40B4-BE49-F238E27FC236}">
-                <a16:creationId xmlns:a16="http://schemas.microsoft.com/office/drawing/2014/main" id="{CDE076A0-07D9-70D8-60A4-231E04860A9D}"/>
-              </a:ext>
-            </a:extLst>
-          </p:cNvPr>
-          <p:cNvSpPr>
-            <a:spLocks noGrp="1"/>
-          </p:cNvSpPr>
-          <p:nvPr>
-            <p:ph type="title"/>
-          </p:nvPr>
-        </p:nvSpPr>
-        <p:spPr>
-          <a:xfrm>
-            <a:off x="5868557" y="1138036"/>
-            <a:ext cx="5444382" cy="1402470"/>
-          </a:xfrm>
-        </p:spPr>
-        <p:txBody>
-          <a:bodyPr anchor="t">
-            <a:normAutofit/>
-          </a:bodyPr>
-          <a:lstStyle/>
-          <a:p>
-            <a:r>
-              <a:rPr lang="en-IL" sz="3200"/>
-              <a:t>What is Web server</a:t>
-            </a:r>
-          </a:p>
-        </p:txBody>
-      </p:sp>
-      <p:pic>
-        <p:nvPicPr>
-          <p:cNvPr id="5" name="Picture 4" descr="Sphere of mesh and nodes">
-            <a:extLst>
-              <a:ext uri="{FF2B5EF4-FFF2-40B4-BE49-F238E27FC236}">
-                <a16:creationId xmlns:a16="http://schemas.microsoft.com/office/drawing/2014/main" id="{7FDA5427-9023-C370-8B8B-87ED5A75EF7B}"/>
-              </a:ext>
-            </a:extLst>
-          </p:cNvPr>
-          <p:cNvPicPr>
-            <a:picLocks noChangeAspect="1"/>
-          </p:cNvPicPr>
-          <p:nvPr/>
-        </p:nvPicPr>
-        <p:blipFill rotWithShape="1">
-          <a:blip r:embed="rId2"/>
-          <a:srcRect l="37327" r="6339"/>
-          <a:stretch/>
-        </p:blipFill>
-        <p:spPr>
-          <a:xfrm>
-            <a:off x="-1" y="10"/>
-            <a:ext cx="5151179" cy="6857990"/>
-          </a:xfrm>
-          <a:prstGeom prst="rect">
-            <a:avLst/>
-          </a:prstGeom>
-        </p:spPr>
-      </p:pic>
-      <p:cxnSp>
-        <p:nvCxnSpPr>
-          <p:cNvPr id="9" name="Straight Connector 8">
-            <a:extLst>
-              <a:ext uri="{FF2B5EF4-FFF2-40B4-BE49-F238E27FC236}">
-                <a16:creationId xmlns:a16="http://schemas.microsoft.com/office/drawing/2014/main" id="{1503BFE4-729B-D9D0-C17B-501E6AF1127A}"/>
-              </a:ext>
-              <a:ext uri="{C183D7F6-B498-43B3-948B-1728B52AA6E4}">
-                <adec:decorative xmlns:adec="http://schemas.microsoft.com/office/drawing/2017/decorative" val="1"/>
-              </a:ext>
-            </a:extLst>
-          </p:cNvPr>
-          <p:cNvCxnSpPr>
-            <a:cxnSpLocks noGrp="1" noRot="1" noChangeAspect="1" noMove="1" noResize="1" noEditPoints="1" noAdjustHandles="1" noChangeArrowheads="1" noChangeShapeType="1"/>
-          </p:cNvCxnSpPr>
-          <p:nvPr>
-            <p:extLst>
-              <p:ext uri="{386F3935-93C4-4BCD-93E2-E3B085C9AB24}">
-                <p16:designElem xmlns:p16="http://schemas.microsoft.com/office/powerpoint/2015/main" val="1"/>
-              </p:ext>
-            </p:extLst>
-          </p:nvPr>
-        </p:nvCxnSpPr>
-        <p:spPr>
-          <a:xfrm>
-            <a:off x="5971697" y="871146"/>
-            <a:ext cx="736939" cy="0"/>
-          </a:xfrm>
-          <a:prstGeom prst="line">
-            <a:avLst/>
-          </a:prstGeom>
-          <a:ln w="57150">
-            <a:solidFill>
-              <a:schemeClr val="accent4"/>
-            </a:solidFill>
-          </a:ln>
-        </p:spPr>
-        <p:style>
-          <a:lnRef idx="1">
-            <a:schemeClr val="accent1"/>
-          </a:lnRef>
-          <a:fillRef idx="0">
-            <a:schemeClr val="accent1"/>
-          </a:fillRef>
-          <a:effectRef idx="0">
-            <a:schemeClr val="accent1"/>
-          </a:effectRef>
-          <a:fontRef idx="minor">
-            <a:schemeClr val="tx1"/>
-          </a:fontRef>
-        </p:style>
-      </p:cxnSp>
-      <p:sp>
-        <p:nvSpPr>
-          <p:cNvPr id="3" name="Content Placeholder 2">
-            <a:extLst>
-              <a:ext uri="{FF2B5EF4-FFF2-40B4-BE49-F238E27FC236}">
-                <a16:creationId xmlns:a16="http://schemas.microsoft.com/office/drawing/2014/main" id="{4571DC12-23B1-E177-385C-ECFEAE1FC19A}"/>
-              </a:ext>
-            </a:extLst>
-          </p:cNvPr>
-          <p:cNvSpPr>
-            <a:spLocks noGrp="1"/>
-          </p:cNvSpPr>
-          <p:nvPr>
-            <p:ph idx="1"/>
-          </p:nvPr>
-        </p:nvSpPr>
-        <p:spPr>
-          <a:xfrm>
-            <a:off x="5868557" y="2551176"/>
-            <a:ext cx="5444382" cy="3591207"/>
-          </a:xfrm>
-        </p:spPr>
-        <p:txBody>
-          <a:bodyPr>
-            <a:normAutofit/>
-          </a:bodyPr>
-          <a:lstStyle/>
-          <a:p>
-            <a:r>
-              <a:rPr lang="en-US" sz="2000" b="0" i="0">
-                <a:effectLst/>
-                <a:latin typeface="Söhne"/>
-              </a:rPr>
-              <a:t>A web server is a software application or hardware device that stores, processes, and serves web pages to users over the Internet. It plays a crucial role in the delivery of content for websites, and understanding its functions can help you recognize why it's necessary for most online activities. Here's a breakdown of what a web server is and why you might need one:</a:t>
-            </a:r>
-          </a:p>
-          <a:p>
-            <a:pPr marL="0" indent="0">
-              <a:buNone/>
-            </a:pPr>
-            <a:endParaRPr lang="en-IL" sz="2000"/>
-          </a:p>
-        </p:txBody>
-      </p:sp>
-    </p:spTree>
-    <p:extLst>
-      <p:ext uri="{BB962C8B-B14F-4D97-AF65-F5344CB8AC3E}">
-        <p14:creationId xmlns:p14="http://schemas.microsoft.com/office/powerpoint/2010/main" val="2718517597"/>
-      </p:ext>
-    </p:extLst>
-  </p:cSld>
-  <p:clrMapOvr>
-    <a:masterClrMapping/>
-  </p:clrMapOvr>
-  <mc:AlternateContent xmlns:mc="http://schemas.openxmlformats.org/markup-compatibility/2006">
-    <mc:Choice xmlns:p14="http://schemas.microsoft.com/office/powerpoint/2010/main" Requires="p14">
-      <p:transition spd="slow" p14:dur="1500">
-        <p:split orient="vert"/>
-      </p:transition>
-    </mc:Choice>
-    <mc:Fallback>
-      <p:transition spd="slow">
-        <p:split orient="vert"/>
-      </p:transition>
-    </mc:Fallback>
-  </mc:AlternateContent>
-</p:sld>
-</file>
-
-<file path=ppt/slides/slide30.xml><?xml version="1.0" encoding="utf-8"?>
+<file path=ppt/slides/slide35.xml><?xml version="1.0" encoding="utf-8"?>
 <p:sld xmlns:a="http://schemas.openxmlformats.org/drawingml/2006/main" xmlns:r="http://schemas.openxmlformats.org/officeDocument/2006/relationships" xmlns:p="http://schemas.openxmlformats.org/presentationml/2006/main">
   <p:cSld>
     <p:spTree>
@@ -33002,13 +36527,13 @@
   <p:clrMapOvr>
     <a:masterClrMapping/>
   </p:clrMapOvr>
-  <mc:AlternateContent xmlns:mc="http://schemas.openxmlformats.org/markup-compatibility/2006">
-    <mc:Choice xmlns:p14="http://schemas.microsoft.com/office/powerpoint/2010/main" Requires="p14">
+  <mc:AlternateContent xmlns:mc="http://schemas.openxmlformats.org/markup-compatibility/2006" xmlns:p14="http://schemas.microsoft.com/office/powerpoint/2010/main">
+    <mc:Choice Requires="p14">
       <p:transition spd="slow" p14:dur="1500">
         <p:split orient="vert"/>
       </p:transition>
     </mc:Choice>
-    <mc:Fallback>
+    <mc:Fallback xmlns="">
       <p:transition spd="slow">
         <p:split orient="vert"/>
       </p:transition>
@@ -33017,7 +36542,7 @@
 </p:sld>
 </file>
 
-<file path=ppt/slides/slide31.xml><?xml version="1.0" encoding="utf-8"?>
+<file path=ppt/slides/slide36.xml><?xml version="1.0" encoding="utf-8"?>
 <p:sld xmlns:a="http://schemas.openxmlformats.org/drawingml/2006/main" xmlns:r="http://schemas.openxmlformats.org/officeDocument/2006/relationships" xmlns:p="http://schemas.openxmlformats.org/presentationml/2006/main">
   <p:cSld>
     <p:spTree>
@@ -33094,473 +36619,13 @@
   <p:clrMapOvr>
     <a:masterClrMapping/>
   </p:clrMapOvr>
-  <mc:AlternateContent xmlns:mc="http://schemas.openxmlformats.org/markup-compatibility/2006">
-    <mc:Choice xmlns:p14="http://schemas.microsoft.com/office/powerpoint/2010/main" Requires="p14">
+  <mc:AlternateContent xmlns:mc="http://schemas.openxmlformats.org/markup-compatibility/2006" xmlns:p14="http://schemas.microsoft.com/office/powerpoint/2010/main">
+    <mc:Choice Requires="p14">
       <p:transition spd="slow" p14:dur="1500">
         <p:split orient="vert"/>
       </p:transition>
     </mc:Choice>
-    <mc:Fallback>
-      <p:transition spd="slow">
-        <p:split orient="vert"/>
-      </p:transition>
-    </mc:Fallback>
-  </mc:AlternateContent>
-</p:sld>
-</file>
-
-<file path=ppt/slides/slide32.xml><?xml version="1.0" encoding="utf-8"?>
-<p:sld xmlns:a="http://schemas.openxmlformats.org/drawingml/2006/main" xmlns:r="http://schemas.openxmlformats.org/officeDocument/2006/relationships" xmlns:p="http://schemas.openxmlformats.org/presentationml/2006/main">
-  <p:cSld>
-    <p:spTree>
-      <p:nvGrpSpPr>
-        <p:cNvPr id="1" name=""/>
-        <p:cNvGrpSpPr/>
-        <p:nvPr/>
-      </p:nvGrpSpPr>
-      <p:grpSpPr>
-        <a:xfrm>
-          <a:off x="0" y="0"/>
-          <a:ext cx="0" cy="0"/>
-          <a:chOff x="0" y="0"/>
-          <a:chExt cx="0" cy="0"/>
-        </a:xfrm>
-      </p:grpSpPr>
-      <p:sp>
-        <p:nvSpPr>
-          <p:cNvPr id="2" name="Title 1">
-            <a:extLst>
-              <a:ext uri="{FF2B5EF4-FFF2-40B4-BE49-F238E27FC236}">
-                <a16:creationId xmlns:a16="http://schemas.microsoft.com/office/drawing/2014/main" id="{D21BC81A-5D2B-5497-5A0A-2B44670C66E7}"/>
-              </a:ext>
-            </a:extLst>
-          </p:cNvPr>
-          <p:cNvSpPr>
-            <a:spLocks noGrp="1"/>
-          </p:cNvSpPr>
-          <p:nvPr>
-            <p:ph type="title"/>
-          </p:nvPr>
-        </p:nvSpPr>
-        <p:spPr/>
-        <p:txBody>
-          <a:bodyPr/>
-          <a:lstStyle/>
-          <a:p>
-            <a:endParaRPr lang="en-IL"/>
-          </a:p>
-        </p:txBody>
-      </p:sp>
-      <p:sp>
-        <p:nvSpPr>
-          <p:cNvPr id="3" name="Content Placeholder 2">
-            <a:extLst>
-              <a:ext uri="{FF2B5EF4-FFF2-40B4-BE49-F238E27FC236}">
-                <a16:creationId xmlns:a16="http://schemas.microsoft.com/office/drawing/2014/main" id="{5511AF50-DAFD-3152-7629-DC9220F93832}"/>
-              </a:ext>
-            </a:extLst>
-          </p:cNvPr>
-          <p:cNvSpPr>
-            <a:spLocks noGrp="1"/>
-          </p:cNvSpPr>
-          <p:nvPr>
-            <p:ph idx="1"/>
-          </p:nvPr>
-        </p:nvSpPr>
-        <p:spPr/>
-        <p:txBody>
-          <a:bodyPr/>
-          <a:lstStyle/>
-          <a:p>
-            <a:endParaRPr lang="en-IL"/>
-          </a:p>
-        </p:txBody>
-      </p:sp>
-    </p:spTree>
-    <p:extLst>
-      <p:ext uri="{BB962C8B-B14F-4D97-AF65-F5344CB8AC3E}">
-        <p14:creationId xmlns:p14="http://schemas.microsoft.com/office/powerpoint/2010/main" val="779113750"/>
-      </p:ext>
-    </p:extLst>
-  </p:cSld>
-  <p:clrMapOvr>
-    <a:masterClrMapping/>
-  </p:clrMapOvr>
-  <mc:AlternateContent xmlns:mc="http://schemas.openxmlformats.org/markup-compatibility/2006">
-    <mc:Choice xmlns:p14="http://schemas.microsoft.com/office/powerpoint/2010/main" Requires="p14">
-      <p:transition spd="slow" p14:dur="1500">
-        <p:split orient="vert"/>
-      </p:transition>
-    </mc:Choice>
-    <mc:Fallback>
-      <p:transition spd="slow">
-        <p:split orient="vert"/>
-      </p:transition>
-    </mc:Fallback>
-  </mc:AlternateContent>
-</p:sld>
-</file>
-
-<file path=ppt/slides/slide33.xml><?xml version="1.0" encoding="utf-8"?>
-<p:sld xmlns:a="http://schemas.openxmlformats.org/drawingml/2006/main" xmlns:r="http://schemas.openxmlformats.org/officeDocument/2006/relationships" xmlns:p="http://schemas.openxmlformats.org/presentationml/2006/main">
-  <p:cSld>
-    <p:spTree>
-      <p:nvGrpSpPr>
-        <p:cNvPr id="1" name=""/>
-        <p:cNvGrpSpPr/>
-        <p:nvPr/>
-      </p:nvGrpSpPr>
-      <p:grpSpPr>
-        <a:xfrm>
-          <a:off x="0" y="0"/>
-          <a:ext cx="0" cy="0"/>
-          <a:chOff x="0" y="0"/>
-          <a:chExt cx="0" cy="0"/>
-        </a:xfrm>
-      </p:grpSpPr>
-      <p:sp>
-        <p:nvSpPr>
-          <p:cNvPr id="2" name="Title 1">
-            <a:extLst>
-              <a:ext uri="{FF2B5EF4-FFF2-40B4-BE49-F238E27FC236}">
-                <a16:creationId xmlns:a16="http://schemas.microsoft.com/office/drawing/2014/main" id="{D21BC81A-5D2B-5497-5A0A-2B44670C66E7}"/>
-              </a:ext>
-            </a:extLst>
-          </p:cNvPr>
-          <p:cNvSpPr>
-            <a:spLocks noGrp="1"/>
-          </p:cNvSpPr>
-          <p:nvPr>
-            <p:ph type="title"/>
-          </p:nvPr>
-        </p:nvSpPr>
-        <p:spPr/>
-        <p:txBody>
-          <a:bodyPr/>
-          <a:lstStyle/>
-          <a:p>
-            <a:endParaRPr lang="en-IL"/>
-          </a:p>
-        </p:txBody>
-      </p:sp>
-      <p:sp>
-        <p:nvSpPr>
-          <p:cNvPr id="3" name="Content Placeholder 2">
-            <a:extLst>
-              <a:ext uri="{FF2B5EF4-FFF2-40B4-BE49-F238E27FC236}">
-                <a16:creationId xmlns:a16="http://schemas.microsoft.com/office/drawing/2014/main" id="{5511AF50-DAFD-3152-7629-DC9220F93832}"/>
-              </a:ext>
-            </a:extLst>
-          </p:cNvPr>
-          <p:cNvSpPr>
-            <a:spLocks noGrp="1"/>
-          </p:cNvSpPr>
-          <p:nvPr>
-            <p:ph idx="1"/>
-          </p:nvPr>
-        </p:nvSpPr>
-        <p:spPr/>
-        <p:txBody>
-          <a:bodyPr/>
-          <a:lstStyle/>
-          <a:p>
-            <a:endParaRPr lang="en-IL"/>
-          </a:p>
-        </p:txBody>
-      </p:sp>
-    </p:spTree>
-    <p:extLst>
-      <p:ext uri="{BB962C8B-B14F-4D97-AF65-F5344CB8AC3E}">
-        <p14:creationId xmlns:p14="http://schemas.microsoft.com/office/powerpoint/2010/main" val="3528883361"/>
-      </p:ext>
-    </p:extLst>
-  </p:cSld>
-  <p:clrMapOvr>
-    <a:masterClrMapping/>
-  </p:clrMapOvr>
-  <mc:AlternateContent xmlns:mc="http://schemas.openxmlformats.org/markup-compatibility/2006">
-    <mc:Choice xmlns:p14="http://schemas.microsoft.com/office/powerpoint/2010/main" Requires="p14">
-      <p:transition spd="slow" p14:dur="1500">
-        <p:split orient="vert"/>
-      </p:transition>
-    </mc:Choice>
-    <mc:Fallback>
-      <p:transition spd="slow">
-        <p:split orient="vert"/>
-      </p:transition>
-    </mc:Fallback>
-  </mc:AlternateContent>
-</p:sld>
-</file>
-
-<file path=ppt/slides/slide34.xml><?xml version="1.0" encoding="utf-8"?>
-<p:sld xmlns:a="http://schemas.openxmlformats.org/drawingml/2006/main" xmlns:r="http://schemas.openxmlformats.org/officeDocument/2006/relationships" xmlns:p="http://schemas.openxmlformats.org/presentationml/2006/main">
-  <p:cSld>
-    <p:spTree>
-      <p:nvGrpSpPr>
-        <p:cNvPr id="1" name=""/>
-        <p:cNvGrpSpPr/>
-        <p:nvPr/>
-      </p:nvGrpSpPr>
-      <p:grpSpPr>
-        <a:xfrm>
-          <a:off x="0" y="0"/>
-          <a:ext cx="0" cy="0"/>
-          <a:chOff x="0" y="0"/>
-          <a:chExt cx="0" cy="0"/>
-        </a:xfrm>
-      </p:grpSpPr>
-      <p:sp>
-        <p:nvSpPr>
-          <p:cNvPr id="2" name="Title 1">
-            <a:extLst>
-              <a:ext uri="{FF2B5EF4-FFF2-40B4-BE49-F238E27FC236}">
-                <a16:creationId xmlns:a16="http://schemas.microsoft.com/office/drawing/2014/main" id="{D21BC81A-5D2B-5497-5A0A-2B44670C66E7}"/>
-              </a:ext>
-            </a:extLst>
-          </p:cNvPr>
-          <p:cNvSpPr>
-            <a:spLocks noGrp="1"/>
-          </p:cNvSpPr>
-          <p:nvPr>
-            <p:ph type="title"/>
-          </p:nvPr>
-        </p:nvSpPr>
-        <p:spPr/>
-        <p:txBody>
-          <a:bodyPr/>
-          <a:lstStyle/>
-          <a:p>
-            <a:endParaRPr lang="en-IL"/>
-          </a:p>
-        </p:txBody>
-      </p:sp>
-      <p:sp>
-        <p:nvSpPr>
-          <p:cNvPr id="3" name="Content Placeholder 2">
-            <a:extLst>
-              <a:ext uri="{FF2B5EF4-FFF2-40B4-BE49-F238E27FC236}">
-                <a16:creationId xmlns:a16="http://schemas.microsoft.com/office/drawing/2014/main" id="{5511AF50-DAFD-3152-7629-DC9220F93832}"/>
-              </a:ext>
-            </a:extLst>
-          </p:cNvPr>
-          <p:cNvSpPr>
-            <a:spLocks noGrp="1"/>
-          </p:cNvSpPr>
-          <p:nvPr>
-            <p:ph idx="1"/>
-          </p:nvPr>
-        </p:nvSpPr>
-        <p:spPr/>
-        <p:txBody>
-          <a:bodyPr/>
-          <a:lstStyle/>
-          <a:p>
-            <a:endParaRPr lang="en-IL"/>
-          </a:p>
-        </p:txBody>
-      </p:sp>
-    </p:spTree>
-    <p:extLst>
-      <p:ext uri="{BB962C8B-B14F-4D97-AF65-F5344CB8AC3E}">
-        <p14:creationId xmlns:p14="http://schemas.microsoft.com/office/powerpoint/2010/main" val="1613530865"/>
-      </p:ext>
-    </p:extLst>
-  </p:cSld>
-  <p:clrMapOvr>
-    <a:masterClrMapping/>
-  </p:clrMapOvr>
-  <mc:AlternateContent xmlns:mc="http://schemas.openxmlformats.org/markup-compatibility/2006">
-    <mc:Choice xmlns:p14="http://schemas.microsoft.com/office/powerpoint/2010/main" Requires="p14">
-      <p:transition spd="slow" p14:dur="1500">
-        <p:split orient="vert"/>
-      </p:transition>
-    </mc:Choice>
-    <mc:Fallback>
-      <p:transition spd="slow">
-        <p:split orient="vert"/>
-      </p:transition>
-    </mc:Fallback>
-  </mc:AlternateContent>
-</p:sld>
-</file>
-
-<file path=ppt/slides/slide35.xml><?xml version="1.0" encoding="utf-8"?>
-<p:sld xmlns:a="http://schemas.openxmlformats.org/drawingml/2006/main" xmlns:r="http://schemas.openxmlformats.org/officeDocument/2006/relationships" xmlns:p="http://schemas.openxmlformats.org/presentationml/2006/main">
-  <p:cSld>
-    <p:spTree>
-      <p:nvGrpSpPr>
-        <p:cNvPr id="1" name=""/>
-        <p:cNvGrpSpPr/>
-        <p:nvPr/>
-      </p:nvGrpSpPr>
-      <p:grpSpPr>
-        <a:xfrm>
-          <a:off x="0" y="0"/>
-          <a:ext cx="0" cy="0"/>
-          <a:chOff x="0" y="0"/>
-          <a:chExt cx="0" cy="0"/>
-        </a:xfrm>
-      </p:grpSpPr>
-      <p:sp>
-        <p:nvSpPr>
-          <p:cNvPr id="2" name="Title 1">
-            <a:extLst>
-              <a:ext uri="{FF2B5EF4-FFF2-40B4-BE49-F238E27FC236}">
-                <a16:creationId xmlns:a16="http://schemas.microsoft.com/office/drawing/2014/main" id="{D21BC81A-5D2B-5497-5A0A-2B44670C66E7}"/>
-              </a:ext>
-            </a:extLst>
-          </p:cNvPr>
-          <p:cNvSpPr>
-            <a:spLocks noGrp="1"/>
-          </p:cNvSpPr>
-          <p:nvPr>
-            <p:ph type="title"/>
-          </p:nvPr>
-        </p:nvSpPr>
-        <p:spPr/>
-        <p:txBody>
-          <a:bodyPr/>
-          <a:lstStyle/>
-          <a:p>
-            <a:endParaRPr lang="en-IL"/>
-          </a:p>
-        </p:txBody>
-      </p:sp>
-      <p:sp>
-        <p:nvSpPr>
-          <p:cNvPr id="3" name="Content Placeholder 2">
-            <a:extLst>
-              <a:ext uri="{FF2B5EF4-FFF2-40B4-BE49-F238E27FC236}">
-                <a16:creationId xmlns:a16="http://schemas.microsoft.com/office/drawing/2014/main" id="{5511AF50-DAFD-3152-7629-DC9220F93832}"/>
-              </a:ext>
-            </a:extLst>
-          </p:cNvPr>
-          <p:cNvSpPr>
-            <a:spLocks noGrp="1"/>
-          </p:cNvSpPr>
-          <p:nvPr>
-            <p:ph idx="1"/>
-          </p:nvPr>
-        </p:nvSpPr>
-        <p:spPr/>
-        <p:txBody>
-          <a:bodyPr/>
-          <a:lstStyle/>
-          <a:p>
-            <a:endParaRPr lang="en-IL"/>
-          </a:p>
-        </p:txBody>
-      </p:sp>
-    </p:spTree>
-    <p:extLst>
-      <p:ext uri="{BB962C8B-B14F-4D97-AF65-F5344CB8AC3E}">
-        <p14:creationId xmlns:p14="http://schemas.microsoft.com/office/powerpoint/2010/main" val="1766789560"/>
-      </p:ext>
-    </p:extLst>
-  </p:cSld>
-  <p:clrMapOvr>
-    <a:masterClrMapping/>
-  </p:clrMapOvr>
-  <mc:AlternateContent xmlns:mc="http://schemas.openxmlformats.org/markup-compatibility/2006">
-    <mc:Choice xmlns:p14="http://schemas.microsoft.com/office/powerpoint/2010/main" Requires="p14">
-      <p:transition spd="slow" p14:dur="1500">
-        <p:split orient="vert"/>
-      </p:transition>
-    </mc:Choice>
-    <mc:Fallback>
-      <p:transition spd="slow">
-        <p:split orient="vert"/>
-      </p:transition>
-    </mc:Fallback>
-  </mc:AlternateContent>
-</p:sld>
-</file>
-
-<file path=ppt/slides/slide36.xml><?xml version="1.0" encoding="utf-8"?>
-<p:sld xmlns:a="http://schemas.openxmlformats.org/drawingml/2006/main" xmlns:r="http://schemas.openxmlformats.org/officeDocument/2006/relationships" xmlns:p="http://schemas.openxmlformats.org/presentationml/2006/main">
-  <p:cSld>
-    <p:spTree>
-      <p:nvGrpSpPr>
-        <p:cNvPr id="1" name=""/>
-        <p:cNvGrpSpPr/>
-        <p:nvPr/>
-      </p:nvGrpSpPr>
-      <p:grpSpPr>
-        <a:xfrm>
-          <a:off x="0" y="0"/>
-          <a:ext cx="0" cy="0"/>
-          <a:chOff x="0" y="0"/>
-          <a:chExt cx="0" cy="0"/>
-        </a:xfrm>
-      </p:grpSpPr>
-      <p:sp>
-        <p:nvSpPr>
-          <p:cNvPr id="2" name="Title 1">
-            <a:extLst>
-              <a:ext uri="{FF2B5EF4-FFF2-40B4-BE49-F238E27FC236}">
-                <a16:creationId xmlns:a16="http://schemas.microsoft.com/office/drawing/2014/main" id="{D21BC81A-5D2B-5497-5A0A-2B44670C66E7}"/>
-              </a:ext>
-            </a:extLst>
-          </p:cNvPr>
-          <p:cNvSpPr>
-            <a:spLocks noGrp="1"/>
-          </p:cNvSpPr>
-          <p:nvPr>
-            <p:ph type="title"/>
-          </p:nvPr>
-        </p:nvSpPr>
-        <p:spPr/>
-        <p:txBody>
-          <a:bodyPr/>
-          <a:lstStyle/>
-          <a:p>
-            <a:endParaRPr lang="en-IL"/>
-          </a:p>
-        </p:txBody>
-      </p:sp>
-      <p:sp>
-        <p:nvSpPr>
-          <p:cNvPr id="3" name="Content Placeholder 2">
-            <a:extLst>
-              <a:ext uri="{FF2B5EF4-FFF2-40B4-BE49-F238E27FC236}">
-                <a16:creationId xmlns:a16="http://schemas.microsoft.com/office/drawing/2014/main" id="{5511AF50-DAFD-3152-7629-DC9220F93832}"/>
-              </a:ext>
-            </a:extLst>
-          </p:cNvPr>
-          <p:cNvSpPr>
-            <a:spLocks noGrp="1"/>
-          </p:cNvSpPr>
-          <p:nvPr>
-            <p:ph idx="1"/>
-          </p:nvPr>
-        </p:nvSpPr>
-        <p:spPr/>
-        <p:txBody>
-          <a:bodyPr/>
-          <a:lstStyle/>
-          <a:p>
-            <a:endParaRPr lang="en-IL"/>
-          </a:p>
-        </p:txBody>
-      </p:sp>
-    </p:spTree>
-    <p:extLst>
-      <p:ext uri="{BB962C8B-B14F-4D97-AF65-F5344CB8AC3E}">
-        <p14:creationId xmlns:p14="http://schemas.microsoft.com/office/powerpoint/2010/main" val="811044183"/>
-      </p:ext>
-    </p:extLst>
-  </p:cSld>
-  <p:clrMapOvr>
-    <a:masterClrMapping/>
-  </p:clrMapOvr>
-  <mc:AlternateContent xmlns:mc="http://schemas.openxmlformats.org/markup-compatibility/2006">
-    <mc:Choice xmlns:p14="http://schemas.microsoft.com/office/powerpoint/2010/main" Requires="p14">
-      <p:transition spd="slow" p14:dur="1500">
-        <p:split orient="vert"/>
-      </p:transition>
-    </mc:Choice>
-    <mc:Fallback>
+    <mc:Fallback xmlns="">
       <p:transition spd="slow">
         <p:split orient="vert"/>
       </p:transition>
@@ -33639,20 +36704,20 @@
     </p:spTree>
     <p:extLst>
       <p:ext uri="{BB962C8B-B14F-4D97-AF65-F5344CB8AC3E}">
-        <p14:creationId xmlns:p14="http://schemas.microsoft.com/office/powerpoint/2010/main" val="2998142779"/>
+        <p14:creationId xmlns:p14="http://schemas.microsoft.com/office/powerpoint/2010/main" val="779113750"/>
       </p:ext>
     </p:extLst>
   </p:cSld>
   <p:clrMapOvr>
     <a:masterClrMapping/>
   </p:clrMapOvr>
-  <mc:AlternateContent xmlns:mc="http://schemas.openxmlformats.org/markup-compatibility/2006">
-    <mc:Choice xmlns:p14="http://schemas.microsoft.com/office/powerpoint/2010/main" Requires="p14">
+  <mc:AlternateContent xmlns:mc="http://schemas.openxmlformats.org/markup-compatibility/2006" xmlns:p14="http://schemas.microsoft.com/office/powerpoint/2010/main">
+    <mc:Choice Requires="p14">
       <p:transition spd="slow" p14:dur="1500">
         <p:split orient="vert"/>
       </p:transition>
     </mc:Choice>
-    <mc:Fallback>
+    <mc:Fallback xmlns="">
       <p:transition spd="slow">
         <p:split orient="vert"/>
       </p:transition>
@@ -33683,7 +36748,7 @@
           <p:cNvPr id="2" name="Title 1">
             <a:extLst>
               <a:ext uri="{FF2B5EF4-FFF2-40B4-BE49-F238E27FC236}">
-                <a16:creationId xmlns:a16="http://schemas.microsoft.com/office/drawing/2014/main" id="{CDE076A0-07D9-70D8-60A4-231E04860A9D}"/>
+                <a16:creationId xmlns:a16="http://schemas.microsoft.com/office/drawing/2014/main" id="{D21BC81A-5D2B-5497-5A0A-2B44670C66E7}"/>
               </a:ext>
             </a:extLst>
           </p:cNvPr>
@@ -33699,14 +36764,7 @@
           <a:bodyPr/>
           <a:lstStyle/>
           <a:p>
-            <a:r>
-              <a:rPr lang="en-US" b="1" i="0" dirty="0">
-                <a:effectLst/>
-                <a:latin typeface="Söhne"/>
-              </a:rPr>
-              <a:t>What is V8 JavaScript Engine</a:t>
-            </a:r>
-            <a:endParaRPr lang="en-IL" dirty="0"/>
+            <a:endParaRPr lang="en-IL"/>
           </a:p>
         </p:txBody>
       </p:sp>
@@ -33715,7 +36773,7 @@
           <p:cNvPr id="3" name="Content Placeholder 2">
             <a:extLst>
               <a:ext uri="{FF2B5EF4-FFF2-40B4-BE49-F238E27FC236}">
-                <a16:creationId xmlns:a16="http://schemas.microsoft.com/office/drawing/2014/main" id="{4571DC12-23B1-E177-385C-ECFEAE1FC19A}"/>
+                <a16:creationId xmlns:a16="http://schemas.microsoft.com/office/drawing/2014/main" id="{5511AF50-DAFD-3152-7629-DC9220F93832}"/>
               </a:ext>
             </a:extLst>
           </p:cNvPr>
@@ -33731,43 +36789,119 @@
           <a:bodyPr/>
           <a:lstStyle/>
           <a:p>
-            <a:pPr algn="l"/>
-            <a:r>
-              <a:rPr lang="en-US" b="0" i="0" dirty="0">
-                <a:solidFill>
-                  <a:srgbClr val="374151"/>
-                </a:solidFill>
-                <a:effectLst/>
-                <a:latin typeface="Söhne"/>
-              </a:rPr>
-              <a:t>Node.js uses Google's V8 JavaScript engine to execute code. V8 is the same engine used in Google Chrome and other Chromium-based browsers, and it compiles JavaScript directly to native machine code for fast execution.</a:t>
-            </a:r>
-          </a:p>
-          <a:p>
-            <a:pPr marL="0" indent="0">
-              <a:buNone/>
-            </a:pPr>
-            <a:endParaRPr lang="en-IL" dirty="0"/>
+            <a:endParaRPr lang="en-IL"/>
           </a:p>
         </p:txBody>
       </p:sp>
     </p:spTree>
     <p:extLst>
       <p:ext uri="{BB962C8B-B14F-4D97-AF65-F5344CB8AC3E}">
-        <p14:creationId xmlns:p14="http://schemas.microsoft.com/office/powerpoint/2010/main" val="489636279"/>
+        <p14:creationId xmlns:p14="http://schemas.microsoft.com/office/powerpoint/2010/main" val="3528883361"/>
       </p:ext>
     </p:extLst>
   </p:cSld>
   <p:clrMapOvr>
     <a:masterClrMapping/>
   </p:clrMapOvr>
-  <mc:AlternateContent xmlns:mc="http://schemas.openxmlformats.org/markup-compatibility/2006">
-    <mc:Choice xmlns:p14="http://schemas.microsoft.com/office/powerpoint/2010/main" Requires="p14">
+  <mc:AlternateContent xmlns:mc="http://schemas.openxmlformats.org/markup-compatibility/2006" xmlns:p14="http://schemas.microsoft.com/office/powerpoint/2010/main">
+    <mc:Choice Requires="p14">
       <p:transition spd="slow" p14:dur="1500">
         <p:split orient="vert"/>
       </p:transition>
     </mc:Choice>
-    <mc:Fallback>
+    <mc:Fallback xmlns="">
+      <p:transition spd="slow">
+        <p:split orient="vert"/>
+      </p:transition>
+    </mc:Fallback>
+  </mc:AlternateContent>
+</p:sld>
+</file>
+
+<file path=ppt/slides/slide39.xml><?xml version="1.0" encoding="utf-8"?>
+<p:sld xmlns:a="http://schemas.openxmlformats.org/drawingml/2006/main" xmlns:r="http://schemas.openxmlformats.org/officeDocument/2006/relationships" xmlns:p="http://schemas.openxmlformats.org/presentationml/2006/main">
+  <p:cSld>
+    <p:spTree>
+      <p:nvGrpSpPr>
+        <p:cNvPr id="1" name=""/>
+        <p:cNvGrpSpPr/>
+        <p:nvPr/>
+      </p:nvGrpSpPr>
+      <p:grpSpPr>
+        <a:xfrm>
+          <a:off x="0" y="0"/>
+          <a:ext cx="0" cy="0"/>
+          <a:chOff x="0" y="0"/>
+          <a:chExt cx="0" cy="0"/>
+        </a:xfrm>
+      </p:grpSpPr>
+      <p:sp>
+        <p:nvSpPr>
+          <p:cNvPr id="2" name="Title 1">
+            <a:extLst>
+              <a:ext uri="{FF2B5EF4-FFF2-40B4-BE49-F238E27FC236}">
+                <a16:creationId xmlns:a16="http://schemas.microsoft.com/office/drawing/2014/main" id="{D21BC81A-5D2B-5497-5A0A-2B44670C66E7}"/>
+              </a:ext>
+            </a:extLst>
+          </p:cNvPr>
+          <p:cNvSpPr>
+            <a:spLocks noGrp="1"/>
+          </p:cNvSpPr>
+          <p:nvPr>
+            <p:ph type="title"/>
+          </p:nvPr>
+        </p:nvSpPr>
+        <p:spPr/>
+        <p:txBody>
+          <a:bodyPr/>
+          <a:lstStyle/>
+          <a:p>
+            <a:endParaRPr lang="en-IL"/>
+          </a:p>
+        </p:txBody>
+      </p:sp>
+      <p:sp>
+        <p:nvSpPr>
+          <p:cNvPr id="3" name="Content Placeholder 2">
+            <a:extLst>
+              <a:ext uri="{FF2B5EF4-FFF2-40B4-BE49-F238E27FC236}">
+                <a16:creationId xmlns:a16="http://schemas.microsoft.com/office/drawing/2014/main" id="{5511AF50-DAFD-3152-7629-DC9220F93832}"/>
+              </a:ext>
+            </a:extLst>
+          </p:cNvPr>
+          <p:cNvSpPr>
+            <a:spLocks noGrp="1"/>
+          </p:cNvSpPr>
+          <p:nvPr>
+            <p:ph idx="1"/>
+          </p:nvPr>
+        </p:nvSpPr>
+        <p:spPr/>
+        <p:txBody>
+          <a:bodyPr/>
+          <a:lstStyle/>
+          <a:p>
+            <a:endParaRPr lang="en-IL"/>
+          </a:p>
+        </p:txBody>
+      </p:sp>
+    </p:spTree>
+    <p:extLst>
+      <p:ext uri="{BB962C8B-B14F-4D97-AF65-F5344CB8AC3E}">
+        <p14:creationId xmlns:p14="http://schemas.microsoft.com/office/powerpoint/2010/main" val="1613530865"/>
+      </p:ext>
+    </p:extLst>
+  </p:cSld>
+  <p:clrMapOvr>
+    <a:masterClrMapping/>
+  </p:clrMapOvr>
+  <mc:AlternateContent xmlns:mc="http://schemas.openxmlformats.org/markup-compatibility/2006" xmlns:p14="http://schemas.microsoft.com/office/powerpoint/2010/main">
+    <mc:Choice Requires="p14">
+      <p:transition spd="slow" p14:dur="1500">
+        <p:split orient="vert"/>
+      </p:transition>
+    </mc:Choice>
+    <mc:Fallback xmlns="">
       <p:transition spd="slow">
         <p:split orient="vert"/>
       </p:transition>
@@ -34115,13 +37249,404 @@
   <p:clrMapOvr>
     <a:masterClrMapping/>
   </p:clrMapOvr>
-  <mc:AlternateContent xmlns:mc="http://schemas.openxmlformats.org/markup-compatibility/2006">
-    <mc:Choice xmlns:p14="http://schemas.microsoft.com/office/powerpoint/2010/main" Requires="p14">
+  <mc:AlternateContent xmlns:mc="http://schemas.openxmlformats.org/markup-compatibility/2006" xmlns:p14="http://schemas.microsoft.com/office/powerpoint/2010/main">
+    <mc:Choice Requires="p14">
       <p:transition spd="slow" p14:dur="1500">
         <p:split orient="vert"/>
       </p:transition>
     </mc:Choice>
-    <mc:Fallback>
+    <mc:Fallback xmlns="">
+      <p:transition spd="slow">
+        <p:split orient="vert"/>
+      </p:transition>
+    </mc:Fallback>
+  </mc:AlternateContent>
+</p:sld>
+</file>
+
+<file path=ppt/slides/slide40.xml><?xml version="1.0" encoding="utf-8"?>
+<p:sld xmlns:a="http://schemas.openxmlformats.org/drawingml/2006/main" xmlns:r="http://schemas.openxmlformats.org/officeDocument/2006/relationships" xmlns:p="http://schemas.openxmlformats.org/presentationml/2006/main">
+  <p:cSld>
+    <p:spTree>
+      <p:nvGrpSpPr>
+        <p:cNvPr id="1" name=""/>
+        <p:cNvGrpSpPr/>
+        <p:nvPr/>
+      </p:nvGrpSpPr>
+      <p:grpSpPr>
+        <a:xfrm>
+          <a:off x="0" y="0"/>
+          <a:ext cx="0" cy="0"/>
+          <a:chOff x="0" y="0"/>
+          <a:chExt cx="0" cy="0"/>
+        </a:xfrm>
+      </p:grpSpPr>
+      <p:sp>
+        <p:nvSpPr>
+          <p:cNvPr id="2" name="Title 1">
+            <a:extLst>
+              <a:ext uri="{FF2B5EF4-FFF2-40B4-BE49-F238E27FC236}">
+                <a16:creationId xmlns:a16="http://schemas.microsoft.com/office/drawing/2014/main" id="{D21BC81A-5D2B-5497-5A0A-2B44670C66E7}"/>
+              </a:ext>
+            </a:extLst>
+          </p:cNvPr>
+          <p:cNvSpPr>
+            <a:spLocks noGrp="1"/>
+          </p:cNvSpPr>
+          <p:nvPr>
+            <p:ph type="title"/>
+          </p:nvPr>
+        </p:nvSpPr>
+        <p:spPr/>
+        <p:txBody>
+          <a:bodyPr/>
+          <a:lstStyle/>
+          <a:p>
+            <a:endParaRPr lang="en-IL"/>
+          </a:p>
+        </p:txBody>
+      </p:sp>
+      <p:sp>
+        <p:nvSpPr>
+          <p:cNvPr id="3" name="Content Placeholder 2">
+            <a:extLst>
+              <a:ext uri="{FF2B5EF4-FFF2-40B4-BE49-F238E27FC236}">
+                <a16:creationId xmlns:a16="http://schemas.microsoft.com/office/drawing/2014/main" id="{5511AF50-DAFD-3152-7629-DC9220F93832}"/>
+              </a:ext>
+            </a:extLst>
+          </p:cNvPr>
+          <p:cNvSpPr>
+            <a:spLocks noGrp="1"/>
+          </p:cNvSpPr>
+          <p:nvPr>
+            <p:ph idx="1"/>
+          </p:nvPr>
+        </p:nvSpPr>
+        <p:spPr/>
+        <p:txBody>
+          <a:bodyPr/>
+          <a:lstStyle/>
+          <a:p>
+            <a:endParaRPr lang="en-IL"/>
+          </a:p>
+        </p:txBody>
+      </p:sp>
+    </p:spTree>
+    <p:extLst>
+      <p:ext uri="{BB962C8B-B14F-4D97-AF65-F5344CB8AC3E}">
+        <p14:creationId xmlns:p14="http://schemas.microsoft.com/office/powerpoint/2010/main" val="1766789560"/>
+      </p:ext>
+    </p:extLst>
+  </p:cSld>
+  <p:clrMapOvr>
+    <a:masterClrMapping/>
+  </p:clrMapOvr>
+  <mc:AlternateContent xmlns:mc="http://schemas.openxmlformats.org/markup-compatibility/2006" xmlns:p14="http://schemas.microsoft.com/office/powerpoint/2010/main">
+    <mc:Choice Requires="p14">
+      <p:transition spd="slow" p14:dur="1500">
+        <p:split orient="vert"/>
+      </p:transition>
+    </mc:Choice>
+    <mc:Fallback xmlns="">
+      <p:transition spd="slow">
+        <p:split orient="vert"/>
+      </p:transition>
+    </mc:Fallback>
+  </mc:AlternateContent>
+</p:sld>
+</file>
+
+<file path=ppt/slides/slide41.xml><?xml version="1.0" encoding="utf-8"?>
+<p:sld xmlns:a="http://schemas.openxmlformats.org/drawingml/2006/main" xmlns:r="http://schemas.openxmlformats.org/officeDocument/2006/relationships" xmlns:p="http://schemas.openxmlformats.org/presentationml/2006/main">
+  <p:cSld>
+    <p:spTree>
+      <p:nvGrpSpPr>
+        <p:cNvPr id="1" name=""/>
+        <p:cNvGrpSpPr/>
+        <p:nvPr/>
+      </p:nvGrpSpPr>
+      <p:grpSpPr>
+        <a:xfrm>
+          <a:off x="0" y="0"/>
+          <a:ext cx="0" cy="0"/>
+          <a:chOff x="0" y="0"/>
+          <a:chExt cx="0" cy="0"/>
+        </a:xfrm>
+      </p:grpSpPr>
+      <p:sp>
+        <p:nvSpPr>
+          <p:cNvPr id="2" name="Title 1">
+            <a:extLst>
+              <a:ext uri="{FF2B5EF4-FFF2-40B4-BE49-F238E27FC236}">
+                <a16:creationId xmlns:a16="http://schemas.microsoft.com/office/drawing/2014/main" id="{D21BC81A-5D2B-5497-5A0A-2B44670C66E7}"/>
+              </a:ext>
+            </a:extLst>
+          </p:cNvPr>
+          <p:cNvSpPr>
+            <a:spLocks noGrp="1"/>
+          </p:cNvSpPr>
+          <p:nvPr>
+            <p:ph type="title"/>
+          </p:nvPr>
+        </p:nvSpPr>
+        <p:spPr/>
+        <p:txBody>
+          <a:bodyPr/>
+          <a:lstStyle/>
+          <a:p>
+            <a:endParaRPr lang="en-IL"/>
+          </a:p>
+        </p:txBody>
+      </p:sp>
+      <p:sp>
+        <p:nvSpPr>
+          <p:cNvPr id="3" name="Content Placeholder 2">
+            <a:extLst>
+              <a:ext uri="{FF2B5EF4-FFF2-40B4-BE49-F238E27FC236}">
+                <a16:creationId xmlns:a16="http://schemas.microsoft.com/office/drawing/2014/main" id="{5511AF50-DAFD-3152-7629-DC9220F93832}"/>
+              </a:ext>
+            </a:extLst>
+          </p:cNvPr>
+          <p:cNvSpPr>
+            <a:spLocks noGrp="1"/>
+          </p:cNvSpPr>
+          <p:nvPr>
+            <p:ph idx="1"/>
+          </p:nvPr>
+        </p:nvSpPr>
+        <p:spPr/>
+        <p:txBody>
+          <a:bodyPr/>
+          <a:lstStyle/>
+          <a:p>
+            <a:endParaRPr lang="en-IL"/>
+          </a:p>
+        </p:txBody>
+      </p:sp>
+    </p:spTree>
+    <p:extLst>
+      <p:ext uri="{BB962C8B-B14F-4D97-AF65-F5344CB8AC3E}">
+        <p14:creationId xmlns:p14="http://schemas.microsoft.com/office/powerpoint/2010/main" val="811044183"/>
+      </p:ext>
+    </p:extLst>
+  </p:cSld>
+  <p:clrMapOvr>
+    <a:masterClrMapping/>
+  </p:clrMapOvr>
+  <mc:AlternateContent xmlns:mc="http://schemas.openxmlformats.org/markup-compatibility/2006" xmlns:p14="http://schemas.microsoft.com/office/powerpoint/2010/main">
+    <mc:Choice Requires="p14">
+      <p:transition spd="slow" p14:dur="1500">
+        <p:split orient="vert"/>
+      </p:transition>
+    </mc:Choice>
+    <mc:Fallback xmlns="">
+      <p:transition spd="slow">
+        <p:split orient="vert"/>
+      </p:transition>
+    </mc:Fallback>
+  </mc:AlternateContent>
+</p:sld>
+</file>
+
+<file path=ppt/slides/slide42.xml><?xml version="1.0" encoding="utf-8"?>
+<p:sld xmlns:a="http://schemas.openxmlformats.org/drawingml/2006/main" xmlns:r="http://schemas.openxmlformats.org/officeDocument/2006/relationships" xmlns:p="http://schemas.openxmlformats.org/presentationml/2006/main">
+  <p:cSld>
+    <p:spTree>
+      <p:nvGrpSpPr>
+        <p:cNvPr id="1" name=""/>
+        <p:cNvGrpSpPr/>
+        <p:nvPr/>
+      </p:nvGrpSpPr>
+      <p:grpSpPr>
+        <a:xfrm>
+          <a:off x="0" y="0"/>
+          <a:ext cx="0" cy="0"/>
+          <a:chOff x="0" y="0"/>
+          <a:chExt cx="0" cy="0"/>
+        </a:xfrm>
+      </p:grpSpPr>
+      <p:sp>
+        <p:nvSpPr>
+          <p:cNvPr id="2" name="Title 1">
+            <a:extLst>
+              <a:ext uri="{FF2B5EF4-FFF2-40B4-BE49-F238E27FC236}">
+                <a16:creationId xmlns:a16="http://schemas.microsoft.com/office/drawing/2014/main" id="{D21BC81A-5D2B-5497-5A0A-2B44670C66E7}"/>
+              </a:ext>
+            </a:extLst>
+          </p:cNvPr>
+          <p:cNvSpPr>
+            <a:spLocks noGrp="1"/>
+          </p:cNvSpPr>
+          <p:nvPr>
+            <p:ph type="title"/>
+          </p:nvPr>
+        </p:nvSpPr>
+        <p:spPr/>
+        <p:txBody>
+          <a:bodyPr/>
+          <a:lstStyle/>
+          <a:p>
+            <a:endParaRPr lang="en-IL"/>
+          </a:p>
+        </p:txBody>
+      </p:sp>
+      <p:sp>
+        <p:nvSpPr>
+          <p:cNvPr id="3" name="Content Placeholder 2">
+            <a:extLst>
+              <a:ext uri="{FF2B5EF4-FFF2-40B4-BE49-F238E27FC236}">
+                <a16:creationId xmlns:a16="http://schemas.microsoft.com/office/drawing/2014/main" id="{5511AF50-DAFD-3152-7629-DC9220F93832}"/>
+              </a:ext>
+            </a:extLst>
+          </p:cNvPr>
+          <p:cNvSpPr>
+            <a:spLocks noGrp="1"/>
+          </p:cNvSpPr>
+          <p:nvPr>
+            <p:ph idx="1"/>
+          </p:nvPr>
+        </p:nvSpPr>
+        <p:spPr/>
+        <p:txBody>
+          <a:bodyPr/>
+          <a:lstStyle/>
+          <a:p>
+            <a:endParaRPr lang="en-IL"/>
+          </a:p>
+        </p:txBody>
+      </p:sp>
+    </p:spTree>
+    <p:extLst>
+      <p:ext uri="{BB962C8B-B14F-4D97-AF65-F5344CB8AC3E}">
+        <p14:creationId xmlns:p14="http://schemas.microsoft.com/office/powerpoint/2010/main" val="2998142779"/>
+      </p:ext>
+    </p:extLst>
+  </p:cSld>
+  <p:clrMapOvr>
+    <a:masterClrMapping/>
+  </p:clrMapOvr>
+  <mc:AlternateContent xmlns:mc="http://schemas.openxmlformats.org/markup-compatibility/2006" xmlns:p14="http://schemas.microsoft.com/office/powerpoint/2010/main">
+    <mc:Choice Requires="p14">
+      <p:transition spd="slow" p14:dur="1500">
+        <p:split orient="vert"/>
+      </p:transition>
+    </mc:Choice>
+    <mc:Fallback xmlns="">
+      <p:transition spd="slow">
+        <p:split orient="vert"/>
+      </p:transition>
+    </mc:Fallback>
+  </mc:AlternateContent>
+</p:sld>
+</file>
+
+<file path=ppt/slides/slide43.xml><?xml version="1.0" encoding="utf-8"?>
+<p:sld xmlns:a="http://schemas.openxmlformats.org/drawingml/2006/main" xmlns:r="http://schemas.openxmlformats.org/officeDocument/2006/relationships" xmlns:p="http://schemas.openxmlformats.org/presentationml/2006/main">
+  <p:cSld>
+    <p:spTree>
+      <p:nvGrpSpPr>
+        <p:cNvPr id="1" name=""/>
+        <p:cNvGrpSpPr/>
+        <p:nvPr/>
+      </p:nvGrpSpPr>
+      <p:grpSpPr>
+        <a:xfrm>
+          <a:off x="0" y="0"/>
+          <a:ext cx="0" cy="0"/>
+          <a:chOff x="0" y="0"/>
+          <a:chExt cx="0" cy="0"/>
+        </a:xfrm>
+      </p:grpSpPr>
+      <p:sp>
+        <p:nvSpPr>
+          <p:cNvPr id="2" name="Title 1">
+            <a:extLst>
+              <a:ext uri="{FF2B5EF4-FFF2-40B4-BE49-F238E27FC236}">
+                <a16:creationId xmlns:a16="http://schemas.microsoft.com/office/drawing/2014/main" id="{CDE076A0-07D9-70D8-60A4-231E04860A9D}"/>
+              </a:ext>
+            </a:extLst>
+          </p:cNvPr>
+          <p:cNvSpPr>
+            <a:spLocks noGrp="1"/>
+          </p:cNvSpPr>
+          <p:nvPr>
+            <p:ph type="title"/>
+          </p:nvPr>
+        </p:nvSpPr>
+        <p:spPr/>
+        <p:txBody>
+          <a:bodyPr/>
+          <a:lstStyle/>
+          <a:p>
+            <a:r>
+              <a:rPr lang="en-US" b="1" i="0" dirty="0">
+                <a:effectLst/>
+                <a:latin typeface="Söhne"/>
+              </a:rPr>
+              <a:t>What is V8 JavaScript Engine</a:t>
+            </a:r>
+            <a:endParaRPr lang="en-IL" dirty="0"/>
+          </a:p>
+        </p:txBody>
+      </p:sp>
+      <p:sp>
+        <p:nvSpPr>
+          <p:cNvPr id="3" name="Content Placeholder 2">
+            <a:extLst>
+              <a:ext uri="{FF2B5EF4-FFF2-40B4-BE49-F238E27FC236}">
+                <a16:creationId xmlns:a16="http://schemas.microsoft.com/office/drawing/2014/main" id="{4571DC12-23B1-E177-385C-ECFEAE1FC19A}"/>
+              </a:ext>
+            </a:extLst>
+          </p:cNvPr>
+          <p:cNvSpPr>
+            <a:spLocks noGrp="1"/>
+          </p:cNvSpPr>
+          <p:nvPr>
+            <p:ph idx="1"/>
+          </p:nvPr>
+        </p:nvSpPr>
+        <p:spPr/>
+        <p:txBody>
+          <a:bodyPr/>
+          <a:lstStyle/>
+          <a:p>
+            <a:pPr algn="l"/>
+            <a:r>
+              <a:rPr lang="en-US" b="0" i="0" dirty="0">
+                <a:solidFill>
+                  <a:srgbClr val="374151"/>
+                </a:solidFill>
+                <a:effectLst/>
+                <a:latin typeface="Söhne"/>
+              </a:rPr>
+              <a:t>Node.js uses Google's V8 JavaScript engine to execute code. V8 is the same engine used in Google Chrome and other Chromium-based browsers, and it compiles JavaScript directly to native machine code for fast execution.</a:t>
+            </a:r>
+          </a:p>
+          <a:p>
+            <a:pPr marL="0" indent="0">
+              <a:buNone/>
+            </a:pPr>
+            <a:endParaRPr lang="en-IL" dirty="0"/>
+          </a:p>
+        </p:txBody>
+      </p:sp>
+    </p:spTree>
+    <p:extLst>
+      <p:ext uri="{BB962C8B-B14F-4D97-AF65-F5344CB8AC3E}">
+        <p14:creationId xmlns:p14="http://schemas.microsoft.com/office/powerpoint/2010/main" val="489636279"/>
+      </p:ext>
+    </p:extLst>
+  </p:cSld>
+  <p:clrMapOvr>
+    <a:masterClrMapping/>
+  </p:clrMapOvr>
+  <mc:AlternateContent xmlns:mc="http://schemas.openxmlformats.org/markup-compatibility/2006" xmlns:p14="http://schemas.microsoft.com/office/powerpoint/2010/main">
+    <mc:Choice Requires="p14">
+      <p:transition spd="slow" p14:dur="1500">
+        <p:split orient="vert"/>
+      </p:transition>
+    </mc:Choice>
+    <mc:Fallback xmlns="">
       <p:transition spd="slow">
         <p:split orient="vert"/>
       </p:transition>
@@ -34537,13 +38062,13 @@
   <p:clrMapOvr>
     <a:masterClrMapping/>
   </p:clrMapOvr>
-  <mc:AlternateContent xmlns:mc="http://schemas.openxmlformats.org/markup-compatibility/2006">
-    <mc:Choice xmlns:p14="http://schemas.microsoft.com/office/powerpoint/2010/main" Requires="p14">
+  <mc:AlternateContent xmlns:mc="http://schemas.openxmlformats.org/markup-compatibility/2006" xmlns:p14="http://schemas.microsoft.com/office/powerpoint/2010/main">
+    <mc:Choice Requires="p14">
       <p:transition spd="slow" p14:dur="1500">
         <p:split orient="vert"/>
       </p:transition>
     </mc:Choice>
-    <mc:Fallback>
+    <mc:Fallback xmlns="">
       <p:transition spd="slow">
         <p:split orient="vert"/>
       </p:transition>
@@ -34705,7 +38230,7 @@
           <a:lstStyle/>
           <a:p>
             <a:r>
-              <a:rPr lang="en-US" sz="2000" b="1" i="0">
+              <a:rPr lang="en-US" sz="2000" b="1" i="0" dirty="0">
                 <a:effectLst/>
                 <a:latin typeface="Söhne"/>
               </a:rPr>
@@ -34714,7 +38239,7 @@
           </a:p>
           <a:p>
             <a:r>
-              <a:rPr lang="en-US" sz="2000" b="1" i="0">
+              <a:rPr lang="en-US" sz="2000" b="1" i="0" dirty="0">
                 <a:effectLst/>
                 <a:latin typeface="Söhne"/>
               </a:rPr>
@@ -34723,20 +38248,27 @@
           </a:p>
           <a:p>
             <a:r>
-              <a:rPr lang="en-US" sz="2000" b="1" i="0">
+              <a:rPr lang="en-US" sz="2000" b="1" i="0" dirty="0">
                 <a:effectLst/>
                 <a:latin typeface="Söhne"/>
               </a:rPr>
-              <a:t>Install Express.js</a:t>
+              <a:t>Install </a:t>
             </a:r>
-            <a:endParaRPr lang="he-IL" sz="2000" b="1" i="0">
+            <a:r>
+              <a:rPr lang="en-US" sz="2000" b="1" i="0" dirty="0" err="1">
+                <a:effectLst/>
+                <a:latin typeface="Söhne"/>
+              </a:rPr>
+              <a:t>Express.js</a:t>
+            </a:r>
+            <a:endParaRPr lang="he-IL" sz="2000" b="1" i="0" dirty="0">
               <a:effectLst/>
               <a:latin typeface="Söhne"/>
             </a:endParaRPr>
           </a:p>
           <a:p>
             <a:r>
-              <a:rPr lang="en-US" sz="2000" b="1" i="0">
+              <a:rPr lang="en-US" sz="2000" b="1" i="0" dirty="0">
                 <a:effectLst/>
                 <a:latin typeface="Söhne"/>
               </a:rPr>
@@ -34745,7 +38277,7 @@
           </a:p>
           <a:p>
             <a:r>
-              <a:rPr lang="en-US" sz="2000" b="1" i="0">
+              <a:rPr lang="en-US" sz="2000" b="1" i="0" dirty="0">
                 <a:effectLst/>
                 <a:latin typeface="Söhne"/>
               </a:rPr>
@@ -34754,7 +38286,7 @@
           </a:p>
           <a:p>
             <a:r>
-              <a:rPr lang="en-US" sz="2000" b="1" i="0">
+              <a:rPr lang="en-US" sz="2000" b="1" i="0" dirty="0">
                 <a:effectLst/>
                 <a:latin typeface="Söhne"/>
               </a:rPr>
@@ -34763,7 +38295,7 @@
           </a:p>
           <a:p>
             <a:r>
-              <a:rPr lang="en-US" sz="2000" b="1" i="0">
+              <a:rPr lang="en-US" sz="2000" b="1" i="0" dirty="0">
                 <a:effectLst/>
                 <a:latin typeface="Söhne"/>
               </a:rPr>
@@ -34774,19 +38306,19 @@
             <a:pPr marL="0" indent="0">
               <a:buNone/>
             </a:pPr>
-            <a:endParaRPr lang="en-US" sz="2000" b="1" i="0">
+            <a:endParaRPr lang="en-US" sz="2000" b="1" i="0" dirty="0">
               <a:effectLst/>
               <a:latin typeface="Söhne"/>
             </a:endParaRPr>
           </a:p>
           <a:p>
-            <a:endParaRPr lang="en-US" sz="2000" b="1" i="0">
+            <a:endParaRPr lang="en-US" sz="2000" b="1" i="0" dirty="0">
               <a:effectLst/>
               <a:latin typeface="Söhne"/>
             </a:endParaRPr>
           </a:p>
           <a:p>
-            <a:endParaRPr lang="en-IL" sz="2000"/>
+            <a:endParaRPr lang="en-IL" sz="2000" dirty="0"/>
           </a:p>
         </p:txBody>
       </p:sp>
@@ -34836,13 +38368,13 @@
   <p:clrMapOvr>
     <a:masterClrMapping/>
   </p:clrMapOvr>
-  <mc:AlternateContent xmlns:mc="http://schemas.openxmlformats.org/markup-compatibility/2006">
-    <mc:Choice xmlns:p14="http://schemas.microsoft.com/office/powerpoint/2010/main" Requires="p14">
+  <mc:AlternateContent xmlns:mc="http://schemas.openxmlformats.org/markup-compatibility/2006" xmlns:p14="http://schemas.microsoft.com/office/powerpoint/2010/main">
+    <mc:Choice Requires="p14">
       <p:transition spd="slow" p14:dur="1500">
         <p:split orient="vert"/>
       </p:transition>
     </mc:Choice>
-    <mc:Fallback>
+    <mc:Fallback xmlns="">
       <p:transition spd="slow">
         <p:split orient="vert"/>
       </p:transition>
@@ -35350,13 +38882,13 @@
   <p:clrMapOvr>
     <a:masterClrMapping/>
   </p:clrMapOvr>
-  <mc:AlternateContent xmlns:mc="http://schemas.openxmlformats.org/markup-compatibility/2006">
-    <mc:Choice xmlns:p14="http://schemas.microsoft.com/office/powerpoint/2010/main" Requires="p14">
+  <mc:AlternateContent xmlns:mc="http://schemas.openxmlformats.org/markup-compatibility/2006" xmlns:p14="http://schemas.microsoft.com/office/powerpoint/2010/main">
+    <mc:Choice Requires="p14">
       <p:transition spd="slow" p14:dur="1500">
         <p:split orient="vert"/>
       </p:transition>
     </mc:Choice>
-    <mc:Fallback>
+    <mc:Fallback xmlns="">
       <p:transition spd="slow">
         <p:split orient="vert"/>
       </p:transition>
@@ -35479,13 +39011,13 @@
           <a:lstStyle/>
           <a:p>
             <a:r>
-              <a:rPr lang="en-US" sz="4000" b="1" i="0">
+              <a:rPr lang="en-US" sz="4000" b="1" i="0" dirty="0">
                 <a:effectLst/>
                 <a:latin typeface="Söhne"/>
               </a:rPr>
               <a:t>Initialize a New Node.js Project</a:t>
             </a:r>
-            <a:endParaRPr lang="en-IL" sz="4000"/>
+            <a:endParaRPr lang="en-IL" sz="4000" dirty="0"/>
           </a:p>
         </p:txBody>
       </p:sp>
@@ -35614,13 +39146,13 @@
   <p:clrMapOvr>
     <a:masterClrMapping/>
   </p:clrMapOvr>
-  <mc:AlternateContent xmlns:mc="http://schemas.openxmlformats.org/markup-compatibility/2006">
-    <mc:Choice xmlns:p14="http://schemas.microsoft.com/office/powerpoint/2010/main" Requires="p14">
+  <mc:AlternateContent xmlns:mc="http://schemas.openxmlformats.org/markup-compatibility/2006" xmlns:p14="http://schemas.microsoft.com/office/powerpoint/2010/main">
+    <mc:Choice Requires="p14">
       <p:transition spd="slow" p14:dur="1500">
         <p:split orient="vert"/>
       </p:transition>
     </mc:Choice>
-    <mc:Fallback>
+    <mc:Fallback xmlns="">
       <p:transition spd="slow">
         <p:split orient="vert"/>
       </p:transition>
@@ -36269,7 +39801,7 @@
                 </a:solidFill>
                 <a:effectLst/>
               </a:rPr>
-              <a:t>–</a:t>
+              <a:t>--</a:t>
             </a:r>
             <a:r>
               <a:rPr lang="en-US" dirty="0" err="1">
@@ -36370,13 +39902,13 @@
   <p:clrMapOvr>
     <a:masterClrMapping/>
   </p:clrMapOvr>
-  <mc:AlternateContent xmlns:mc="http://schemas.openxmlformats.org/markup-compatibility/2006">
-    <mc:Choice xmlns:p14="http://schemas.microsoft.com/office/powerpoint/2010/main" Requires="p14">
+  <mc:AlternateContent xmlns:mc="http://schemas.openxmlformats.org/markup-compatibility/2006" xmlns:p14="http://schemas.microsoft.com/office/powerpoint/2010/main">
+    <mc:Choice Requires="p14">
       <p:transition spd="slow" p14:dur="1500">
         <p:split orient="vert"/>
       </p:transition>
     </mc:Choice>
-    <mc:Fallback>
+    <mc:Fallback xmlns="">
       <p:transition spd="slow">
         <p:split orient="vert"/>
       </p:transition>

--- a/26ass/Node intro.pptx
+++ b/26ass/Node intro.pptx
@@ -10713,7 +10713,7 @@
           <a:p>
             <a:fld id="{A3C8715F-31E8-0C42-A116-9C25AE71A9FB}" type="datetimeFigureOut">
               <a:rPr lang="en-IL" smtClean="0"/>
-              <a:t>28/08/2023</a:t>
+              <a:t>04/09/2023</a:t>
             </a:fld>
             <a:endParaRPr lang="en-IL"/>
           </a:p>
@@ -10913,7 +10913,7 @@
           <a:p>
             <a:fld id="{A3C8715F-31E8-0C42-A116-9C25AE71A9FB}" type="datetimeFigureOut">
               <a:rPr lang="en-IL" smtClean="0"/>
-              <a:t>28/08/2023</a:t>
+              <a:t>04/09/2023</a:t>
             </a:fld>
             <a:endParaRPr lang="en-IL"/>
           </a:p>
@@ -11123,7 +11123,7 @@
           <a:p>
             <a:fld id="{A3C8715F-31E8-0C42-A116-9C25AE71A9FB}" type="datetimeFigureOut">
               <a:rPr lang="en-IL" smtClean="0"/>
-              <a:t>28/08/2023</a:t>
+              <a:t>04/09/2023</a:t>
             </a:fld>
             <a:endParaRPr lang="en-IL"/>
           </a:p>
@@ -11323,7 +11323,7 @@
           <a:p>
             <a:fld id="{A3C8715F-31E8-0C42-A116-9C25AE71A9FB}" type="datetimeFigureOut">
               <a:rPr lang="en-IL" smtClean="0"/>
-              <a:t>28/08/2023</a:t>
+              <a:t>04/09/2023</a:t>
             </a:fld>
             <a:endParaRPr lang="en-IL"/>
           </a:p>
@@ -11599,7 +11599,7 @@
           <a:p>
             <a:fld id="{A3C8715F-31E8-0C42-A116-9C25AE71A9FB}" type="datetimeFigureOut">
               <a:rPr lang="en-IL" smtClean="0"/>
-              <a:t>28/08/2023</a:t>
+              <a:t>04/09/2023</a:t>
             </a:fld>
             <a:endParaRPr lang="en-IL"/>
           </a:p>
@@ -11867,7 +11867,7 @@
           <a:p>
             <a:fld id="{A3C8715F-31E8-0C42-A116-9C25AE71A9FB}" type="datetimeFigureOut">
               <a:rPr lang="en-IL" smtClean="0"/>
-              <a:t>28/08/2023</a:t>
+              <a:t>04/09/2023</a:t>
             </a:fld>
             <a:endParaRPr lang="en-IL"/>
           </a:p>
@@ -12282,7 +12282,7 @@
           <a:p>
             <a:fld id="{A3C8715F-31E8-0C42-A116-9C25AE71A9FB}" type="datetimeFigureOut">
               <a:rPr lang="en-IL" smtClean="0"/>
-              <a:t>28/08/2023</a:t>
+              <a:t>04/09/2023</a:t>
             </a:fld>
             <a:endParaRPr lang="en-IL"/>
           </a:p>
@@ -12424,7 +12424,7 @@
           <a:p>
             <a:fld id="{A3C8715F-31E8-0C42-A116-9C25AE71A9FB}" type="datetimeFigureOut">
               <a:rPr lang="en-IL" smtClean="0"/>
-              <a:t>28/08/2023</a:t>
+              <a:t>04/09/2023</a:t>
             </a:fld>
             <a:endParaRPr lang="en-IL"/>
           </a:p>
@@ -12537,7 +12537,7 @@
           <a:p>
             <a:fld id="{A3C8715F-31E8-0C42-A116-9C25AE71A9FB}" type="datetimeFigureOut">
               <a:rPr lang="en-IL" smtClean="0"/>
-              <a:t>28/08/2023</a:t>
+              <a:t>04/09/2023</a:t>
             </a:fld>
             <a:endParaRPr lang="en-IL"/>
           </a:p>
@@ -12850,7 +12850,7 @@
           <a:p>
             <a:fld id="{A3C8715F-31E8-0C42-A116-9C25AE71A9FB}" type="datetimeFigureOut">
               <a:rPr lang="en-IL" smtClean="0"/>
-              <a:t>28/08/2023</a:t>
+              <a:t>04/09/2023</a:t>
             </a:fld>
             <a:endParaRPr lang="en-IL"/>
           </a:p>
@@ -13139,7 +13139,7 @@
           <a:p>
             <a:fld id="{A3C8715F-31E8-0C42-A116-9C25AE71A9FB}" type="datetimeFigureOut">
               <a:rPr lang="en-IL" smtClean="0"/>
-              <a:t>28/08/2023</a:t>
+              <a:t>04/09/2023</a:t>
             </a:fld>
             <a:endParaRPr lang="en-IL"/>
           </a:p>
@@ -13382,7 +13382,7 @@
           <a:p>
             <a:fld id="{A3C8715F-31E8-0C42-A116-9C25AE71A9FB}" type="datetimeFigureOut">
               <a:rPr lang="en-IL" smtClean="0"/>
-              <a:t>28/08/2023</a:t>
+              <a:t>04/09/2023</a:t>
             </a:fld>
             <a:endParaRPr lang="en-IL"/>
           </a:p>
@@ -38859,16 +38859,32 @@
           <a:lstStyle/>
           <a:p>
             <a:r>
-              <a:rPr lang="en-US" sz="2000"/>
-              <a:t>mkdir my-node-server-ts </a:t>
+              <a:rPr lang="en-US" sz="2000" dirty="0" err="1"/>
+              <a:t>mkdir</a:t>
+            </a:r>
+            <a:r>
+              <a:rPr lang="en-US" sz="2000" dirty="0"/>
+              <a:t> my-node-server-</a:t>
+            </a:r>
+            <a:r>
+              <a:rPr lang="en-US" sz="2000" dirty="0" err="1"/>
+              <a:t>ts</a:t>
+            </a:r>
+            <a:r>
+              <a:rPr lang="en-US" sz="2000" dirty="0"/>
+              <a:t> </a:t>
             </a:r>
           </a:p>
           <a:p>
             <a:r>
-              <a:rPr lang="en-US" sz="2000"/>
-              <a:t>cd my-node-server-ts</a:t>
+              <a:rPr lang="en-US" sz="2000" dirty="0"/>
+              <a:t>cd my-node-server-</a:t>
             </a:r>
-            <a:endParaRPr lang="en-IL" sz="2000"/>
+            <a:r>
+              <a:rPr lang="en-US" sz="2000" dirty="0" err="1"/>
+              <a:t>ts</a:t>
+            </a:r>
+            <a:endParaRPr lang="en-IL" sz="2000" dirty="0"/>
           </a:p>
         </p:txBody>
       </p:sp>
